--- a/cours/2016_01_Rendu.pptx
+++ b/cours/2016_01_Rendu.pptx
@@ -5,10 +5,10 @@
     <p:sldMasterId id="2147483648" r:id="rId1"/>
   </p:sldMasterIdLst>
   <p:notesMasterIdLst>
-    <p:notesMasterId r:id="rId74"/>
+    <p:notesMasterId r:id="rId75"/>
   </p:notesMasterIdLst>
   <p:handoutMasterIdLst>
-    <p:handoutMasterId r:id="rId75"/>
+    <p:handoutMasterId r:id="rId76"/>
   </p:handoutMasterIdLst>
   <p:sldIdLst>
     <p:sldId id="281" r:id="rId2"/>
@@ -54,35 +54,36 @@
     <p:sldId id="308" r:id="rId42"/>
     <p:sldId id="360" r:id="rId43"/>
     <p:sldId id="350" r:id="rId44"/>
-    <p:sldId id="358" r:id="rId45"/>
+    <p:sldId id="364" r:id="rId45"/>
     <p:sldId id="359" r:id="rId46"/>
-    <p:sldId id="357" r:id="rId47"/>
-    <p:sldId id="356" r:id="rId48"/>
-    <p:sldId id="361" r:id="rId49"/>
-    <p:sldId id="347" r:id="rId50"/>
-    <p:sldId id="317" r:id="rId51"/>
-    <p:sldId id="345" r:id="rId52"/>
-    <p:sldId id="346" r:id="rId53"/>
-    <p:sldId id="313" r:id="rId54"/>
-    <p:sldId id="321" r:id="rId55"/>
-    <p:sldId id="348" r:id="rId56"/>
-    <p:sldId id="314" r:id="rId57"/>
-    <p:sldId id="316" r:id="rId58"/>
-    <p:sldId id="315" r:id="rId59"/>
-    <p:sldId id="319" r:id="rId60"/>
-    <p:sldId id="318" r:id="rId61"/>
-    <p:sldId id="320" r:id="rId62"/>
-    <p:sldId id="322" r:id="rId63"/>
-    <p:sldId id="323" r:id="rId64"/>
-    <p:sldId id="354" r:id="rId65"/>
-    <p:sldId id="324" r:id="rId66"/>
-    <p:sldId id="325" r:id="rId67"/>
-    <p:sldId id="326" r:id="rId68"/>
-    <p:sldId id="327" r:id="rId69"/>
-    <p:sldId id="328" r:id="rId70"/>
-    <p:sldId id="355" r:id="rId71"/>
-    <p:sldId id="351" r:id="rId72"/>
-    <p:sldId id="330" r:id="rId73"/>
+    <p:sldId id="358" r:id="rId47"/>
+    <p:sldId id="357" r:id="rId48"/>
+    <p:sldId id="365" r:id="rId49"/>
+    <p:sldId id="356" r:id="rId50"/>
+    <p:sldId id="347" r:id="rId51"/>
+    <p:sldId id="363" r:id="rId52"/>
+    <p:sldId id="317" r:id="rId53"/>
+    <p:sldId id="345" r:id="rId54"/>
+    <p:sldId id="346" r:id="rId55"/>
+    <p:sldId id="321" r:id="rId56"/>
+    <p:sldId id="348" r:id="rId57"/>
+    <p:sldId id="362" r:id="rId58"/>
+    <p:sldId id="314" r:id="rId59"/>
+    <p:sldId id="315" r:id="rId60"/>
+    <p:sldId id="319" r:id="rId61"/>
+    <p:sldId id="318" r:id="rId62"/>
+    <p:sldId id="320" r:id="rId63"/>
+    <p:sldId id="322" r:id="rId64"/>
+    <p:sldId id="323" r:id="rId65"/>
+    <p:sldId id="354" r:id="rId66"/>
+    <p:sldId id="324" r:id="rId67"/>
+    <p:sldId id="325" r:id="rId68"/>
+    <p:sldId id="326" r:id="rId69"/>
+    <p:sldId id="327" r:id="rId70"/>
+    <p:sldId id="328" r:id="rId71"/>
+    <p:sldId id="355" r:id="rId72"/>
+    <p:sldId id="351" r:id="rId73"/>
+    <p:sldId id="330" r:id="rId74"/>
   </p:sldIdLst>
   <p:sldSz cx="9144000" cy="6858000" type="screen4x3"/>
   <p:notesSz cx="6858000" cy="9144000"/>
@@ -5014,23 +5015,7 @@
                   <a:schemeClr val="tx1"/>
                 </a:solidFill>
               </a:rPr>
-              <a:t>API </a:t>
-            </a:r>
-            <a:r>
-              <a:rPr lang="fr-FR" sz="3200" i="1" dirty="0" smtClean="0">
-                <a:solidFill>
-                  <a:schemeClr val="tx1"/>
-                </a:solidFill>
-              </a:rPr>
-              <a:t>RENDU OPENGL</a:t>
-            </a:r>
-            <a:r>
-              <a:rPr lang="fr-FR" sz="3200" i="1" dirty="0" smtClean="0">
-                <a:solidFill>
-                  <a:schemeClr val="tx1"/>
-                </a:solidFill>
-              </a:rPr>
-              <a:t/>
+              <a:t>API RENDU OPENGL</a:t>
             </a:r>
             <a:br>
               <a:rPr lang="fr-FR" sz="3200" i="1" dirty="0" smtClean="0">
@@ -6286,7 +6271,15 @@
             <a:pPr lvl="1"/>
             <a:r>
               <a:rPr lang="fr-FR" u="sng" dirty="0" smtClean="0"/>
-              <a:t>Dessiner des primitives basic (point, ligne, </a:t>
+              <a:t>Dessiner des primitives </a:t>
+            </a:r>
+            <a:r>
+              <a:rPr lang="fr-FR" u="sng" dirty="0" smtClean="0"/>
+              <a:t>(</a:t>
+            </a:r>
+            <a:r>
+              <a:rPr lang="fr-FR" u="sng" dirty="0" smtClean="0"/>
+              <a:t>point, ligne, </a:t>
             </a:r>
             <a:r>
               <a:rPr lang="fr-FR" u="sng" dirty="0" err="1" smtClean="0"/>
@@ -6308,28 +6301,42 @@
             <a:pPr lvl="1"/>
             <a:r>
               <a:rPr lang="fr-FR" u="sng" dirty="0" smtClean="0"/>
-              <a:t> cacher des surface (Z-buffer)</a:t>
+              <a:t>Cacher </a:t>
+            </a:r>
+            <a:r>
+              <a:rPr lang="fr-FR" u="sng" dirty="0" smtClean="0"/>
+              <a:t>des surface (Z-buffer)</a:t>
             </a:r>
           </a:p>
           <a:p>
             <a:pPr lvl="1"/>
             <a:r>
               <a:rPr lang="fr-FR" u="sng" dirty="0" smtClean="0"/>
-              <a:t>Réaliser des illumination, ombrage</a:t>
-            </a:r>
+              <a:t>Réaliser des </a:t>
+            </a:r>
+            <a:r>
+              <a:rPr lang="fr-FR" u="sng" dirty="0" smtClean="0"/>
+              <a:t>illuminations, ombrages</a:t>
+            </a:r>
+            <a:endParaRPr lang="fr-FR" u="sng" dirty="0" smtClean="0"/>
           </a:p>
           <a:p>
             <a:pPr lvl="1"/>
             <a:r>
               <a:rPr lang="fr-FR" dirty="0" smtClean="0"/>
-              <a:t>Texture</a:t>
-            </a:r>
+              <a:t>Afficher des textures</a:t>
+            </a:r>
+            <a:endParaRPr lang="fr-FR" dirty="0" smtClean="0"/>
           </a:p>
           <a:p>
             <a:pPr lvl="1"/>
             <a:r>
               <a:rPr lang="fr-FR" dirty="0" smtClean="0"/>
-              <a:t>Opération sur les pixels</a:t>
+              <a:t>Opérations </a:t>
+            </a:r>
+            <a:r>
+              <a:rPr lang="fr-FR" dirty="0" smtClean="0"/>
+              <a:t>sur les pixels</a:t>
             </a:r>
           </a:p>
           <a:p>
@@ -8039,11 +8046,19 @@
             <a:pPr lvl="1"/>
             <a:r>
               <a:rPr lang="fr-FR" dirty="0" smtClean="0"/>
-              <a:t>Chaque variable d’état ou mode ont une valeur par </a:t>
-            </a:r>
-            <a:r>
-              <a:rPr lang="fr-FR" dirty="0" err="1" smtClean="0"/>
-              <a:t>défault</a:t>
+              <a:t>Chaque variable d’état ou mode </a:t>
+            </a:r>
+            <a:r>
+              <a:rPr lang="fr-FR" dirty="0" smtClean="0"/>
+              <a:t>a </a:t>
+            </a:r>
+            <a:r>
+              <a:rPr lang="fr-FR" dirty="0" smtClean="0"/>
+              <a:t>une valeur par </a:t>
+            </a:r>
+            <a:r>
+              <a:rPr lang="fr-FR" dirty="0" smtClean="0"/>
+              <a:t>défaut</a:t>
             </a:r>
             <a:endParaRPr lang="fr-FR" dirty="0"/>
           </a:p>
@@ -9127,14 +9142,14 @@
             <p:ph idx="1"/>
             <p:extLst>
               <p:ext uri="{D42A27DB-BD31-4B8C-83A1-F6EECF244321}">
-                <p14:modId xmlns:p14="http://schemas.microsoft.com/office/powerpoint/2010/main" val="1217500010"/>
+                <p14:modId xmlns:p14="http://schemas.microsoft.com/office/powerpoint/2010/main" val="4161368314"/>
               </p:ext>
             </p:extLst>
           </p:nvPr>
         </p:nvGraphicFramePr>
         <p:xfrm>
-          <a:off x="489276" y="1978140"/>
-          <a:ext cx="8380156" cy="2279808"/>
+          <a:off x="457200" y="2477553"/>
+          <a:ext cx="8380156" cy="2222076"/>
         </p:xfrm>
         <a:graphic>
           <a:graphicData uri="http://schemas.openxmlformats.org/drawingml/2006/table">
@@ -9478,12 +9493,24 @@
                     <a:p>
                       <a:pPr algn="l" fontAlgn="b"/>
                       <a:r>
-                        <a:rPr lang="fr-FR" sz="1200" u="none" strike="noStrike">
+                        <a:rPr lang="fr-FR" sz="1200" u="none" strike="noStrike" dirty="0" err="1">
                           <a:effectLst/>
                         </a:rPr>
-                        <a:t>GLint, GLsizei</a:t>
+                        <a:t>GLint</a:t>
                       </a:r>
-                      <a:endParaRPr lang="fr-FR" sz="1200" b="0" i="0" u="none" strike="noStrike">
+                      <a:r>
+                        <a:rPr lang="fr-FR" sz="1200" u="none" strike="noStrike" dirty="0">
+                          <a:effectLst/>
+                        </a:rPr>
+                        <a:t>, </a:t>
+                      </a:r>
+                      <a:r>
+                        <a:rPr lang="fr-FR" sz="1200" u="none" strike="noStrike" dirty="0" err="1">
+                          <a:effectLst/>
+                        </a:rPr>
+                        <a:t>GLsizei</a:t>
+                      </a:r>
+                      <a:endParaRPr lang="fr-FR" sz="1200" b="0" i="0" u="none" strike="noStrike" dirty="0">
                         <a:solidFill>
                           <a:srgbClr val="000000"/>
                         </a:solidFill>
@@ -9658,7 +9685,7 @@
                   <a:tcPr marL="12700" marR="12700" marT="12700" marB="0" anchor="b"/>
                 </a:tc>
               </a:tr>
-              <a:tr h="253312">
+              <a:tr h="94227">
                 <a:tc>
                   <a:txBody>
                     <a:bodyPr/>
@@ -10584,7 +10611,15 @@
           <a:bodyPr/>
           <a:lstStyle/>
           <a:p>
-            <a:endParaRPr lang="fr-FR"/>
+            <a:r>
+              <a:rPr lang="fr-FR" dirty="0"/>
+              <a:t>Liste de </a:t>
+            </a:r>
+            <a:r>
+              <a:rPr lang="fr-FR" dirty="0" smtClean="0"/>
+              <a:t>points</a:t>
+            </a:r>
+            <a:endParaRPr lang="fr-FR" dirty="0"/>
           </a:p>
         </p:txBody>
       </p:sp>
@@ -10606,22 +10641,17 @@
         </p:spPr>
         <p:txBody>
           <a:bodyPr>
-            <a:normAutofit fontScale="85000" lnSpcReduction="20000"/>
+            <a:normAutofit fontScale="92500" lnSpcReduction="20000"/>
           </a:bodyPr>
           <a:lstStyle/>
           <a:p>
             <a:r>
+              <a:rPr lang="fr-FR" dirty="0" smtClean="0"/>
+              <a:t>Primitive </a:t>
+            </a:r>
+            <a:r>
               <a:rPr lang="fr-FR" dirty="0"/>
-              <a:t>Liste de points</a:t>
-            </a:r>
-          </a:p>
-          <a:p>
-            <a:endParaRPr lang="fr-FR" dirty="0"/>
-          </a:p>
-          <a:p>
-            <a:r>
-              <a:rPr lang="fr-FR" dirty="0"/>
-              <a:t>Primitive la plus simple. Chaque vertex spécifié représente un point unique.</a:t>
+              <a:t>la plus simple. Chaque vertex spécifié représente un point unique.</a:t>
             </a:r>
           </a:p>
           <a:p>
@@ -10738,7 +10768,7 @@
           <a:p>
             <a:fld id="{C850DD23-775D-0B40-9AB0-5F915D773DB7}" type="datetime1">
               <a:rPr lang="fr-FR" smtClean="0"/>
-              <a:t>15/09/16</a:t>
+              <a:t>16/09/16</a:t>
             </a:fld>
             <a:endParaRPr lang="fr-FR" dirty="0"/>
           </a:p>
@@ -11157,7 +11187,11 @@
           <a:bodyPr/>
           <a:lstStyle/>
           <a:p>
-            <a:endParaRPr lang="fr-FR"/>
+            <a:r>
+              <a:rPr lang="fr-FR" dirty="0"/>
+              <a:t>Liste de segments</a:t>
+            </a:r>
+            <a:endParaRPr lang="fr-FR" dirty="0"/>
           </a:p>
         </p:txBody>
       </p:sp>
@@ -11178,18 +11212,16 @@
           </a:bodyPr>
           <a:lstStyle/>
           <a:p>
+            <a:pPr marL="0" indent="0">
+              <a:buNone/>
+            </a:pPr>
+            <a:r>
+              <a:rPr lang="fr-FR" sz="1800" dirty="0" smtClean="0"/>
+              <a:t>Chaque </a:t>
+            </a:r>
             <a:r>
               <a:rPr lang="fr-FR" sz="1800" dirty="0"/>
-              <a:t>Liste de segments</a:t>
-            </a:r>
-          </a:p>
-          <a:p>
-            <a:endParaRPr lang="fr-FR" sz="1800" dirty="0"/>
-          </a:p>
-          <a:p>
-            <a:r>
-              <a:rPr lang="fr-FR" sz="1800" dirty="0"/>
-              <a:t>Chaque paire de </a:t>
+              <a:t>paire de </a:t>
             </a:r>
             <a:r>
               <a:rPr lang="fr-FR" sz="1800" dirty="0" err="1"/>
@@ -11292,7 +11324,7 @@
           <a:p>
             <a:fld id="{A5FC51E9-CFB9-2B4A-87A9-901C19D9EDCF}" type="datetime1">
               <a:rPr lang="fr-FR" smtClean="0"/>
-              <a:t>15/09/16</a:t>
+              <a:t>16/09/16</a:t>
             </a:fld>
             <a:endParaRPr lang="fr-FR" dirty="0"/>
           </a:p>
@@ -11768,7 +11800,19 @@
           <a:bodyPr/>
           <a:lstStyle/>
           <a:p>
-            <a:endParaRPr lang="fr-FR"/>
+            <a:r>
+              <a:rPr lang="fr-FR" dirty="0"/>
+              <a:t>Ligne brisée (line </a:t>
+            </a:r>
+            <a:r>
+              <a:rPr lang="fr-FR" dirty="0" err="1"/>
+              <a:t>strip</a:t>
+            </a:r>
+            <a:r>
+              <a:rPr lang="fr-FR" dirty="0"/>
+              <a:t>)</a:t>
+            </a:r>
+            <a:endParaRPr lang="fr-FR" dirty="0"/>
           </a:p>
         </p:txBody>
       </p:sp>
@@ -11789,25 +11833,11 @@
           </a:bodyPr>
           <a:lstStyle/>
           <a:p>
-            <a:r>
-              <a:rPr lang="fr-FR" sz="1800" dirty="0"/>
-              <a:t>Ligne brisée (line </a:t>
-            </a:r>
-            <a:r>
-              <a:rPr lang="fr-FR" sz="1800" dirty="0" err="1"/>
-              <a:t>strip</a:t>
-            </a:r>
-            <a:r>
-              <a:rPr lang="fr-FR" sz="1800" dirty="0"/>
-              <a:t>)</a:t>
-            </a:r>
-          </a:p>
-          <a:p>
-            <a:endParaRPr lang="fr-FR" sz="1800" dirty="0"/>
-          </a:p>
-          <a:p>
-            <a:r>
-              <a:rPr lang="fr-FR" sz="1800" dirty="0"/>
+            <a:pPr marL="0" indent="0">
+              <a:buNone/>
+            </a:pPr>
+            <a:r>
+              <a:rPr lang="fr-FR" sz="1800" dirty="0" smtClean="0"/>
               <a:t>Les </a:t>
             </a:r>
             <a:r>
@@ -11911,7 +11941,7 @@
           <a:p>
             <a:fld id="{585347C8-3E4E-5646-930B-6FDE6BBBB687}" type="datetime1">
               <a:rPr lang="fr-FR" smtClean="0"/>
-              <a:t>15/09/16</a:t>
+              <a:t>16/09/16</a:t>
             </a:fld>
             <a:endParaRPr lang="fr-FR" dirty="0"/>
           </a:p>
@@ -12372,7 +12402,19 @@
           <a:bodyPr/>
           <a:lstStyle/>
           <a:p>
-            <a:endParaRPr lang="fr-FR"/>
+            <a:r>
+              <a:rPr lang="fr-FR" dirty="0"/>
+              <a:t>Ligne brisée fermée (line </a:t>
+            </a:r>
+            <a:r>
+              <a:rPr lang="fr-FR" dirty="0" err="1"/>
+              <a:t>loop</a:t>
+            </a:r>
+            <a:r>
+              <a:rPr lang="fr-FR" dirty="0"/>
+              <a:t>)</a:t>
+            </a:r>
+            <a:endParaRPr lang="fr-FR" dirty="0"/>
           </a:p>
         </p:txBody>
       </p:sp>
@@ -12393,25 +12435,11 @@
           </a:bodyPr>
           <a:lstStyle/>
           <a:p>
-            <a:r>
-              <a:rPr lang="fr-FR" sz="1600" dirty="0"/>
-              <a:t>Ligne brisée fermée (line </a:t>
-            </a:r>
-            <a:r>
-              <a:rPr lang="fr-FR" sz="1600" dirty="0" err="1"/>
-              <a:t>loop</a:t>
-            </a:r>
-            <a:r>
-              <a:rPr lang="fr-FR" sz="1600" dirty="0"/>
-              <a:t>)</a:t>
-            </a:r>
-          </a:p>
-          <a:p>
-            <a:endParaRPr lang="fr-FR" sz="1600" dirty="0"/>
-          </a:p>
-          <a:p>
-            <a:r>
-              <a:rPr lang="fr-FR" sz="1600" dirty="0"/>
+            <a:pPr marL="0" indent="0">
+              <a:buNone/>
+            </a:pPr>
+            <a:r>
+              <a:rPr lang="fr-FR" sz="1600" dirty="0" smtClean="0"/>
               <a:t>Les </a:t>
             </a:r>
             <a:r>
@@ -12515,7 +12543,7 @@
           <a:p>
             <a:fld id="{13FD68F5-9AFD-8248-ABEF-ACC47CB5A476}" type="datetime1">
               <a:rPr lang="fr-FR" smtClean="0"/>
-              <a:t>15/09/16</a:t>
+              <a:t>16/09/16</a:t>
             </a:fld>
             <a:endParaRPr lang="fr-FR" dirty="0"/>
           </a:p>
@@ -13200,7 +13228,15 @@
           <a:bodyPr/>
           <a:lstStyle/>
           <a:p>
-            <a:endParaRPr lang="fr-FR"/>
+            <a:r>
+              <a:rPr lang="fr-FR" dirty="0"/>
+              <a:t>Liste de </a:t>
+            </a:r>
+            <a:r>
+              <a:rPr lang="fr-FR" dirty="0" smtClean="0"/>
+              <a:t>triangles</a:t>
+            </a:r>
+            <a:endParaRPr lang="fr-FR" dirty="0"/>
           </a:p>
         </p:txBody>
       </p:sp>
@@ -13222,17 +13258,12 @@
           <a:lstStyle/>
           <a:p>
             <a:r>
+              <a:rPr lang="fr-FR" sz="1800" dirty="0" smtClean="0"/>
+              <a:t>Chaque </a:t>
+            </a:r>
+            <a:r>
               <a:rPr lang="fr-FR" sz="1800" dirty="0"/>
-              <a:t>Liste de triangles</a:t>
-            </a:r>
-          </a:p>
-          <a:p>
-            <a:endParaRPr lang="fr-FR" sz="1800" dirty="0"/>
-          </a:p>
-          <a:p>
-            <a:r>
-              <a:rPr lang="fr-FR" sz="1800" dirty="0"/>
-              <a:t>Chaque triplet de </a:t>
+              <a:t>triplet de </a:t>
             </a:r>
             <a:r>
               <a:rPr lang="fr-FR" sz="1800" dirty="0" err="1"/>
@@ -13348,7 +13379,7 @@
           <a:p>
             <a:fld id="{5BB30ADE-6D6D-9143-AB88-0BF70A4FB983}" type="datetime1">
               <a:rPr lang="fr-FR" smtClean="0"/>
-              <a:t>15/09/16</a:t>
+              <a:t>16/09/16</a:t>
             </a:fld>
             <a:endParaRPr lang="fr-FR" dirty="0"/>
           </a:p>
@@ -13844,7 +13875,19 @@
           <a:bodyPr/>
           <a:lstStyle/>
           <a:p>
-            <a:endParaRPr lang="fr-FR"/>
+            <a:r>
+              <a:rPr lang="fr-FR" dirty="0"/>
+              <a:t>Bande de triangles (triangle </a:t>
+            </a:r>
+            <a:r>
+              <a:rPr lang="fr-FR" dirty="0" err="1"/>
+              <a:t>strip</a:t>
+            </a:r>
+            <a:r>
+              <a:rPr lang="fr-FR" dirty="0" smtClean="0"/>
+              <a:t>)</a:t>
+            </a:r>
+            <a:endParaRPr lang="fr-FR" dirty="0"/>
           </a:p>
         </p:txBody>
       </p:sp>
@@ -13865,78 +13908,72 @@
           </a:bodyPr>
           <a:lstStyle/>
           <a:p>
-            <a:r>
-              <a:rPr lang="fr-FR" sz="1400" dirty="0"/>
-              <a:t>Bande de triangles (triangle </a:t>
-            </a:r>
-            <a:r>
-              <a:rPr lang="fr-FR" sz="1400" dirty="0" err="1"/>
-              <a:t>strip</a:t>
-            </a:r>
-            <a:r>
-              <a:rPr lang="fr-FR" sz="1400" dirty="0"/>
+            <a:pPr marL="0" indent="0">
+              <a:buNone/>
+            </a:pPr>
+            <a:r>
+              <a:rPr lang="fr-FR" sz="1800" dirty="0" smtClean="0"/>
+              <a:t>Définit </a:t>
+            </a:r>
+            <a:r>
+              <a:rPr lang="fr-FR" sz="1800" dirty="0"/>
+              <a:t>un groupe de triangles connectés. Chaque vertex supplémentaire forme un triangle avec les 2 </a:t>
+            </a:r>
+            <a:r>
+              <a:rPr lang="fr-FR" sz="1800" dirty="0" err="1"/>
+              <a:t>vertices</a:t>
+            </a:r>
+            <a:r>
+              <a:rPr lang="fr-FR" sz="1800" dirty="0"/>
+              <a:t> précédents.</a:t>
+            </a:r>
+          </a:p>
+          <a:p>
+            <a:endParaRPr lang="fr-FR" sz="1800" dirty="0"/>
+          </a:p>
+          <a:p>
+            <a:r>
+              <a:rPr lang="fr-FR" sz="1800" dirty="0"/>
+              <a:t>Ce type de primitive est à privilégier dès que possible par rapport aux listes de triangles, pour  des raisons de performances (partage des </a:t>
+            </a:r>
+            <a:r>
+              <a:rPr lang="fr-FR" sz="1800" dirty="0" err="1"/>
+              <a:t>vertices</a:t>
+            </a:r>
+            <a:r>
+              <a:rPr lang="fr-FR" sz="1800" dirty="0"/>
               <a:t>)</a:t>
             </a:r>
-          </a:p>
-          <a:p>
-            <a:endParaRPr lang="fr-FR" sz="1400" dirty="0"/>
-          </a:p>
-          <a:p>
-            <a:r>
-              <a:rPr lang="fr-FR" sz="1400" dirty="0"/>
-              <a:t>Définit un groupe de triangles connectés. Chaque vertex supplémentaire forme un triangle avec les 2 </a:t>
-            </a:r>
-            <a:r>
-              <a:rPr lang="fr-FR" sz="1400" dirty="0" err="1"/>
+            <a:r>
+              <a:rPr lang="fr-FR" sz="1800" dirty="0" smtClean="0"/>
+              <a:t>.</a:t>
+            </a:r>
+            <a:endParaRPr lang="fr-FR" sz="1800" dirty="0"/>
+          </a:p>
+          <a:p>
+            <a:r>
+              <a:rPr lang="fr-FR" sz="1800" dirty="0"/>
+              <a:t>Il est possible de concaténer 2 bandes non jointives en une seule primitive, en dupliquant le dernier vertex de la première bande et le premier vertex de la seconde (génération de triangles dégénérés)</a:t>
+            </a:r>
+            <a:r>
+              <a:rPr lang="fr-FR" sz="1800" dirty="0" smtClean="0"/>
+              <a:t>.</a:t>
+            </a:r>
+            <a:endParaRPr lang="fr-FR" sz="1800" dirty="0"/>
+          </a:p>
+          <a:p>
+            <a:r>
+              <a:rPr lang="fr-FR" sz="1800" dirty="0"/>
+              <a:t>Rendement : N triangles = N+2 </a:t>
+            </a:r>
+            <a:r>
+              <a:rPr lang="fr-FR" sz="1800" dirty="0" err="1"/>
               <a:t>vertices</a:t>
             </a:r>
-            <a:r>
-              <a:rPr lang="fr-FR" sz="1400" dirty="0"/>
-              <a:t> précédents.</a:t>
-            </a:r>
-          </a:p>
-          <a:p>
-            <a:endParaRPr lang="fr-FR" sz="1400" dirty="0"/>
-          </a:p>
-          <a:p>
-            <a:r>
-              <a:rPr lang="fr-FR" sz="1400" dirty="0"/>
-              <a:t>Ce type de primitive est à privilégier dès que possible par rapport aux listes de triangles, pour  des raisons de performances (partage des </a:t>
-            </a:r>
-            <a:r>
-              <a:rPr lang="fr-FR" sz="1400" dirty="0" err="1"/>
-              <a:t>vertices</a:t>
-            </a:r>
-            <a:r>
-              <a:rPr lang="fr-FR" sz="1400" dirty="0"/>
-              <a:t>).</a:t>
-            </a:r>
-          </a:p>
-          <a:p>
-            <a:endParaRPr lang="fr-FR" sz="1400" dirty="0"/>
-          </a:p>
-          <a:p>
-            <a:r>
-              <a:rPr lang="fr-FR" sz="1400" dirty="0"/>
-              <a:t>Il est possible de concaténer 2 bandes non jointives en une seule primitive, en dupliquant le dernier vertex de la première bande et le premier vertex de la seconde (génération de triangles dégénérés).</a:t>
-            </a:r>
-          </a:p>
-          <a:p>
-            <a:endParaRPr lang="fr-FR" sz="1400" dirty="0"/>
-          </a:p>
-          <a:p>
-            <a:r>
-              <a:rPr lang="fr-FR" sz="1400" dirty="0"/>
-              <a:t>Rendement : N triangles = N+2 </a:t>
-            </a:r>
-            <a:r>
-              <a:rPr lang="fr-FR" sz="1400" dirty="0" err="1"/>
-              <a:t>vertices</a:t>
-            </a:r>
-            <a:endParaRPr lang="fr-FR" sz="1400" dirty="0"/>
-          </a:p>
-          <a:p>
-            <a:endParaRPr lang="fr-FR" sz="1400" dirty="0"/>
+            <a:endParaRPr lang="fr-FR" sz="1800" dirty="0"/>
+          </a:p>
+          <a:p>
+            <a:endParaRPr lang="fr-FR" sz="1800" dirty="0"/>
           </a:p>
         </p:txBody>
       </p:sp>
@@ -14004,7 +14041,7 @@
           <a:p>
             <a:fld id="{51601BA2-552A-7045-A709-EEE978B2DE6E}" type="datetime1">
               <a:rPr lang="fr-FR" smtClean="0"/>
-              <a:t>15/09/16</a:t>
+              <a:t>16/09/16</a:t>
             </a:fld>
             <a:endParaRPr lang="fr-FR" dirty="0"/>
           </a:p>
@@ -14556,7 +14593,15 @@
           <a:bodyPr/>
           <a:lstStyle/>
           <a:p>
-            <a:endParaRPr lang="fr-FR"/>
+            <a:r>
+              <a:rPr lang="fr-FR" dirty="0"/>
+              <a:t>Triangles en éventail (triangle fan</a:t>
+            </a:r>
+            <a:r>
+              <a:rPr lang="fr-FR" dirty="0" smtClean="0"/>
+              <a:t>)</a:t>
+            </a:r>
+            <a:endParaRPr lang="fr-FR" dirty="0"/>
           </a:p>
         </p:txBody>
       </p:sp>
@@ -14577,45 +14622,44 @@
           </a:bodyPr>
           <a:lstStyle/>
           <a:p>
-            <a:r>
-              <a:rPr lang="fr-FR" sz="1600" dirty="0"/>
-              <a:t>Triangles en éventail (triangle fan)</a:t>
-            </a:r>
-          </a:p>
-          <a:p>
-            <a:endParaRPr lang="fr-FR" sz="1600" dirty="0"/>
-          </a:p>
-          <a:p>
-            <a:r>
-              <a:rPr lang="fr-FR" sz="1600" dirty="0"/>
-              <a:t>Définit un groupe de triangles connectés. Chaque vertex supplémentaire forme un triangle avec le tout premier vertex et le vertex précédent.</a:t>
-            </a:r>
-          </a:p>
-          <a:p>
-            <a:endParaRPr lang="fr-FR" sz="1600" dirty="0"/>
-          </a:p>
-          <a:p>
-            <a:r>
-              <a:rPr lang="fr-FR" sz="1600" dirty="0"/>
+            <a:pPr marL="0" indent="0">
+              <a:buNone/>
+            </a:pPr>
+            <a:r>
+              <a:rPr lang="fr-FR" sz="2000" dirty="0" smtClean="0"/>
+              <a:t>Définit </a:t>
+            </a:r>
+            <a:r>
+              <a:rPr lang="fr-FR" sz="2000" dirty="0"/>
+              <a:t>un groupe de triangles connectés. Chaque vertex supplémentaire forme un triangle avec le tout premier vertex et le vertex précédent.</a:t>
+            </a:r>
+          </a:p>
+          <a:p>
+            <a:endParaRPr lang="fr-FR" sz="2000" dirty="0"/>
+          </a:p>
+          <a:p>
+            <a:r>
+              <a:rPr lang="fr-FR" sz="2000" dirty="0"/>
               <a:t>Ce type de primitive est également à privilégier dès que possible par rapport aux listes de triangles, toujours pour  des raisons de performances.</a:t>
             </a:r>
           </a:p>
           <a:p>
-            <a:endParaRPr lang="fr-FR" sz="1600" dirty="0"/>
-          </a:p>
-          <a:p>
-            <a:r>
-              <a:rPr lang="fr-FR" sz="1600" dirty="0"/>
-              <a:t>Rendement : N triangles = N+2 </a:t>
-            </a:r>
-            <a:r>
-              <a:rPr lang="fr-FR" sz="1600" dirty="0" err="1"/>
+            <a:r>
+              <a:rPr lang="fr-FR" sz="2000" dirty="0" smtClean="0"/>
+              <a:t>Rendement </a:t>
+            </a:r>
+            <a:r>
+              <a:rPr lang="fr-FR" sz="2000" dirty="0"/>
+              <a:t>: N triangles = N+2 </a:t>
+            </a:r>
+            <a:r>
+              <a:rPr lang="fr-FR" sz="2000" dirty="0" err="1"/>
               <a:t>vertices</a:t>
             </a:r>
-            <a:endParaRPr lang="fr-FR" sz="1600" dirty="0"/>
-          </a:p>
-          <a:p>
-            <a:endParaRPr lang="fr-FR" sz="1600" dirty="0"/>
+            <a:endParaRPr lang="fr-FR" sz="2000" dirty="0"/>
+          </a:p>
+          <a:p>
+            <a:endParaRPr lang="fr-FR" sz="2000" dirty="0"/>
           </a:p>
         </p:txBody>
       </p:sp>
@@ -14683,7 +14727,7 @@
           <a:p>
             <a:fld id="{0D578155-5850-9A4A-84DE-021DCA4D550D}" type="datetime1">
               <a:rPr lang="fr-FR" smtClean="0"/>
-              <a:t>15/09/16</a:t>
+              <a:t>16/09/16</a:t>
             </a:fld>
             <a:endParaRPr lang="fr-FR" dirty="0"/>
           </a:p>
@@ -15230,12 +15274,12 @@
         <p:spPr>
           <a:xfrm>
             <a:off x="457200" y="1096412"/>
-            <a:ext cx="4144078" cy="5029751"/>
+            <a:ext cx="4979966" cy="5029751"/>
           </a:xfrm>
         </p:spPr>
         <p:txBody>
           <a:bodyPr>
-            <a:normAutofit fontScale="62500" lnSpcReduction="20000"/>
+            <a:normAutofit fontScale="70000" lnSpcReduction="20000"/>
           </a:bodyPr>
           <a:lstStyle/>
           <a:p>
@@ -15443,7 +15487,15 @@
           <a:bodyPr/>
           <a:lstStyle/>
           <a:p>
-            <a:endParaRPr lang="fr-FR"/>
+            <a:r>
+              <a:rPr lang="fr-FR" b="1" dirty="0"/>
+              <a:t>Mode </a:t>
+            </a:r>
+            <a:r>
+              <a:rPr lang="fr-FR" b="1" dirty="0" smtClean="0"/>
+              <a:t>immédiat</a:t>
+            </a:r>
+            <a:endParaRPr lang="fr-FR" dirty="0"/>
           </a:p>
         </p:txBody>
       </p:sp>
@@ -15468,18 +15520,12 @@
               <a:buNone/>
             </a:pPr>
             <a:r>
-              <a:rPr lang="fr-FR" sz="2800" b="1" dirty="0" smtClean="0"/>
-              <a:t>Mode immédiat</a:t>
-            </a:r>
-            <a:endParaRPr lang="fr-FR" sz="2800" b="1" dirty="0"/>
-          </a:p>
-          <a:p>
-            <a:endParaRPr lang="fr-FR" sz="1800" dirty="0"/>
-          </a:p>
-          <a:p>
+              <a:rPr lang="fr-FR" sz="1800" dirty="0" smtClean="0"/>
+              <a:t>Permet </a:t>
+            </a:r>
             <a:r>
               <a:rPr lang="fr-FR" sz="1800" dirty="0"/>
-              <a:t>Permet de spécifier les primitives « à la volée » par le biais des A.P.I. de description.</a:t>
+              <a:t>de spécifier les primitives « à la volée » par le biais des A.P.I. de description.</a:t>
             </a:r>
           </a:p>
           <a:p>
@@ -15569,7 +15615,7 @@
           <a:p>
             <a:fld id="{78E1CC35-62D2-A54A-AD9F-5DCFFBA81D2E}" type="datetime1">
               <a:rPr lang="fr-FR" smtClean="0"/>
-              <a:t>15/09/16</a:t>
+              <a:t>16/09/16</a:t>
             </a:fld>
             <a:endParaRPr lang="fr-FR" dirty="0"/>
           </a:p>
@@ -15627,7 +15673,19 @@
           <a:bodyPr/>
           <a:lstStyle/>
           <a:p>
-            <a:endParaRPr lang="fr-FR"/>
+            <a:r>
+              <a:rPr lang="fr-FR" b="1" dirty="0" err="1"/>
+              <a:t>Geometry</a:t>
+            </a:r>
+            <a:r>
+              <a:rPr lang="fr-FR" b="1" dirty="0"/>
+              <a:t> </a:t>
+            </a:r>
+            <a:r>
+              <a:rPr lang="fr-FR" b="1" dirty="0" err="1" smtClean="0"/>
+              <a:t>arrays</a:t>
+            </a:r>
+            <a:endParaRPr lang="fr-FR" dirty="0"/>
           </a:p>
         </p:txBody>
       </p:sp>
@@ -15644,7 +15702,7 @@
         <p:spPr/>
         <p:txBody>
           <a:bodyPr>
-            <a:normAutofit fontScale="92500" lnSpcReduction="10000"/>
+            <a:normAutofit/>
           </a:bodyPr>
           <a:lstStyle/>
           <a:p>
@@ -15652,26 +15710,12 @@
               <a:buNone/>
             </a:pPr>
             <a:r>
-              <a:rPr lang="fr-FR" b="1" dirty="0" err="1"/>
-              <a:t>Geometry</a:t>
-            </a:r>
-            <a:r>
-              <a:rPr lang="fr-FR" b="1" dirty="0"/>
-              <a:t> </a:t>
-            </a:r>
-            <a:r>
-              <a:rPr lang="fr-FR" b="1" dirty="0" err="1"/>
-              <a:t>arrays</a:t>
-            </a:r>
-            <a:endParaRPr lang="fr-FR" b="1" dirty="0"/>
-          </a:p>
-          <a:p>
-            <a:endParaRPr lang="fr-FR" dirty="0"/>
-          </a:p>
-          <a:p>
+              <a:rPr lang="fr-FR" dirty="0" smtClean="0"/>
+              <a:t>Permet </a:t>
+            </a:r>
             <a:r>
               <a:rPr lang="fr-FR" dirty="0"/>
-              <a:t>Permet de stocker les données des primitives dans des tableaux en mémoire centrale.</a:t>
+              <a:t>de stocker les données des primitives dans des tableaux en mémoire centrale.</a:t>
             </a:r>
           </a:p>
           <a:p>
@@ -15761,7 +15805,7 @@
           <a:p>
             <a:fld id="{CD34019E-C2C8-4247-AD0C-1CFFA32B27B8}" type="datetime1">
               <a:rPr lang="fr-FR" smtClean="0"/>
-              <a:t>15/09/16</a:t>
+              <a:t>16/09/16</a:t>
             </a:fld>
             <a:endParaRPr lang="fr-FR" dirty="0"/>
           </a:p>
@@ -16340,7 +16384,19 @@
           <a:bodyPr/>
           <a:lstStyle/>
           <a:p>
-            <a:endParaRPr lang="fr-FR"/>
+            <a:r>
+              <a:rPr lang="fr-FR" b="1" dirty="0" err="1"/>
+              <a:t>Geometry</a:t>
+            </a:r>
+            <a:r>
+              <a:rPr lang="fr-FR" b="1" dirty="0"/>
+              <a:t> </a:t>
+            </a:r>
+            <a:r>
+              <a:rPr lang="fr-FR" b="1" dirty="0" smtClean="0"/>
+              <a:t>buffers</a:t>
+            </a:r>
+            <a:endParaRPr lang="fr-FR" dirty="0"/>
           </a:p>
         </p:txBody>
       </p:sp>
@@ -16357,7 +16413,7 @@
         <p:spPr/>
         <p:txBody>
           <a:bodyPr>
-            <a:normAutofit fontScale="70000" lnSpcReduction="20000"/>
+            <a:normAutofit fontScale="77500" lnSpcReduction="20000"/>
           </a:bodyPr>
           <a:lstStyle/>
           <a:p>
@@ -16365,20 +16421,7 @@
               <a:buNone/>
             </a:pPr>
             <a:r>
-              <a:rPr lang="fr-FR" b="1" dirty="0" err="1"/>
-              <a:t>Geometry</a:t>
-            </a:r>
-            <a:r>
-              <a:rPr lang="fr-FR" b="1" dirty="0"/>
-              <a:t> buffers</a:t>
-            </a:r>
-          </a:p>
-          <a:p>
-            <a:endParaRPr lang="fr-FR" dirty="0"/>
-          </a:p>
-          <a:p>
-            <a:r>
-              <a:rPr lang="fr-FR" dirty="0"/>
+              <a:rPr lang="fr-FR" dirty="0" smtClean="0"/>
               <a:t>Les </a:t>
             </a:r>
             <a:r>
@@ -16411,7 +16454,15 @@
             </a:r>
             <a:r>
               <a:rPr lang="fr-FR" dirty="0"/>
-              <a:t> buffers, directement embarqués en VRAM. Le mode de fonctionnement est calqué sur le fonctionnement du matériel.</a:t>
+              <a:t> buffers, directement embarqués en VRAM. </a:t>
+            </a:r>
+            <a:r>
+              <a:rPr lang="fr-FR" dirty="0" smtClean="0"/>
+              <a:t>Le </a:t>
+            </a:r>
+            <a:r>
+              <a:rPr lang="fr-FR" dirty="0"/>
+              <a:t>mode de fonctionnement est calqué sur le fonctionnement du matériel.</a:t>
             </a:r>
           </a:p>
           <a:p>
@@ -16533,7 +16584,7 @@
           <a:p>
             <a:fld id="{ED72DAB0-B225-C24B-B670-9950DA6EA5EE}" type="datetime1">
               <a:rPr lang="fr-FR" smtClean="0"/>
-              <a:t>15/09/16</a:t>
+              <a:t>16/09/16</a:t>
             </a:fld>
             <a:endParaRPr lang="fr-FR" dirty="0"/>
           </a:p>
@@ -16612,11 +16663,7 @@
           <a:p>
             <a:r>
               <a:rPr lang="fr-FR" dirty="0" smtClean="0"/>
-              <a:t>Autres </a:t>
-            </a:r>
-            <a:r>
-              <a:rPr lang="fr-FR" dirty="0" smtClean="0"/>
-              <a:t>primitives utiles au rendu :</a:t>
+              <a:t>Autres primitives utiles au rendu :</a:t>
             </a:r>
           </a:p>
           <a:p>
@@ -16949,13 +16996,153 @@
           <a:p>
             <a:r>
               <a:rPr lang="fr-FR" dirty="0" smtClean="0"/>
-              <a:t>OpenGL ES 2.0 and GLSL </a:t>
-            </a:r>
+              <a:t>Exemple OPENGL ES 2.0 (TP1)</a:t>
+            </a:r>
+            <a:endParaRPr lang="fr-FR" dirty="0"/>
+          </a:p>
+        </p:txBody>
+      </p:sp>
+      <p:sp>
+        <p:nvSpPr>
+          <p:cNvPr id="3" name="Espace réservé du contenu 2"/>
+          <p:cNvSpPr>
+            <a:spLocks noGrp="1"/>
+          </p:cNvSpPr>
+          <p:nvPr>
+            <p:ph idx="1"/>
+          </p:nvPr>
+        </p:nvSpPr>
+        <p:spPr/>
+        <p:txBody>
+          <a:bodyPr>
+            <a:normAutofit lnSpcReduction="10000"/>
+          </a:bodyPr>
+          <a:lstStyle/>
+          <a:p>
+            <a:r>
+              <a:rPr lang="en-US" dirty="0" err="1"/>
+              <a:t>glViewport</a:t>
+            </a:r>
+            <a:r>
+              <a:rPr lang="en-US" dirty="0"/>
+              <a:t>(0, 0, </a:t>
+            </a:r>
+            <a:r>
+              <a:rPr lang="en-US" dirty="0" smtClean="0"/>
+              <a:t>width, </a:t>
+            </a:r>
+            <a:r>
+              <a:rPr lang="en-US" dirty="0" err="1" smtClean="0"/>
+              <a:t>height,scale</a:t>
+            </a:r>
+            <a:r>
+              <a:rPr lang="en-US" dirty="0"/>
+              <a:t>)</a:t>
+            </a:r>
+            <a:r>
+              <a:rPr lang="en-US" dirty="0" smtClean="0"/>
+              <a:t>;</a:t>
+            </a:r>
+          </a:p>
+          <a:p>
+            <a:r>
+              <a:rPr lang="en-US" dirty="0" err="1" smtClean="0"/>
+              <a:t>glClear</a:t>
+            </a:r>
+            <a:r>
+              <a:rPr lang="en-US" dirty="0"/>
+              <a:t>(GL_COLOR_BUFFER_BIT); </a:t>
+            </a:r>
+            <a:endParaRPr lang="en-US" dirty="0" smtClean="0"/>
+          </a:p>
+          <a:p>
+            <a:r>
+              <a:rPr lang="fr-FR" dirty="0" err="1"/>
+              <a:t>glVertexAttribPointer</a:t>
+            </a:r>
+            <a:r>
+              <a:rPr lang="fr-FR" dirty="0"/>
+              <a:t>(</a:t>
+            </a:r>
+            <a:r>
+              <a:rPr lang="fr-FR" dirty="0" err="1"/>
+              <a:t>m_posAttr</a:t>
+            </a:r>
+            <a:r>
+              <a:rPr lang="fr-FR" dirty="0"/>
+              <a:t>, 2, GL_FLOAT, GL_FALSE, 0, </a:t>
+            </a:r>
+            <a:r>
+              <a:rPr lang="fr-FR" dirty="0" err="1"/>
+              <a:t>vertices</a:t>
+            </a:r>
+            <a:r>
+              <a:rPr lang="fr-FR" dirty="0"/>
+              <a:t>)</a:t>
+            </a:r>
+            <a:r>
+              <a:rPr lang="fr-FR" dirty="0" smtClean="0"/>
+              <a:t>;</a:t>
+            </a:r>
+          </a:p>
+          <a:p>
             <a:r>
               <a:rPr lang="fr-FR" dirty="0" err="1" smtClean="0"/>
-              <a:t>Shaders</a:t>
-            </a:r>
-            <a:endParaRPr lang="fr-FR" dirty="0"/>
+              <a:t>glVertexAttribPointer</a:t>
+            </a:r>
+            <a:r>
+              <a:rPr lang="fr-FR" dirty="0"/>
+              <a:t>(</a:t>
+            </a:r>
+            <a:r>
+              <a:rPr lang="fr-FR" dirty="0" err="1"/>
+              <a:t>m_colAttr</a:t>
+            </a:r>
+            <a:r>
+              <a:rPr lang="fr-FR" dirty="0"/>
+              <a:t>, 3, GL_FLOAT, GL_FALSE, 0, </a:t>
+            </a:r>
+            <a:r>
+              <a:rPr lang="fr-FR" dirty="0" err="1"/>
+              <a:t>colors</a:t>
+            </a:r>
+            <a:r>
+              <a:rPr lang="fr-FR" dirty="0"/>
+              <a:t>); </a:t>
+            </a:r>
+            <a:endParaRPr lang="fr-FR" dirty="0" smtClean="0"/>
+          </a:p>
+          <a:p>
+            <a:r>
+              <a:rPr lang="fr-FR" dirty="0" err="1" smtClean="0"/>
+              <a:t>glEnableVertexAttribArray</a:t>
+            </a:r>
+            <a:r>
+              <a:rPr lang="fr-FR" dirty="0"/>
+              <a:t>(0); </a:t>
+            </a:r>
+            <a:endParaRPr lang="fr-FR" dirty="0" smtClean="0"/>
+          </a:p>
+          <a:p>
+            <a:r>
+              <a:rPr lang="fr-FR" dirty="0" err="1" smtClean="0"/>
+              <a:t>glEnableVertexAttribArray</a:t>
+            </a:r>
+            <a:r>
+              <a:rPr lang="fr-FR" dirty="0"/>
+              <a:t>(1); </a:t>
+            </a:r>
+            <a:endParaRPr lang="fr-FR" dirty="0" smtClean="0"/>
+          </a:p>
+          <a:p>
+            <a:r>
+              <a:rPr lang="fr-FR" dirty="0" err="1" smtClean="0"/>
+              <a:t>glDrawArrays</a:t>
+            </a:r>
+            <a:r>
+              <a:rPr lang="fr-FR" dirty="0"/>
+              <a:t>(GL_TRIANGLE_FAN, 0, 6); </a:t>
+            </a:r>
           </a:p>
         </p:txBody>
       </p:sp>
@@ -17021,42 +17208,18 @@
           <a:bodyPr/>
           <a:lstStyle/>
           <a:p>
-            <a:fld id="{0D062ABF-5077-0C4A-8B2E-7FBA64D2CDCE}" type="datetime1">
-              <a:rPr lang="fr-FR" smtClean="0"/>
-              <a:t>15/09/16</a:t>
+            <a:fld id="{B4ABAEB4-858B-454B-83F3-67915C19ADF2}" type="datetime1">
+              <a:rPr lang="fr-FR" smtClean="0"/>
+              <a:t>16/09/16</a:t>
             </a:fld>
             <a:endParaRPr lang="fr-FR" dirty="0"/>
           </a:p>
         </p:txBody>
       </p:sp>
-      <p:pic>
-        <p:nvPicPr>
-          <p:cNvPr id="7" name="Image 6"/>
-          <p:cNvPicPr>
-            <a:picLocks noChangeAspect="1"/>
-          </p:cNvPicPr>
-          <p:nvPr/>
-        </p:nvPicPr>
-        <p:blipFill>
-          <a:blip r:embed="rId2"/>
-          <a:stretch>
-            <a:fillRect/>
-          </a:stretch>
-        </p:blipFill>
-        <p:spPr>
-          <a:xfrm>
-            <a:off x="2955332" y="710075"/>
-            <a:ext cx="3517900" cy="5638800"/>
-          </a:xfrm>
-          <a:prstGeom prst="rect">
-            <a:avLst/>
-          </a:prstGeom>
-        </p:spPr>
-      </p:pic>
     </p:spTree>
     <p:extLst>
       <p:ext uri="{BB962C8B-B14F-4D97-AF65-F5344CB8AC3E}">
-        <p14:creationId xmlns:p14="http://schemas.microsoft.com/office/powerpoint/2010/main" val="3072877373"/>
+        <p14:creationId xmlns:p14="http://schemas.microsoft.com/office/powerpoint/2010/main" val="660981841"/>
       </p:ext>
     </p:extLst>
   </p:cSld>
@@ -17323,6 +17486,157 @@
           <a:p>
             <a:r>
               <a:rPr lang="fr-FR" dirty="0" smtClean="0"/>
+              <a:t>OpenGL ES 2.0 and GLSL </a:t>
+            </a:r>
+            <a:r>
+              <a:rPr lang="fr-FR" dirty="0" err="1" smtClean="0"/>
+              <a:t>Shaders</a:t>
+            </a:r>
+            <a:endParaRPr lang="fr-FR" dirty="0"/>
+          </a:p>
+        </p:txBody>
+      </p:sp>
+      <p:sp>
+        <p:nvSpPr>
+          <p:cNvPr id="4" name="Espace réservé du pied de page 3"/>
+          <p:cNvSpPr>
+            <a:spLocks noGrp="1"/>
+          </p:cNvSpPr>
+          <p:nvPr>
+            <p:ph type="ftr" sz="quarter" idx="3"/>
+          </p:nvPr>
+        </p:nvSpPr>
+        <p:spPr/>
+        <p:txBody>
+          <a:bodyPr/>
+          <a:lstStyle/>
+          <a:p>
+            <a:r>
+              <a:rPr lang="fr-FR" smtClean="0"/>
+              <a:t>Rémi Ronfard - HMIN317 – API RENDU</a:t>
+            </a:r>
+            <a:endParaRPr lang="fr-FR" b="1" dirty="0"/>
+          </a:p>
+        </p:txBody>
+      </p:sp>
+      <p:sp>
+        <p:nvSpPr>
+          <p:cNvPr id="5" name="Espace réservé du numéro de diapositive 4"/>
+          <p:cNvSpPr>
+            <a:spLocks noGrp="1"/>
+          </p:cNvSpPr>
+          <p:nvPr>
+            <p:ph type="sldNum" sz="quarter" idx="4"/>
+          </p:nvPr>
+        </p:nvSpPr>
+        <p:spPr/>
+        <p:txBody>
+          <a:bodyPr/>
+          <a:lstStyle/>
+          <a:p>
+            <a:fld id="{A6C87E8C-A1B1-CC4A-8C89-9A370644B80A}" type="slidenum">
+              <a:rPr lang="fr-FR" smtClean="0"/>
+              <a:pPr/>
+              <a:t>46</a:t>
+            </a:fld>
+            <a:endParaRPr lang="fr-FR" dirty="0"/>
+          </a:p>
+        </p:txBody>
+      </p:sp>
+      <p:sp>
+        <p:nvSpPr>
+          <p:cNvPr id="6" name="Espace réservé de la date 5"/>
+          <p:cNvSpPr>
+            <a:spLocks noGrp="1"/>
+          </p:cNvSpPr>
+          <p:nvPr>
+            <p:ph type="dt" sz="half" idx="2"/>
+          </p:nvPr>
+        </p:nvSpPr>
+        <p:spPr/>
+        <p:txBody>
+          <a:bodyPr/>
+          <a:lstStyle/>
+          <a:p>
+            <a:fld id="{0D062ABF-5077-0C4A-8B2E-7FBA64D2CDCE}" type="datetime1">
+              <a:rPr lang="fr-FR" smtClean="0"/>
+              <a:t>15/09/16</a:t>
+            </a:fld>
+            <a:endParaRPr lang="fr-FR" dirty="0"/>
+          </a:p>
+        </p:txBody>
+      </p:sp>
+      <p:pic>
+        <p:nvPicPr>
+          <p:cNvPr id="7" name="Image 6"/>
+          <p:cNvPicPr>
+            <a:picLocks noChangeAspect="1"/>
+          </p:cNvPicPr>
+          <p:nvPr/>
+        </p:nvPicPr>
+        <p:blipFill>
+          <a:blip r:embed="rId2"/>
+          <a:stretch>
+            <a:fillRect/>
+          </a:stretch>
+        </p:blipFill>
+        <p:spPr>
+          <a:xfrm>
+            <a:off x="2955332" y="710075"/>
+            <a:ext cx="3517900" cy="5638800"/>
+          </a:xfrm>
+          <a:prstGeom prst="rect">
+            <a:avLst/>
+          </a:prstGeom>
+        </p:spPr>
+      </p:pic>
+    </p:spTree>
+    <p:extLst>
+      <p:ext uri="{BB962C8B-B14F-4D97-AF65-F5344CB8AC3E}">
+        <p14:creationId xmlns:p14="http://schemas.microsoft.com/office/powerpoint/2010/main" val="3072877373"/>
+      </p:ext>
+    </p:extLst>
+  </p:cSld>
+  <p:clrMapOvr>
+    <a:masterClrMapping/>
+  </p:clrMapOvr>
+</p:sld>
+</file>
+
+<file path=ppt/slides/slide47.xml><?xml version="1.0" encoding="utf-8"?>
+<p:sld xmlns:a="http://schemas.openxmlformats.org/drawingml/2006/main" xmlns:r="http://schemas.openxmlformats.org/officeDocument/2006/relationships" xmlns:p="http://schemas.openxmlformats.org/presentationml/2006/main">
+  <p:cSld>
+    <p:spTree>
+      <p:nvGrpSpPr>
+        <p:cNvPr id="1" name=""/>
+        <p:cNvGrpSpPr/>
+        <p:nvPr/>
+      </p:nvGrpSpPr>
+      <p:grpSpPr>
+        <a:xfrm>
+          <a:off x="0" y="0"/>
+          <a:ext cx="0" cy="0"/>
+          <a:chOff x="0" y="0"/>
+          <a:chExt cx="0" cy="0"/>
+        </a:xfrm>
+      </p:grpSpPr>
+      <p:sp>
+        <p:nvSpPr>
+          <p:cNvPr id="2" name="Titre 1"/>
+          <p:cNvSpPr>
+            <a:spLocks noGrp="1"/>
+          </p:cNvSpPr>
+          <p:nvPr>
+            <p:ph type="title"/>
+          </p:nvPr>
+        </p:nvSpPr>
+        <p:spPr/>
+        <p:txBody>
+          <a:bodyPr/>
+          <a:lstStyle/>
+          <a:p>
+            <a:r>
+              <a:rPr lang="fr-FR" dirty="0" smtClean="0"/>
               <a:t>Vertex </a:t>
             </a:r>
             <a:r>
@@ -17382,7 +17696,7 @@
             <a:fld id="{A6C87E8C-A1B1-CC4A-8C89-9A370644B80A}" type="slidenum">
               <a:rPr lang="fr-FR" smtClean="0"/>
               <a:pPr/>
-              <a:t>46</a:t>
+              <a:t>47</a:t>
             </a:fld>
             <a:endParaRPr lang="fr-FR" dirty="0"/>
           </a:p>
@@ -17448,7 +17762,7 @@
 </p:sld>
 </file>
 
-<file path=ppt/slides/slide47.xml><?xml version="1.0" encoding="utf-8"?>
+<file path=ppt/slides/slide48.xml><?xml version="1.0" encoding="utf-8"?>
 <p:sld xmlns:a="http://schemas.openxmlformats.org/drawingml/2006/main" xmlns:r="http://schemas.openxmlformats.org/officeDocument/2006/relationships" xmlns:p="http://schemas.openxmlformats.org/presentationml/2006/main">
   <p:cSld>
     <p:spTree>
@@ -17481,6 +17795,169 @@
           <a:lstStyle/>
           <a:p>
             <a:r>
+              <a:rPr lang="fr-FR" dirty="0" err="1" smtClean="0"/>
+              <a:t>Geometry</a:t>
+            </a:r>
+            <a:r>
+              <a:rPr lang="fr-FR" dirty="0" smtClean="0"/>
+              <a:t> </a:t>
+            </a:r>
+            <a:r>
+              <a:rPr lang="fr-FR" dirty="0" err="1" smtClean="0"/>
+              <a:t>shader</a:t>
+            </a:r>
+            <a:r>
+              <a:rPr lang="fr-FR" dirty="0" smtClean="0"/>
+              <a:t> </a:t>
+            </a:r>
+            <a:r>
+              <a:rPr lang="fr-FR" dirty="0" err="1" smtClean="0"/>
+              <a:t>summary</a:t>
+            </a:r>
+            <a:endParaRPr lang="fr-FR" dirty="0"/>
+          </a:p>
+        </p:txBody>
+      </p:sp>
+      <p:sp>
+        <p:nvSpPr>
+          <p:cNvPr id="4" name="Espace réservé du pied de page 3"/>
+          <p:cNvSpPr>
+            <a:spLocks noGrp="1"/>
+          </p:cNvSpPr>
+          <p:nvPr>
+            <p:ph type="ftr" sz="quarter" idx="3"/>
+          </p:nvPr>
+        </p:nvSpPr>
+        <p:spPr/>
+        <p:txBody>
+          <a:bodyPr/>
+          <a:lstStyle/>
+          <a:p>
+            <a:r>
+              <a:rPr lang="fr-FR" smtClean="0"/>
+              <a:t>Rémi Ronfard - HMIN317 – API RENDU</a:t>
+            </a:r>
+            <a:endParaRPr lang="fr-FR" b="1" dirty="0"/>
+          </a:p>
+        </p:txBody>
+      </p:sp>
+      <p:sp>
+        <p:nvSpPr>
+          <p:cNvPr id="5" name="Espace réservé du numéro de diapositive 4"/>
+          <p:cNvSpPr>
+            <a:spLocks noGrp="1"/>
+          </p:cNvSpPr>
+          <p:nvPr>
+            <p:ph type="sldNum" sz="quarter" idx="4"/>
+          </p:nvPr>
+        </p:nvSpPr>
+        <p:spPr/>
+        <p:txBody>
+          <a:bodyPr/>
+          <a:lstStyle/>
+          <a:p>
+            <a:fld id="{A6C87E8C-A1B1-CC4A-8C89-9A370644B80A}" type="slidenum">
+              <a:rPr lang="fr-FR" smtClean="0"/>
+              <a:pPr/>
+              <a:t>48</a:t>
+            </a:fld>
+            <a:endParaRPr lang="fr-FR" dirty="0"/>
+          </a:p>
+        </p:txBody>
+      </p:sp>
+      <p:sp>
+        <p:nvSpPr>
+          <p:cNvPr id="6" name="Espace réservé de la date 5"/>
+          <p:cNvSpPr>
+            <a:spLocks noGrp="1"/>
+          </p:cNvSpPr>
+          <p:nvPr>
+            <p:ph type="dt" sz="half" idx="2"/>
+          </p:nvPr>
+        </p:nvSpPr>
+        <p:spPr/>
+        <p:txBody>
+          <a:bodyPr/>
+          <a:lstStyle/>
+          <a:p>
+            <a:fld id="{DF0F1993-3674-E44C-81A1-35151BDAC0D0}" type="datetime1">
+              <a:rPr lang="fr-FR" smtClean="0"/>
+              <a:t>16/09/16</a:t>
+            </a:fld>
+            <a:endParaRPr lang="fr-FR" dirty="0"/>
+          </a:p>
+        </p:txBody>
+      </p:sp>
+      <p:pic>
+        <p:nvPicPr>
+          <p:cNvPr id="7" name="Image 6"/>
+          <p:cNvPicPr>
+            <a:picLocks noChangeAspect="1"/>
+          </p:cNvPicPr>
+          <p:nvPr/>
+        </p:nvPicPr>
+        <p:blipFill>
+          <a:blip r:embed="rId2"/>
+          <a:stretch>
+            <a:fillRect/>
+          </a:stretch>
+        </p:blipFill>
+        <p:spPr>
+          <a:xfrm>
+            <a:off x="876300" y="977900"/>
+            <a:ext cx="7391400" cy="4902200"/>
+          </a:xfrm>
+          <a:prstGeom prst="rect">
+            <a:avLst/>
+          </a:prstGeom>
+        </p:spPr>
+      </p:pic>
+    </p:spTree>
+    <p:extLst>
+      <p:ext uri="{BB962C8B-B14F-4D97-AF65-F5344CB8AC3E}">
+        <p14:creationId xmlns:p14="http://schemas.microsoft.com/office/powerpoint/2010/main" val="3189483520"/>
+      </p:ext>
+    </p:extLst>
+  </p:cSld>
+  <p:clrMapOvr>
+    <a:masterClrMapping/>
+  </p:clrMapOvr>
+</p:sld>
+</file>
+
+<file path=ppt/slides/slide49.xml><?xml version="1.0" encoding="utf-8"?>
+<p:sld xmlns:a="http://schemas.openxmlformats.org/drawingml/2006/main" xmlns:r="http://schemas.openxmlformats.org/officeDocument/2006/relationships" xmlns:p="http://schemas.openxmlformats.org/presentationml/2006/main">
+  <p:cSld>
+    <p:spTree>
+      <p:nvGrpSpPr>
+        <p:cNvPr id="1" name=""/>
+        <p:cNvGrpSpPr/>
+        <p:nvPr/>
+      </p:nvGrpSpPr>
+      <p:grpSpPr>
+        <a:xfrm>
+          <a:off x="0" y="0"/>
+          <a:ext cx="0" cy="0"/>
+          <a:chOff x="0" y="0"/>
+          <a:chExt cx="0" cy="0"/>
+        </a:xfrm>
+      </p:grpSpPr>
+      <p:sp>
+        <p:nvSpPr>
+          <p:cNvPr id="2" name="Titre 1"/>
+          <p:cNvSpPr>
+            <a:spLocks noGrp="1"/>
+          </p:cNvSpPr>
+          <p:nvPr>
+            <p:ph type="title"/>
+          </p:nvPr>
+        </p:nvSpPr>
+        <p:spPr/>
+        <p:txBody>
+          <a:bodyPr/>
+          <a:lstStyle/>
+          <a:p>
+            <a:r>
               <a:rPr lang="fr-FR" dirty="0" smtClean="0"/>
               <a:t>Pixel (fragment)  </a:t>
             </a:r>
@@ -17541,7 +18018,7 @@
             <a:fld id="{A6C87E8C-A1B1-CC4A-8C89-9A370644B80A}" type="slidenum">
               <a:rPr lang="fr-FR" smtClean="0"/>
               <a:pPr/>
-              <a:t>47</a:t>
+              <a:t>49</a:t>
             </a:fld>
             <a:endParaRPr lang="fr-FR" dirty="0"/>
           </a:p>
@@ -17607,425 +18084,6 @@
 </p:sld>
 </file>
 
-<file path=ppt/slides/slide48.xml><?xml version="1.0" encoding="utf-8"?>
-<p:sld xmlns:a="http://schemas.openxmlformats.org/drawingml/2006/main" xmlns:r="http://schemas.openxmlformats.org/officeDocument/2006/relationships" xmlns:p="http://schemas.openxmlformats.org/presentationml/2006/main">
-  <p:cSld>
-    <p:spTree>
-      <p:nvGrpSpPr>
-        <p:cNvPr id="1" name=""/>
-        <p:cNvGrpSpPr/>
-        <p:nvPr/>
-      </p:nvGrpSpPr>
-      <p:grpSpPr>
-        <a:xfrm>
-          <a:off x="0" y="0"/>
-          <a:ext cx="0" cy="0"/>
-          <a:chOff x="0" y="0"/>
-          <a:chExt cx="0" cy="0"/>
-        </a:xfrm>
-      </p:grpSpPr>
-      <p:sp>
-        <p:nvSpPr>
-          <p:cNvPr id="2" name="Titre 1"/>
-          <p:cNvSpPr>
-            <a:spLocks noGrp="1"/>
-          </p:cNvSpPr>
-          <p:nvPr>
-            <p:ph type="title"/>
-          </p:nvPr>
-        </p:nvSpPr>
-        <p:spPr/>
-        <p:txBody>
-          <a:bodyPr/>
-          <a:lstStyle/>
-          <a:p>
-            <a:r>
-              <a:rPr lang="fr-FR" dirty="0" smtClean="0"/>
-              <a:t>Exemple OPENGL ES 2.0 (TP1)</a:t>
-            </a:r>
-            <a:endParaRPr lang="fr-FR" dirty="0"/>
-          </a:p>
-        </p:txBody>
-      </p:sp>
-      <p:sp>
-        <p:nvSpPr>
-          <p:cNvPr id="3" name="Espace réservé du contenu 2"/>
-          <p:cNvSpPr>
-            <a:spLocks noGrp="1"/>
-          </p:cNvSpPr>
-          <p:nvPr>
-            <p:ph idx="1"/>
-          </p:nvPr>
-        </p:nvSpPr>
-        <p:spPr/>
-        <p:txBody>
-          <a:bodyPr>
-            <a:normAutofit lnSpcReduction="10000"/>
-          </a:bodyPr>
-          <a:lstStyle/>
-          <a:p>
-            <a:r>
-              <a:rPr lang="en-US" dirty="0" err="1"/>
-              <a:t>glViewport</a:t>
-            </a:r>
-            <a:r>
-              <a:rPr lang="en-US" dirty="0"/>
-              <a:t>(0, 0, </a:t>
-            </a:r>
-            <a:r>
-              <a:rPr lang="en-US" dirty="0" smtClean="0"/>
-              <a:t>width, </a:t>
-            </a:r>
-            <a:r>
-              <a:rPr lang="en-US" dirty="0" err="1" smtClean="0"/>
-              <a:t>height,scale</a:t>
-            </a:r>
-            <a:r>
-              <a:rPr lang="en-US" dirty="0"/>
-              <a:t>)</a:t>
-            </a:r>
-            <a:r>
-              <a:rPr lang="en-US" dirty="0" smtClean="0"/>
-              <a:t>;</a:t>
-            </a:r>
-          </a:p>
-          <a:p>
-            <a:r>
-              <a:rPr lang="en-US" dirty="0" err="1" smtClean="0"/>
-              <a:t>glClear</a:t>
-            </a:r>
-            <a:r>
-              <a:rPr lang="en-US" dirty="0"/>
-              <a:t>(GL_COLOR_BUFFER_BIT); </a:t>
-            </a:r>
-            <a:endParaRPr lang="en-US" dirty="0" smtClean="0"/>
-          </a:p>
-          <a:p>
-            <a:r>
-              <a:rPr lang="fr-FR" dirty="0" err="1"/>
-              <a:t>glVertexAttribPointer</a:t>
-            </a:r>
-            <a:r>
-              <a:rPr lang="fr-FR" dirty="0"/>
-              <a:t>(</a:t>
-            </a:r>
-            <a:r>
-              <a:rPr lang="fr-FR" dirty="0" err="1"/>
-              <a:t>m_posAttr</a:t>
-            </a:r>
-            <a:r>
-              <a:rPr lang="fr-FR" dirty="0"/>
-              <a:t>, 2, GL_FLOAT, GL_FALSE, 0, </a:t>
-            </a:r>
-            <a:r>
-              <a:rPr lang="fr-FR" dirty="0" err="1"/>
-              <a:t>vertices</a:t>
-            </a:r>
-            <a:r>
-              <a:rPr lang="fr-FR" dirty="0"/>
-              <a:t>)</a:t>
-            </a:r>
-            <a:r>
-              <a:rPr lang="fr-FR" dirty="0" smtClean="0"/>
-              <a:t>;</a:t>
-            </a:r>
-          </a:p>
-          <a:p>
-            <a:r>
-              <a:rPr lang="fr-FR" dirty="0" err="1" smtClean="0"/>
-              <a:t>glVertexAttribPointer</a:t>
-            </a:r>
-            <a:r>
-              <a:rPr lang="fr-FR" dirty="0"/>
-              <a:t>(</a:t>
-            </a:r>
-            <a:r>
-              <a:rPr lang="fr-FR" dirty="0" err="1"/>
-              <a:t>m_colAttr</a:t>
-            </a:r>
-            <a:r>
-              <a:rPr lang="fr-FR" dirty="0"/>
-              <a:t>, 3, GL_FLOAT, GL_FALSE, 0, </a:t>
-            </a:r>
-            <a:r>
-              <a:rPr lang="fr-FR" dirty="0" err="1"/>
-              <a:t>colors</a:t>
-            </a:r>
-            <a:r>
-              <a:rPr lang="fr-FR" dirty="0"/>
-              <a:t>); </a:t>
-            </a:r>
-            <a:endParaRPr lang="fr-FR" dirty="0" smtClean="0"/>
-          </a:p>
-          <a:p>
-            <a:r>
-              <a:rPr lang="fr-FR" dirty="0" err="1" smtClean="0"/>
-              <a:t>glEnableVertexAttribArray</a:t>
-            </a:r>
-            <a:r>
-              <a:rPr lang="fr-FR" dirty="0"/>
-              <a:t>(0); </a:t>
-            </a:r>
-            <a:endParaRPr lang="fr-FR" dirty="0" smtClean="0"/>
-          </a:p>
-          <a:p>
-            <a:r>
-              <a:rPr lang="fr-FR" dirty="0" err="1" smtClean="0"/>
-              <a:t>glEnableVertexAttribArray</a:t>
-            </a:r>
-            <a:r>
-              <a:rPr lang="fr-FR" dirty="0"/>
-              <a:t>(1); </a:t>
-            </a:r>
-            <a:endParaRPr lang="fr-FR" dirty="0" smtClean="0"/>
-          </a:p>
-          <a:p>
-            <a:r>
-              <a:rPr lang="fr-FR" dirty="0" err="1" smtClean="0"/>
-              <a:t>glDrawArrays</a:t>
-            </a:r>
-            <a:r>
-              <a:rPr lang="fr-FR" dirty="0"/>
-              <a:t>(GL_TRIANGLE_FAN, 0, 6); </a:t>
-            </a:r>
-          </a:p>
-        </p:txBody>
-      </p:sp>
-      <p:sp>
-        <p:nvSpPr>
-          <p:cNvPr id="4" name="Espace réservé du pied de page 3"/>
-          <p:cNvSpPr>
-            <a:spLocks noGrp="1"/>
-          </p:cNvSpPr>
-          <p:nvPr>
-            <p:ph type="ftr" sz="quarter" idx="3"/>
-          </p:nvPr>
-        </p:nvSpPr>
-        <p:spPr/>
-        <p:txBody>
-          <a:bodyPr/>
-          <a:lstStyle/>
-          <a:p>
-            <a:r>
-              <a:rPr lang="fr-FR" smtClean="0"/>
-              <a:t>Rémi Ronfard - HMIN317 – API RENDU</a:t>
-            </a:r>
-            <a:endParaRPr lang="fr-FR" b="1" dirty="0"/>
-          </a:p>
-        </p:txBody>
-      </p:sp>
-      <p:sp>
-        <p:nvSpPr>
-          <p:cNvPr id="5" name="Espace réservé du numéro de diapositive 4"/>
-          <p:cNvSpPr>
-            <a:spLocks noGrp="1"/>
-          </p:cNvSpPr>
-          <p:nvPr>
-            <p:ph type="sldNum" sz="quarter" idx="4"/>
-          </p:nvPr>
-        </p:nvSpPr>
-        <p:spPr/>
-        <p:txBody>
-          <a:bodyPr/>
-          <a:lstStyle/>
-          <a:p>
-            <a:fld id="{A6C87E8C-A1B1-CC4A-8C89-9A370644B80A}" type="slidenum">
-              <a:rPr lang="fr-FR" smtClean="0"/>
-              <a:pPr/>
-              <a:t>48</a:t>
-            </a:fld>
-            <a:endParaRPr lang="fr-FR" dirty="0"/>
-          </a:p>
-        </p:txBody>
-      </p:sp>
-      <p:sp>
-        <p:nvSpPr>
-          <p:cNvPr id="6" name="Espace réservé de la date 5"/>
-          <p:cNvSpPr>
-            <a:spLocks noGrp="1"/>
-          </p:cNvSpPr>
-          <p:nvPr>
-            <p:ph type="dt" sz="half" idx="2"/>
-          </p:nvPr>
-        </p:nvSpPr>
-        <p:spPr/>
-        <p:txBody>
-          <a:bodyPr/>
-          <a:lstStyle/>
-          <a:p>
-            <a:fld id="{B4ABAEB4-858B-454B-83F3-67915C19ADF2}" type="datetime1">
-              <a:rPr lang="fr-FR" smtClean="0"/>
-              <a:t>15/09/16</a:t>
-            </a:fld>
-            <a:endParaRPr lang="fr-FR" dirty="0"/>
-          </a:p>
-        </p:txBody>
-      </p:sp>
-    </p:spTree>
-    <p:extLst>
-      <p:ext uri="{BB962C8B-B14F-4D97-AF65-F5344CB8AC3E}">
-        <p14:creationId xmlns:p14="http://schemas.microsoft.com/office/powerpoint/2010/main" val="2050518318"/>
-      </p:ext>
-    </p:extLst>
-  </p:cSld>
-  <p:clrMapOvr>
-    <a:masterClrMapping/>
-  </p:clrMapOvr>
-</p:sld>
-</file>
-
-<file path=ppt/slides/slide49.xml><?xml version="1.0" encoding="utf-8"?>
-<p:sld xmlns:a="http://schemas.openxmlformats.org/drawingml/2006/main" xmlns:r="http://schemas.openxmlformats.org/officeDocument/2006/relationships" xmlns:p="http://schemas.openxmlformats.org/presentationml/2006/main">
-  <p:cSld>
-    <p:spTree>
-      <p:nvGrpSpPr>
-        <p:cNvPr id="1" name=""/>
-        <p:cNvGrpSpPr/>
-        <p:nvPr/>
-      </p:nvGrpSpPr>
-      <p:grpSpPr>
-        <a:xfrm>
-          <a:off x="0" y="0"/>
-          <a:ext cx="0" cy="0"/>
-          <a:chOff x="0" y="0"/>
-          <a:chExt cx="0" cy="0"/>
-        </a:xfrm>
-      </p:grpSpPr>
-      <p:sp>
-        <p:nvSpPr>
-          <p:cNvPr id="2" name="Titre 1"/>
-          <p:cNvSpPr>
-            <a:spLocks noGrp="1"/>
-          </p:cNvSpPr>
-          <p:nvPr>
-            <p:ph type="title"/>
-          </p:nvPr>
-        </p:nvSpPr>
-        <p:spPr/>
-        <p:txBody>
-          <a:bodyPr/>
-          <a:lstStyle/>
-          <a:p>
-            <a:endParaRPr lang="fr-FR"/>
-          </a:p>
-        </p:txBody>
-      </p:sp>
-      <p:sp>
-        <p:nvSpPr>
-          <p:cNvPr id="8" name="Espace réservé du contenu 7"/>
-          <p:cNvSpPr>
-            <a:spLocks noGrp="1"/>
-          </p:cNvSpPr>
-          <p:nvPr>
-            <p:ph idx="1"/>
-          </p:nvPr>
-        </p:nvSpPr>
-        <p:spPr/>
-        <p:txBody>
-          <a:bodyPr anchor="ctr"/>
-          <a:lstStyle/>
-          <a:p>
-            <a:pPr marL="0" indent="0" algn="ctr">
-              <a:buNone/>
-            </a:pPr>
-            <a:r>
-              <a:rPr lang="fr-FR" dirty="0" smtClean="0"/>
-              <a:t>Transformations</a:t>
-            </a:r>
-            <a:endParaRPr lang="fr-FR" dirty="0"/>
-          </a:p>
-        </p:txBody>
-      </p:sp>
-      <p:sp>
-        <p:nvSpPr>
-          <p:cNvPr id="4" name="Espace réservé du pied de page 3"/>
-          <p:cNvSpPr>
-            <a:spLocks noGrp="1"/>
-          </p:cNvSpPr>
-          <p:nvPr>
-            <p:ph type="ftr" sz="quarter" idx="3"/>
-          </p:nvPr>
-        </p:nvSpPr>
-        <p:spPr/>
-        <p:txBody>
-          <a:bodyPr/>
-          <a:lstStyle/>
-          <a:p>
-            <a:r>
-              <a:rPr lang="fr-FR" smtClean="0"/>
-              <a:t>Rémi Ronfard - HMIN317 – API RENDU</a:t>
-            </a:r>
-            <a:endParaRPr lang="fr-FR" b="1" dirty="0"/>
-          </a:p>
-        </p:txBody>
-      </p:sp>
-      <p:sp>
-        <p:nvSpPr>
-          <p:cNvPr id="5" name="Espace réservé du numéro de diapositive 4"/>
-          <p:cNvSpPr>
-            <a:spLocks noGrp="1"/>
-          </p:cNvSpPr>
-          <p:nvPr>
-            <p:ph type="sldNum" sz="quarter" idx="4"/>
-          </p:nvPr>
-        </p:nvSpPr>
-        <p:spPr/>
-        <p:txBody>
-          <a:bodyPr/>
-          <a:lstStyle/>
-          <a:p>
-            <a:fld id="{A6C87E8C-A1B1-CC4A-8C89-9A370644B80A}" type="slidenum">
-              <a:rPr lang="fr-FR" smtClean="0"/>
-              <a:pPr/>
-              <a:t>49</a:t>
-            </a:fld>
-            <a:endParaRPr lang="fr-FR" dirty="0"/>
-          </a:p>
-        </p:txBody>
-      </p:sp>
-      <p:sp>
-        <p:nvSpPr>
-          <p:cNvPr id="6" name="Espace réservé de la date 5"/>
-          <p:cNvSpPr>
-            <a:spLocks noGrp="1"/>
-          </p:cNvSpPr>
-          <p:nvPr>
-            <p:ph type="dt" sz="half" idx="2"/>
-          </p:nvPr>
-        </p:nvSpPr>
-        <p:spPr/>
-        <p:txBody>
-          <a:bodyPr/>
-          <a:lstStyle/>
-          <a:p>
-            <a:fld id="{340E0C66-76FB-2344-988B-5312ECB1C245}" type="datetime1">
-              <a:rPr lang="fr-FR" smtClean="0"/>
-              <a:t>15/09/16</a:t>
-            </a:fld>
-            <a:endParaRPr lang="fr-FR" dirty="0"/>
-          </a:p>
-        </p:txBody>
-      </p:sp>
-    </p:spTree>
-    <p:extLst>
-      <p:ext uri="{BB962C8B-B14F-4D97-AF65-F5344CB8AC3E}">
-        <p14:creationId xmlns:p14="http://schemas.microsoft.com/office/powerpoint/2010/main" val="2172238864"/>
-      </p:ext>
-    </p:extLst>
-  </p:cSld>
-  <p:clrMapOvr>
-    <a:masterClrMapping/>
-  </p:clrMapOvr>
-  <p:timing>
-    <p:tnLst>
-      <p:par>
-        <p:cTn xmlns:p14="http://schemas.microsoft.com/office/powerpoint/2010/main" id="1" dur="indefinite" restart="never" nodeType="tmRoot"/>
-      </p:par>
-    </p:tnLst>
-  </p:timing>
-</p:sld>
-</file>
-
 <file path=ppt/slides/slide5.xml><?xml version="1.0" encoding="utf-8"?>
 <p:sld xmlns:a="http://schemas.openxmlformats.org/drawingml/2006/main" xmlns:r="http://schemas.openxmlformats.org/officeDocument/2006/relationships" xmlns:p="http://schemas.openxmlformats.org/presentationml/2006/main">
   <p:cSld>
@@ -18247,7 +18305,7 @@
       </p:sp>
       <p:sp>
         <p:nvSpPr>
-          <p:cNvPr id="3" name="Espace réservé du contenu 2"/>
+          <p:cNvPr id="8" name="Espace réservé du contenu 7"/>
           <p:cNvSpPr>
             <a:spLocks noGrp="1"/>
           </p:cNvSpPr>
@@ -18257,123 +18315,15 @@
         </p:nvSpPr>
         <p:spPr/>
         <p:txBody>
-          <a:bodyPr>
-            <a:normAutofit fontScale="92500" lnSpcReduction="10000"/>
-          </a:bodyPr>
-          <a:lstStyle/>
-          <a:p>
-            <a:r>
-              <a:rPr lang="fr-FR" dirty="0" err="1" smtClean="0"/>
-              <a:t>glTranslate</a:t>
-            </a:r>
+          <a:bodyPr anchor="ctr"/>
+          <a:lstStyle/>
+          <a:p>
+            <a:pPr marL="0" indent="0" algn="ctr">
+              <a:buNone/>
+            </a:pPr>
             <a:r>
               <a:rPr lang="fr-FR" dirty="0" smtClean="0"/>
-              <a:t>{</a:t>
-            </a:r>
-            <a:r>
-              <a:rPr lang="fr-FR" dirty="0" err="1" smtClean="0"/>
-              <a:t>fd</a:t>
-            </a:r>
-            <a:r>
-              <a:rPr lang="fr-FR" dirty="0" smtClean="0"/>
-              <a:t>}(Type x, Type y, Type z)</a:t>
-            </a:r>
-          </a:p>
-          <a:p>
-            <a:pPr lvl="1"/>
-            <a:r>
-              <a:rPr lang="fr-FR" dirty="0" smtClean="0"/>
-              <a:t>Multiplie la matrice courante par une matrice de </a:t>
-            </a:r>
-            <a:r>
-              <a:rPr lang="fr-FR" i="1" dirty="0" smtClean="0"/>
-              <a:t>mouvement </a:t>
-            </a:r>
-          </a:p>
-          <a:p>
-            <a:pPr lvl="1"/>
-            <a:endParaRPr lang="fr-FR" i="1" dirty="0"/>
-          </a:p>
-          <a:p>
-            <a:r>
-              <a:rPr lang="fr-FR" dirty="0" err="1" smtClean="0"/>
-              <a:t>glRotate</a:t>
-            </a:r>
-            <a:r>
-              <a:rPr lang="fr-FR" dirty="0" smtClean="0"/>
-              <a:t>{</a:t>
-            </a:r>
-            <a:r>
-              <a:rPr lang="fr-FR" dirty="0" err="1" smtClean="0"/>
-              <a:t>fd</a:t>
-            </a:r>
-            <a:r>
-              <a:rPr lang="fr-FR" dirty="0" smtClean="0"/>
-              <a:t>}(</a:t>
-            </a:r>
-            <a:r>
-              <a:rPr lang="fr-FR" dirty="0" err="1" smtClean="0"/>
-              <a:t>TypR</a:t>
-            </a:r>
-            <a:r>
-              <a:rPr lang="fr-FR" dirty="0" smtClean="0"/>
-              <a:t> angle, Type x, </a:t>
-            </a:r>
-            <a:r>
-              <a:rPr lang="fr-FR" dirty="0" err="1" smtClean="0"/>
-              <a:t>TypR</a:t>
-            </a:r>
-            <a:r>
-              <a:rPr lang="fr-FR" dirty="0" smtClean="0"/>
-              <a:t> x, </a:t>
-            </a:r>
-            <a:r>
-              <a:rPr lang="fr-FR" dirty="0" err="1" smtClean="0"/>
-              <a:t>TypR</a:t>
-            </a:r>
-            <a:r>
-              <a:rPr lang="fr-FR" dirty="0" smtClean="0"/>
-              <a:t> y, </a:t>
-            </a:r>
-            <a:r>
-              <a:rPr lang="fr-FR" dirty="0" err="1" smtClean="0"/>
-              <a:t>TypR</a:t>
-            </a:r>
-            <a:r>
-              <a:rPr lang="fr-FR" dirty="0" smtClean="0"/>
-              <a:t> z)</a:t>
-            </a:r>
-          </a:p>
-          <a:p>
-            <a:pPr lvl="1"/>
-            <a:r>
-              <a:rPr lang="fr-FR" dirty="0" smtClean="0"/>
-              <a:t>Multiplie la matrice courante par une matrice qui effectue une rotation du modèle courant</a:t>
-            </a:r>
-          </a:p>
-          <a:p>
-            <a:r>
-              <a:rPr lang="fr-FR" dirty="0" err="1" smtClean="0"/>
-              <a:t>glScale</a:t>
-            </a:r>
-            <a:r>
-              <a:rPr lang="fr-FR" dirty="0" smtClean="0"/>
-              <a:t>{</a:t>
-            </a:r>
-            <a:r>
-              <a:rPr lang="fr-FR" dirty="0" err="1" smtClean="0"/>
-              <a:t>fd</a:t>
-            </a:r>
-            <a:r>
-              <a:rPr lang="fr-FR" dirty="0" smtClean="0"/>
-              <a:t>}(Type x, Type y, Type z)</a:t>
-            </a:r>
-          </a:p>
-          <a:p>
-            <a:pPr lvl="1"/>
-            <a:r>
-              <a:rPr lang="fr-FR" dirty="0" smtClean="0"/>
-              <a:t>Multiplie la matrice courante avec une matrice de réduction</a:t>
+              <a:t>Transformations</a:t>
             </a:r>
             <a:endParaRPr lang="fr-FR" dirty="0"/>
           </a:p>
@@ -18441,7 +18391,7 @@
           <a:bodyPr/>
           <a:lstStyle/>
           <a:p>
-            <a:fld id="{027228B0-E5B0-7443-A123-1122B1DA33A5}" type="datetime1">
+            <a:fld id="{340E0C66-76FB-2344-988B-5312ECB1C245}" type="datetime1">
               <a:rPr lang="fr-FR" smtClean="0"/>
               <a:t>15/09/16</a:t>
             </a:fld>
@@ -18452,7 +18402,7 @@
     </p:spTree>
     <p:extLst>
       <p:ext uri="{BB962C8B-B14F-4D97-AF65-F5344CB8AC3E}">
-        <p14:creationId xmlns:p14="http://schemas.microsoft.com/office/powerpoint/2010/main" val="1688844452"/>
+        <p14:creationId xmlns:p14="http://schemas.microsoft.com/office/powerpoint/2010/main" val="2172238864"/>
       </p:ext>
     </p:extLst>
   </p:cSld>
@@ -18515,6 +18465,446 @@
             <p:ph idx="1"/>
           </p:nvPr>
         </p:nvSpPr>
+        <p:spPr/>
+        <p:txBody>
+          <a:bodyPr/>
+          <a:lstStyle/>
+          <a:p>
+            <a:r>
+              <a:rPr lang="fr-FR" dirty="0" smtClean="0"/>
+              <a:t>Une transformation (pour un modèle) est composée d’une position et une orientation.</a:t>
+            </a:r>
+          </a:p>
+          <a:p>
+            <a:pPr lvl="1"/>
+            <a:r>
+              <a:rPr lang="fr-FR" dirty="0" smtClean="0"/>
+              <a:t>Rotation, translation, mise à l’échelle et leurs combinaisons.</a:t>
+            </a:r>
+          </a:p>
+          <a:p>
+            <a:pPr lvl="1"/>
+            <a:endParaRPr lang="fr-FR" dirty="0"/>
+          </a:p>
+          <a:p>
+            <a:r>
+              <a:rPr lang="fr-FR" dirty="0" smtClean="0"/>
+              <a:t>En OpenGL, les modèles et la vue, sont combinés au travers d’un seul pipeline hardware appelé : </a:t>
+            </a:r>
+            <a:r>
+              <a:rPr lang="fr-FR" i="1" dirty="0" err="1" smtClean="0"/>
+              <a:t>modelview</a:t>
+            </a:r>
+            <a:r>
+              <a:rPr lang="fr-FR" i="1" dirty="0" smtClean="0"/>
+              <a:t> matrix</a:t>
+            </a:r>
+          </a:p>
+          <a:p>
+            <a:pPr lvl="1"/>
+            <a:r>
+              <a:rPr lang="fr-FR" dirty="0" smtClean="0"/>
+              <a:t>Attention, la première transformation (écrite dans le programme) sera appliquée en dernier.</a:t>
+            </a:r>
+          </a:p>
+        </p:txBody>
+      </p:sp>
+      <p:sp>
+        <p:nvSpPr>
+          <p:cNvPr id="4" name="Espace réservé du pied de page 3"/>
+          <p:cNvSpPr>
+            <a:spLocks noGrp="1"/>
+          </p:cNvSpPr>
+          <p:nvPr>
+            <p:ph type="ftr" sz="quarter" idx="3"/>
+          </p:nvPr>
+        </p:nvSpPr>
+        <p:spPr/>
+        <p:txBody>
+          <a:bodyPr/>
+          <a:lstStyle/>
+          <a:p>
+            <a:r>
+              <a:rPr lang="fr-FR" smtClean="0"/>
+              <a:t>Rémi Ronfard - HMIN317 – API RENDU</a:t>
+            </a:r>
+            <a:endParaRPr lang="fr-FR" b="1" dirty="0"/>
+          </a:p>
+        </p:txBody>
+      </p:sp>
+      <p:sp>
+        <p:nvSpPr>
+          <p:cNvPr id="5" name="Espace réservé du numéro de diapositive 4"/>
+          <p:cNvSpPr>
+            <a:spLocks noGrp="1"/>
+          </p:cNvSpPr>
+          <p:nvPr>
+            <p:ph type="sldNum" sz="quarter" idx="4"/>
+          </p:nvPr>
+        </p:nvSpPr>
+        <p:spPr/>
+        <p:txBody>
+          <a:bodyPr/>
+          <a:lstStyle/>
+          <a:p>
+            <a:fld id="{A6C87E8C-A1B1-CC4A-8C89-9A370644B80A}" type="slidenum">
+              <a:rPr lang="fr-FR" smtClean="0"/>
+              <a:pPr/>
+              <a:t>51</a:t>
+            </a:fld>
+            <a:endParaRPr lang="fr-FR" dirty="0"/>
+          </a:p>
+        </p:txBody>
+      </p:sp>
+      <p:sp>
+        <p:nvSpPr>
+          <p:cNvPr id="6" name="Espace réservé de la date 5"/>
+          <p:cNvSpPr>
+            <a:spLocks noGrp="1"/>
+          </p:cNvSpPr>
+          <p:nvPr>
+            <p:ph type="dt" sz="half" idx="2"/>
+          </p:nvPr>
+        </p:nvSpPr>
+        <p:spPr/>
+        <p:txBody>
+          <a:bodyPr/>
+          <a:lstStyle/>
+          <a:p>
+            <a:fld id="{75A9F4E8-A01E-D940-A33B-00210C7FACD0}" type="datetime1">
+              <a:rPr lang="fr-FR" smtClean="0"/>
+              <a:t>16/09/16</a:t>
+            </a:fld>
+            <a:endParaRPr lang="fr-FR" dirty="0"/>
+          </a:p>
+        </p:txBody>
+      </p:sp>
+    </p:spTree>
+    <p:extLst>
+      <p:ext uri="{BB962C8B-B14F-4D97-AF65-F5344CB8AC3E}">
+        <p14:creationId xmlns:p14="http://schemas.microsoft.com/office/powerpoint/2010/main" val="1801772875"/>
+      </p:ext>
+    </p:extLst>
+  </p:cSld>
+  <p:clrMapOvr>
+    <a:masterClrMapping/>
+  </p:clrMapOvr>
+  <p:timing>
+    <p:tnLst>
+      <p:par>
+        <p:cTn xmlns:p14="http://schemas.microsoft.com/office/powerpoint/2010/main" id="1" dur="indefinite" restart="never" nodeType="tmRoot"/>
+      </p:par>
+    </p:tnLst>
+  </p:timing>
+</p:sld>
+</file>
+
+<file path=ppt/slides/slide52.xml><?xml version="1.0" encoding="utf-8"?>
+<p:sld xmlns:a="http://schemas.openxmlformats.org/drawingml/2006/main" xmlns:r="http://schemas.openxmlformats.org/officeDocument/2006/relationships" xmlns:p="http://schemas.openxmlformats.org/presentationml/2006/main">
+  <p:cSld>
+    <p:spTree>
+      <p:nvGrpSpPr>
+        <p:cNvPr id="1" name=""/>
+        <p:cNvGrpSpPr/>
+        <p:nvPr/>
+      </p:nvGrpSpPr>
+      <p:grpSpPr>
+        <a:xfrm>
+          <a:off x="0" y="0"/>
+          <a:ext cx="0" cy="0"/>
+          <a:chOff x="0" y="0"/>
+          <a:chExt cx="0" cy="0"/>
+        </a:xfrm>
+      </p:grpSpPr>
+      <p:sp>
+        <p:nvSpPr>
+          <p:cNvPr id="2" name="Titre 1"/>
+          <p:cNvSpPr>
+            <a:spLocks noGrp="1"/>
+          </p:cNvSpPr>
+          <p:nvPr>
+            <p:ph type="title"/>
+          </p:nvPr>
+        </p:nvSpPr>
+        <p:spPr/>
+        <p:txBody>
+          <a:bodyPr/>
+          <a:lstStyle/>
+          <a:p>
+            <a:endParaRPr lang="fr-FR"/>
+          </a:p>
+        </p:txBody>
+      </p:sp>
+      <p:sp>
+        <p:nvSpPr>
+          <p:cNvPr id="3" name="Espace réservé du contenu 2"/>
+          <p:cNvSpPr>
+            <a:spLocks noGrp="1"/>
+          </p:cNvSpPr>
+          <p:nvPr>
+            <p:ph idx="1"/>
+          </p:nvPr>
+        </p:nvSpPr>
+        <p:spPr/>
+        <p:txBody>
+          <a:bodyPr>
+            <a:normAutofit fontScale="92500" lnSpcReduction="10000"/>
+          </a:bodyPr>
+          <a:lstStyle/>
+          <a:p>
+            <a:r>
+              <a:rPr lang="fr-FR" dirty="0" err="1" smtClean="0"/>
+              <a:t>glTranslate</a:t>
+            </a:r>
+            <a:r>
+              <a:rPr lang="fr-FR" dirty="0" smtClean="0"/>
+              <a:t>{</a:t>
+            </a:r>
+            <a:r>
+              <a:rPr lang="fr-FR" dirty="0" err="1" smtClean="0"/>
+              <a:t>fd</a:t>
+            </a:r>
+            <a:r>
+              <a:rPr lang="fr-FR" dirty="0" smtClean="0"/>
+              <a:t>}(Type x, Type y, Type z)</a:t>
+            </a:r>
+          </a:p>
+          <a:p>
+            <a:pPr lvl="1"/>
+            <a:r>
+              <a:rPr lang="fr-FR" dirty="0" smtClean="0"/>
+              <a:t>Multiplie la matrice courante par une matrice de </a:t>
+            </a:r>
+            <a:r>
+              <a:rPr lang="fr-FR" i="1" dirty="0" smtClean="0"/>
+              <a:t>mouvement </a:t>
+            </a:r>
+          </a:p>
+          <a:p>
+            <a:pPr lvl="1"/>
+            <a:endParaRPr lang="fr-FR" i="1" dirty="0"/>
+          </a:p>
+          <a:p>
+            <a:r>
+              <a:rPr lang="fr-FR" dirty="0" err="1" smtClean="0"/>
+              <a:t>glRotate</a:t>
+            </a:r>
+            <a:r>
+              <a:rPr lang="fr-FR" dirty="0" smtClean="0"/>
+              <a:t>{</a:t>
+            </a:r>
+            <a:r>
+              <a:rPr lang="fr-FR" dirty="0" err="1" smtClean="0"/>
+              <a:t>fd</a:t>
+            </a:r>
+            <a:r>
+              <a:rPr lang="fr-FR" dirty="0" smtClean="0"/>
+              <a:t>}(</a:t>
+            </a:r>
+            <a:r>
+              <a:rPr lang="fr-FR" dirty="0" err="1" smtClean="0"/>
+              <a:t>TypR</a:t>
+            </a:r>
+            <a:r>
+              <a:rPr lang="fr-FR" dirty="0" smtClean="0"/>
+              <a:t> angle, Type x, </a:t>
+            </a:r>
+            <a:r>
+              <a:rPr lang="fr-FR" dirty="0" err="1" smtClean="0"/>
+              <a:t>TypR</a:t>
+            </a:r>
+            <a:r>
+              <a:rPr lang="fr-FR" dirty="0" smtClean="0"/>
+              <a:t> x, </a:t>
+            </a:r>
+            <a:r>
+              <a:rPr lang="fr-FR" dirty="0" err="1" smtClean="0"/>
+              <a:t>TypR</a:t>
+            </a:r>
+            <a:r>
+              <a:rPr lang="fr-FR" dirty="0" smtClean="0"/>
+              <a:t> y, </a:t>
+            </a:r>
+            <a:r>
+              <a:rPr lang="fr-FR" dirty="0" err="1" smtClean="0"/>
+              <a:t>TypR</a:t>
+            </a:r>
+            <a:r>
+              <a:rPr lang="fr-FR" dirty="0" smtClean="0"/>
+              <a:t> z)</a:t>
+            </a:r>
+          </a:p>
+          <a:p>
+            <a:pPr lvl="1"/>
+            <a:r>
+              <a:rPr lang="fr-FR" dirty="0" smtClean="0"/>
+              <a:t>Multiplie la matrice courante par une matrice qui effectue une rotation du modèle courant</a:t>
+            </a:r>
+          </a:p>
+          <a:p>
+            <a:r>
+              <a:rPr lang="fr-FR" dirty="0" err="1" smtClean="0"/>
+              <a:t>glScale</a:t>
+            </a:r>
+            <a:r>
+              <a:rPr lang="fr-FR" dirty="0" smtClean="0"/>
+              <a:t>{</a:t>
+            </a:r>
+            <a:r>
+              <a:rPr lang="fr-FR" dirty="0" err="1" smtClean="0"/>
+              <a:t>fd</a:t>
+            </a:r>
+            <a:r>
+              <a:rPr lang="fr-FR" dirty="0" smtClean="0"/>
+              <a:t>}(Type x, Type y, Type z)</a:t>
+            </a:r>
+          </a:p>
+          <a:p>
+            <a:pPr lvl="1"/>
+            <a:r>
+              <a:rPr lang="fr-FR" dirty="0" smtClean="0"/>
+              <a:t>Multiplie la matrice courante avec une matrice de réduction</a:t>
+            </a:r>
+            <a:endParaRPr lang="fr-FR" dirty="0"/>
+          </a:p>
+        </p:txBody>
+      </p:sp>
+      <p:sp>
+        <p:nvSpPr>
+          <p:cNvPr id="4" name="Espace réservé du pied de page 3"/>
+          <p:cNvSpPr>
+            <a:spLocks noGrp="1"/>
+          </p:cNvSpPr>
+          <p:nvPr>
+            <p:ph type="ftr" sz="quarter" idx="3"/>
+          </p:nvPr>
+        </p:nvSpPr>
+        <p:spPr/>
+        <p:txBody>
+          <a:bodyPr/>
+          <a:lstStyle/>
+          <a:p>
+            <a:r>
+              <a:rPr lang="fr-FR" smtClean="0"/>
+              <a:t>Rémi Ronfard - HMIN317 – API RENDU</a:t>
+            </a:r>
+            <a:endParaRPr lang="fr-FR" b="1" dirty="0"/>
+          </a:p>
+        </p:txBody>
+      </p:sp>
+      <p:sp>
+        <p:nvSpPr>
+          <p:cNvPr id="5" name="Espace réservé du numéro de diapositive 4"/>
+          <p:cNvSpPr>
+            <a:spLocks noGrp="1"/>
+          </p:cNvSpPr>
+          <p:nvPr>
+            <p:ph type="sldNum" sz="quarter" idx="4"/>
+          </p:nvPr>
+        </p:nvSpPr>
+        <p:spPr/>
+        <p:txBody>
+          <a:bodyPr/>
+          <a:lstStyle/>
+          <a:p>
+            <a:fld id="{A6C87E8C-A1B1-CC4A-8C89-9A370644B80A}" type="slidenum">
+              <a:rPr lang="fr-FR" smtClean="0"/>
+              <a:pPr/>
+              <a:t>52</a:t>
+            </a:fld>
+            <a:endParaRPr lang="fr-FR" dirty="0"/>
+          </a:p>
+        </p:txBody>
+      </p:sp>
+      <p:sp>
+        <p:nvSpPr>
+          <p:cNvPr id="6" name="Espace réservé de la date 5"/>
+          <p:cNvSpPr>
+            <a:spLocks noGrp="1"/>
+          </p:cNvSpPr>
+          <p:nvPr>
+            <p:ph type="dt" sz="half" idx="2"/>
+          </p:nvPr>
+        </p:nvSpPr>
+        <p:spPr/>
+        <p:txBody>
+          <a:bodyPr/>
+          <a:lstStyle/>
+          <a:p>
+            <a:fld id="{027228B0-E5B0-7443-A123-1122B1DA33A5}" type="datetime1">
+              <a:rPr lang="fr-FR" smtClean="0"/>
+              <a:t>15/09/16</a:t>
+            </a:fld>
+            <a:endParaRPr lang="fr-FR" dirty="0"/>
+          </a:p>
+        </p:txBody>
+      </p:sp>
+    </p:spTree>
+    <p:extLst>
+      <p:ext uri="{BB962C8B-B14F-4D97-AF65-F5344CB8AC3E}">
+        <p14:creationId xmlns:p14="http://schemas.microsoft.com/office/powerpoint/2010/main" val="1688844452"/>
+      </p:ext>
+    </p:extLst>
+  </p:cSld>
+  <p:clrMapOvr>
+    <a:masterClrMapping/>
+  </p:clrMapOvr>
+  <p:timing>
+    <p:tnLst>
+      <p:par>
+        <p:cTn xmlns:p14="http://schemas.microsoft.com/office/powerpoint/2010/main" id="1" dur="indefinite" restart="never" nodeType="tmRoot"/>
+      </p:par>
+    </p:tnLst>
+  </p:timing>
+</p:sld>
+</file>
+
+<file path=ppt/slides/slide53.xml><?xml version="1.0" encoding="utf-8"?>
+<p:sld xmlns:a="http://schemas.openxmlformats.org/drawingml/2006/main" xmlns:r="http://schemas.openxmlformats.org/officeDocument/2006/relationships" xmlns:p="http://schemas.openxmlformats.org/presentationml/2006/main">
+  <p:cSld>
+    <p:spTree>
+      <p:nvGrpSpPr>
+        <p:cNvPr id="1" name=""/>
+        <p:cNvGrpSpPr/>
+        <p:nvPr/>
+      </p:nvGrpSpPr>
+      <p:grpSpPr>
+        <a:xfrm>
+          <a:off x="0" y="0"/>
+          <a:ext cx="0" cy="0"/>
+          <a:chOff x="0" y="0"/>
+          <a:chExt cx="0" cy="0"/>
+        </a:xfrm>
+      </p:grpSpPr>
+      <p:sp>
+        <p:nvSpPr>
+          <p:cNvPr id="2" name="Titre 1"/>
+          <p:cNvSpPr>
+            <a:spLocks noGrp="1"/>
+          </p:cNvSpPr>
+          <p:nvPr>
+            <p:ph type="title"/>
+          </p:nvPr>
+        </p:nvSpPr>
+        <p:spPr/>
+        <p:txBody>
+          <a:bodyPr/>
+          <a:lstStyle/>
+          <a:p>
+            <a:endParaRPr lang="fr-FR"/>
+          </a:p>
+        </p:txBody>
+      </p:sp>
+      <p:sp>
+        <p:nvSpPr>
+          <p:cNvPr id="3" name="Espace réservé du contenu 2"/>
+          <p:cNvSpPr>
+            <a:spLocks noGrp="1"/>
+          </p:cNvSpPr>
+          <p:nvPr>
+            <p:ph idx="1"/>
+          </p:nvPr>
+        </p:nvSpPr>
         <p:spPr>
           <a:xfrm>
             <a:off x="457200" y="1096412"/>
@@ -18669,7 +19059,7 @@
             <a:fld id="{A6C87E8C-A1B1-CC4A-8C89-9A370644B80A}" type="slidenum">
               <a:rPr lang="fr-FR" smtClean="0"/>
               <a:pPr/>
-              <a:t>51</a:t>
+              <a:t>53</a:t>
             </a:fld>
             <a:endParaRPr lang="fr-FR" dirty="0"/>
           </a:p>
@@ -18748,7 +19138,7 @@
 </p:sld>
 </file>
 
-<file path=ppt/slides/slide52.xml><?xml version="1.0" encoding="utf-8"?>
+<file path=ppt/slides/slide54.xml><?xml version="1.0" encoding="utf-8"?>
 <p:sld xmlns:a="http://schemas.openxmlformats.org/drawingml/2006/main" xmlns:r="http://schemas.openxmlformats.org/officeDocument/2006/relationships" xmlns:p="http://schemas.openxmlformats.org/presentationml/2006/main">
   <p:cSld>
     <p:spTree>
@@ -18945,7 +19335,7 @@
             <a:fld id="{A6C87E8C-A1B1-CC4A-8C89-9A370644B80A}" type="slidenum">
               <a:rPr lang="fr-FR" smtClean="0"/>
               <a:pPr/>
-              <a:t>52</a:t>
+              <a:t>54</a:t>
             </a:fld>
             <a:endParaRPr lang="fr-FR" dirty="0"/>
           </a:p>
@@ -19024,7 +19414,7 @@
 </p:sld>
 </file>
 
-<file path=ppt/slides/slide53.xml><?xml version="1.0" encoding="utf-8"?>
+<file path=ppt/slides/slide55.xml><?xml version="1.0" encoding="utf-8"?>
 <p:sld xmlns:a="http://schemas.openxmlformats.org/drawingml/2006/main" xmlns:r="http://schemas.openxmlformats.org/officeDocument/2006/relationships" xmlns:p="http://schemas.openxmlformats.org/presentationml/2006/main">
   <p:cSld>
     <p:spTree>
@@ -19072,183 +19462,6 @@
         </p:nvSpPr>
         <p:spPr/>
         <p:txBody>
-          <a:bodyPr/>
-          <a:lstStyle/>
-          <a:p>
-            <a:r>
-              <a:rPr lang="fr-FR" dirty="0" smtClean="0"/>
-              <a:t>La camera OpenGL peut être vue comme un appareil photo. Pour prendre une bonne photo il faut :</a:t>
-            </a:r>
-          </a:p>
-          <a:p>
-            <a:pPr lvl="1"/>
-            <a:r>
-              <a:rPr lang="fr-FR" dirty="0" smtClean="0"/>
-              <a:t>Placer la camera dans l’espace et la faire pointer vers la scène</a:t>
-            </a:r>
-            <a:endParaRPr lang="fr-FR" dirty="0"/>
-          </a:p>
-          <a:p>
-            <a:pPr lvl="1"/>
-            <a:r>
-              <a:rPr lang="fr-FR" dirty="0" smtClean="0"/>
-              <a:t>Puis arranger la scène afin d’être photographié dans la bonne compostions </a:t>
-            </a:r>
-          </a:p>
-          <a:p>
-            <a:pPr lvl="1"/>
-            <a:r>
-              <a:rPr lang="fr-FR" dirty="0" smtClean="0"/>
-              <a:t>Définir la lentille de camera et ajuster le zoom</a:t>
-            </a:r>
-          </a:p>
-          <a:p>
-            <a:pPr lvl="1"/>
-            <a:r>
-              <a:rPr lang="fr-FR" dirty="0" smtClean="0"/>
-              <a:t>Finaliser la photo en choisissant l’agrandissement désiré.</a:t>
-            </a:r>
-          </a:p>
-        </p:txBody>
-      </p:sp>
-      <p:sp>
-        <p:nvSpPr>
-          <p:cNvPr id="4" name="Espace réservé du pied de page 3"/>
-          <p:cNvSpPr>
-            <a:spLocks noGrp="1"/>
-          </p:cNvSpPr>
-          <p:nvPr>
-            <p:ph type="ftr" sz="quarter" idx="3"/>
-          </p:nvPr>
-        </p:nvSpPr>
-        <p:spPr/>
-        <p:txBody>
-          <a:bodyPr/>
-          <a:lstStyle/>
-          <a:p>
-            <a:r>
-              <a:rPr lang="fr-FR" smtClean="0"/>
-              <a:t>Rémi Ronfard - HMIN317 – API RENDU</a:t>
-            </a:r>
-            <a:endParaRPr lang="fr-FR" b="1" dirty="0"/>
-          </a:p>
-        </p:txBody>
-      </p:sp>
-      <p:sp>
-        <p:nvSpPr>
-          <p:cNvPr id="5" name="Espace réservé du numéro de diapositive 4"/>
-          <p:cNvSpPr>
-            <a:spLocks noGrp="1"/>
-          </p:cNvSpPr>
-          <p:nvPr>
-            <p:ph type="sldNum" sz="quarter" idx="4"/>
-          </p:nvPr>
-        </p:nvSpPr>
-        <p:spPr/>
-        <p:txBody>
-          <a:bodyPr/>
-          <a:lstStyle/>
-          <a:p>
-            <a:fld id="{A6C87E8C-A1B1-CC4A-8C89-9A370644B80A}" type="slidenum">
-              <a:rPr lang="fr-FR" smtClean="0"/>
-              <a:pPr/>
-              <a:t>53</a:t>
-            </a:fld>
-            <a:endParaRPr lang="fr-FR" dirty="0"/>
-          </a:p>
-        </p:txBody>
-      </p:sp>
-      <p:sp>
-        <p:nvSpPr>
-          <p:cNvPr id="6" name="Espace réservé de la date 5"/>
-          <p:cNvSpPr>
-            <a:spLocks noGrp="1"/>
-          </p:cNvSpPr>
-          <p:nvPr>
-            <p:ph type="dt" sz="half" idx="2"/>
-          </p:nvPr>
-        </p:nvSpPr>
-        <p:spPr/>
-        <p:txBody>
-          <a:bodyPr/>
-          <a:lstStyle/>
-          <a:p>
-            <a:fld id="{F35288F4-6690-CD43-B364-710A2CD54570}" type="datetime1">
-              <a:rPr lang="fr-FR" smtClean="0"/>
-              <a:t>15/09/16</a:t>
-            </a:fld>
-            <a:endParaRPr lang="fr-FR" dirty="0"/>
-          </a:p>
-        </p:txBody>
-      </p:sp>
-    </p:spTree>
-    <p:extLst>
-      <p:ext uri="{BB962C8B-B14F-4D97-AF65-F5344CB8AC3E}">
-        <p14:creationId xmlns:p14="http://schemas.microsoft.com/office/powerpoint/2010/main" val="1307473747"/>
-      </p:ext>
-    </p:extLst>
-  </p:cSld>
-  <p:clrMapOvr>
-    <a:masterClrMapping/>
-  </p:clrMapOvr>
-  <p:timing>
-    <p:tnLst>
-      <p:par>
-        <p:cTn xmlns:p14="http://schemas.microsoft.com/office/powerpoint/2010/main" id="1" dur="indefinite" restart="never" nodeType="tmRoot"/>
-      </p:par>
-    </p:tnLst>
-  </p:timing>
-</p:sld>
-</file>
-
-<file path=ppt/slides/slide54.xml><?xml version="1.0" encoding="utf-8"?>
-<p:sld xmlns:a="http://schemas.openxmlformats.org/drawingml/2006/main" xmlns:r="http://schemas.openxmlformats.org/officeDocument/2006/relationships" xmlns:p="http://schemas.openxmlformats.org/presentationml/2006/main">
-  <p:cSld>
-    <p:spTree>
-      <p:nvGrpSpPr>
-        <p:cNvPr id="1" name=""/>
-        <p:cNvGrpSpPr/>
-        <p:nvPr/>
-      </p:nvGrpSpPr>
-      <p:grpSpPr>
-        <a:xfrm>
-          <a:off x="0" y="0"/>
-          <a:ext cx="0" cy="0"/>
-          <a:chOff x="0" y="0"/>
-          <a:chExt cx="0" cy="0"/>
-        </a:xfrm>
-      </p:grpSpPr>
-      <p:sp>
-        <p:nvSpPr>
-          <p:cNvPr id="2" name="Titre 1"/>
-          <p:cNvSpPr>
-            <a:spLocks noGrp="1"/>
-          </p:cNvSpPr>
-          <p:nvPr>
-            <p:ph type="title"/>
-          </p:nvPr>
-        </p:nvSpPr>
-        <p:spPr/>
-        <p:txBody>
-          <a:bodyPr/>
-          <a:lstStyle/>
-          <a:p>
-            <a:endParaRPr lang="fr-FR"/>
-          </a:p>
-        </p:txBody>
-      </p:sp>
-      <p:sp>
-        <p:nvSpPr>
-          <p:cNvPr id="3" name="Espace réservé du contenu 2"/>
-          <p:cNvSpPr>
-            <a:spLocks noGrp="1"/>
-          </p:cNvSpPr>
-          <p:nvPr>
-            <p:ph idx="1"/>
-          </p:nvPr>
-        </p:nvSpPr>
-        <p:spPr/>
-        <p:txBody>
           <a:bodyPr>
             <a:normAutofit fontScale="85000" lnSpcReduction="20000"/>
           </a:bodyPr>
@@ -19451,7 +19664,7 @@
             <a:fld id="{A6C87E8C-A1B1-CC4A-8C89-9A370644B80A}" type="slidenum">
               <a:rPr lang="fr-FR" smtClean="0"/>
               <a:pPr/>
-              <a:t>54</a:t>
+              <a:t>55</a:t>
             </a:fld>
             <a:endParaRPr lang="fr-FR" dirty="0"/>
           </a:p>
@@ -19524,158 +19737,6 @@
 </p:sld>
 </file>
 
-<file path=ppt/slides/slide55.xml><?xml version="1.0" encoding="utf-8"?>
-<p:sld xmlns:a="http://schemas.openxmlformats.org/drawingml/2006/main" xmlns:r="http://schemas.openxmlformats.org/officeDocument/2006/relationships" xmlns:p="http://schemas.openxmlformats.org/presentationml/2006/main">
-  <p:cSld>
-    <p:spTree>
-      <p:nvGrpSpPr>
-        <p:cNvPr id="1" name=""/>
-        <p:cNvGrpSpPr/>
-        <p:nvPr/>
-      </p:nvGrpSpPr>
-      <p:grpSpPr>
-        <a:xfrm>
-          <a:off x="0" y="0"/>
-          <a:ext cx="0" cy="0"/>
-          <a:chOff x="0" y="0"/>
-          <a:chExt cx="0" cy="0"/>
-        </a:xfrm>
-      </p:grpSpPr>
-      <p:sp>
-        <p:nvSpPr>
-          <p:cNvPr id="2" name="Titre 1"/>
-          <p:cNvSpPr>
-            <a:spLocks noGrp="1"/>
-          </p:cNvSpPr>
-          <p:nvPr>
-            <p:ph type="title"/>
-          </p:nvPr>
-        </p:nvSpPr>
-        <p:spPr/>
-        <p:txBody>
-          <a:bodyPr/>
-          <a:lstStyle/>
-          <a:p>
-            <a:endParaRPr lang="fr-FR"/>
-          </a:p>
-        </p:txBody>
-      </p:sp>
-      <p:sp>
-        <p:nvSpPr>
-          <p:cNvPr id="8" name="Espace réservé du contenu 7"/>
-          <p:cNvSpPr>
-            <a:spLocks noGrp="1"/>
-          </p:cNvSpPr>
-          <p:nvPr>
-            <p:ph idx="1"/>
-          </p:nvPr>
-        </p:nvSpPr>
-        <p:spPr/>
-        <p:txBody>
-          <a:bodyPr anchor="ctr"/>
-          <a:lstStyle/>
-          <a:p>
-            <a:pPr marL="0" indent="0" algn="ctr">
-              <a:buNone/>
-            </a:pPr>
-            <a:r>
-              <a:rPr lang="fr-FR" dirty="0" smtClean="0"/>
-              <a:t>Cameras</a:t>
-            </a:r>
-            <a:endParaRPr lang="fr-FR" dirty="0"/>
-          </a:p>
-        </p:txBody>
-      </p:sp>
-      <p:sp>
-        <p:nvSpPr>
-          <p:cNvPr id="4" name="Espace réservé du pied de page 3"/>
-          <p:cNvSpPr>
-            <a:spLocks noGrp="1"/>
-          </p:cNvSpPr>
-          <p:nvPr>
-            <p:ph type="ftr" sz="quarter" idx="3"/>
-          </p:nvPr>
-        </p:nvSpPr>
-        <p:spPr/>
-        <p:txBody>
-          <a:bodyPr/>
-          <a:lstStyle/>
-          <a:p>
-            <a:r>
-              <a:rPr lang="fr-FR" smtClean="0"/>
-              <a:t>Rémi Ronfard - HMIN317 – API RENDU</a:t>
-            </a:r>
-            <a:endParaRPr lang="fr-FR" b="1" dirty="0"/>
-          </a:p>
-        </p:txBody>
-      </p:sp>
-      <p:sp>
-        <p:nvSpPr>
-          <p:cNvPr id="5" name="Espace réservé du numéro de diapositive 4"/>
-          <p:cNvSpPr>
-            <a:spLocks noGrp="1"/>
-          </p:cNvSpPr>
-          <p:nvPr>
-            <p:ph type="sldNum" sz="quarter" idx="4"/>
-          </p:nvPr>
-        </p:nvSpPr>
-        <p:spPr/>
-        <p:txBody>
-          <a:bodyPr/>
-          <a:lstStyle/>
-          <a:p>
-            <a:fld id="{A6C87E8C-A1B1-CC4A-8C89-9A370644B80A}" type="slidenum">
-              <a:rPr lang="fr-FR" smtClean="0"/>
-              <a:pPr/>
-              <a:t>55</a:t>
-            </a:fld>
-            <a:endParaRPr lang="fr-FR" dirty="0"/>
-          </a:p>
-        </p:txBody>
-      </p:sp>
-      <p:sp>
-        <p:nvSpPr>
-          <p:cNvPr id="6" name="Espace réservé de la date 5"/>
-          <p:cNvSpPr>
-            <a:spLocks noGrp="1"/>
-          </p:cNvSpPr>
-          <p:nvPr>
-            <p:ph type="dt" sz="half" idx="2"/>
-          </p:nvPr>
-        </p:nvSpPr>
-        <p:spPr/>
-        <p:txBody>
-          <a:bodyPr/>
-          <a:lstStyle/>
-          <a:p>
-            <a:fld id="{E1492791-2082-B240-8EEB-177CF9059F76}" type="datetime1">
-              <a:rPr lang="fr-FR" smtClean="0"/>
-              <a:t>15/09/16</a:t>
-            </a:fld>
-            <a:endParaRPr lang="fr-FR" dirty="0"/>
-          </a:p>
-        </p:txBody>
-      </p:sp>
-    </p:spTree>
-    <p:extLst>
-      <p:ext uri="{BB962C8B-B14F-4D97-AF65-F5344CB8AC3E}">
-        <p14:creationId xmlns:p14="http://schemas.microsoft.com/office/powerpoint/2010/main" val="2455311555"/>
-      </p:ext>
-    </p:extLst>
-  </p:cSld>
-  <p:clrMapOvr>
-    <a:masterClrMapping/>
-  </p:clrMapOvr>
-  <p:timing>
-    <p:tnLst>
-      <p:par>
-        <p:cTn xmlns:p14="http://schemas.microsoft.com/office/powerpoint/2010/main" id="1" dur="indefinite" restart="never" nodeType="tmRoot"/>
-      </p:par>
-    </p:tnLst>
-  </p:timing>
-</p:sld>
-</file>
-
 <file path=ppt/slides/slide56.xml><?xml version="1.0" encoding="utf-8"?>
 <p:sld xmlns:a="http://schemas.openxmlformats.org/drawingml/2006/main" xmlns:r="http://schemas.openxmlformats.org/officeDocument/2006/relationships" xmlns:p="http://schemas.openxmlformats.org/presentationml/2006/main">
   <p:cSld>
@@ -19714,6 +19775,32 @@
       </p:sp>
       <p:sp>
         <p:nvSpPr>
+          <p:cNvPr id="8" name="Espace réservé du contenu 7"/>
+          <p:cNvSpPr>
+            <a:spLocks noGrp="1"/>
+          </p:cNvSpPr>
+          <p:nvPr>
+            <p:ph idx="1"/>
+          </p:nvPr>
+        </p:nvSpPr>
+        <p:spPr/>
+        <p:txBody>
+          <a:bodyPr anchor="ctr"/>
+          <a:lstStyle/>
+          <a:p>
+            <a:pPr marL="0" indent="0" algn="ctr">
+              <a:buNone/>
+            </a:pPr>
+            <a:r>
+              <a:rPr lang="fr-FR" dirty="0" smtClean="0"/>
+              <a:t>Cameras</a:t>
+            </a:r>
+            <a:endParaRPr lang="fr-FR" dirty="0"/>
+          </a:p>
+        </p:txBody>
+      </p:sp>
+      <p:sp>
+        <p:nvSpPr>
           <p:cNvPr id="4" name="Espace réservé du pied de page 3"/>
           <p:cNvSpPr>
             <a:spLocks noGrp="1"/>
@@ -19774,7 +19861,7 @@
           <a:bodyPr/>
           <a:lstStyle/>
           <a:p>
-            <a:fld id="{DE80BE4D-895F-E645-BD96-336484BD6183}" type="datetime1">
+            <a:fld id="{E1492791-2082-B240-8EEB-177CF9059F76}" type="datetime1">
               <a:rPr lang="fr-FR" smtClean="0"/>
               <a:t>15/09/16</a:t>
             </a:fld>
@@ -19782,34 +19869,10 @@
           </a:p>
         </p:txBody>
       </p:sp>
-      <p:pic>
-        <p:nvPicPr>
-          <p:cNvPr id="7" name="Image 6"/>
-          <p:cNvPicPr>
-            <a:picLocks noChangeAspect="1"/>
-          </p:cNvPicPr>
-          <p:nvPr/>
-        </p:nvPicPr>
-        <p:blipFill>
-          <a:blip r:embed="rId2"/>
-          <a:stretch>
-            <a:fillRect/>
-          </a:stretch>
-        </p:blipFill>
-        <p:spPr>
-          <a:xfrm>
-            <a:off x="2127320" y="2148975"/>
-            <a:ext cx="5245375" cy="2691966"/>
-          </a:xfrm>
-          <a:prstGeom prst="rect">
-            <a:avLst/>
-          </a:prstGeom>
-        </p:spPr>
-      </p:pic>
     </p:spTree>
     <p:extLst>
       <p:ext uri="{BB962C8B-B14F-4D97-AF65-F5344CB8AC3E}">
-        <p14:creationId xmlns:p14="http://schemas.microsoft.com/office/powerpoint/2010/main" val="3529912940"/>
+        <p14:creationId xmlns:p14="http://schemas.microsoft.com/office/powerpoint/2010/main" val="2455311555"/>
       </p:ext>
     </p:extLst>
   </p:cSld>
@@ -19874,60 +19937,64 @@
         </p:nvSpPr>
         <p:spPr/>
         <p:txBody>
-          <a:bodyPr/>
+          <a:bodyPr>
+            <a:normAutofit lnSpcReduction="10000"/>
+          </a:bodyPr>
           <a:lstStyle/>
           <a:p>
             <a:r>
               <a:rPr lang="fr-FR" dirty="0" smtClean="0"/>
-              <a:t>Une transformation (pour un modèle) est </a:t>
-            </a:r>
+              <a:t>La camera OpenGL peut être vue comme un appareil photo. Pour prendre une bonne photo il faut :</a:t>
+            </a:r>
+          </a:p>
+          <a:p>
+            <a:pPr lvl="1"/>
             <a:r>
               <a:rPr lang="fr-FR" dirty="0" smtClean="0"/>
-              <a:t>composée d’une </a:t>
-            </a:r>
+              <a:t>Placer la camera dans l’espace et la faire pointer vers la scène</a:t>
+            </a:r>
+            <a:endParaRPr lang="fr-FR" dirty="0"/>
+          </a:p>
+          <a:p>
+            <a:pPr lvl="1"/>
             <a:r>
               <a:rPr lang="fr-FR" dirty="0" smtClean="0"/>
-              <a:t>position et une orientation.</a:t>
-            </a:r>
+              <a:t>Puis arranger la </a:t>
+            </a:r>
+            <a:r>
+              <a:rPr lang="fr-FR" dirty="0" smtClean="0"/>
+              <a:t>composition de la scène par rapport à la caméra </a:t>
+            </a:r>
+            <a:endParaRPr lang="fr-FR" dirty="0" smtClean="0"/>
           </a:p>
           <a:p>
             <a:pPr lvl="1"/>
             <a:r>
               <a:rPr lang="fr-FR" dirty="0" smtClean="0"/>
-              <a:t>Rotation, translation, mise à l’échelle et leurs combinaisons.</a:t>
+              <a:t>Définir </a:t>
+            </a:r>
+            <a:r>
+              <a:rPr lang="fr-FR" dirty="0" smtClean="0"/>
+              <a:t>l’objectif (lentille) </a:t>
+            </a:r>
+            <a:r>
+              <a:rPr lang="fr-FR" dirty="0" smtClean="0"/>
+              <a:t>de </a:t>
+            </a:r>
+            <a:r>
+              <a:rPr lang="fr-FR" dirty="0" smtClean="0"/>
+              <a:t>la camera </a:t>
+            </a:r>
+            <a:r>
+              <a:rPr lang="fr-FR" dirty="0" smtClean="0"/>
+              <a:t>et ajuster le zoom</a:t>
             </a:r>
           </a:p>
           <a:p>
             <a:pPr lvl="1"/>
-            <a:endParaRPr lang="fr-FR" dirty="0"/>
-          </a:p>
-          <a:p>
             <a:r>
               <a:rPr lang="fr-FR" dirty="0" smtClean="0"/>
-              <a:t>En OpenGL, les modèles et la vue, sont combinés au travers d’un seul pipeline hardware appelé : </a:t>
-            </a:r>
-            <a:r>
-              <a:rPr lang="fr-FR" i="1" dirty="0" err="1" smtClean="0"/>
-              <a:t>modelview</a:t>
-            </a:r>
-            <a:r>
-              <a:rPr lang="fr-FR" i="1" dirty="0" smtClean="0"/>
-              <a:t> matrix</a:t>
-            </a:r>
-          </a:p>
-          <a:p>
-            <a:pPr lvl="1"/>
-            <a:r>
-              <a:rPr lang="fr-FR" dirty="0" smtClean="0"/>
-              <a:t>Attention, la première transformation (écrite dans le programme) sera </a:t>
-            </a:r>
-            <a:r>
-              <a:rPr lang="fr-FR" dirty="0" smtClean="0"/>
-              <a:t>appliquée </a:t>
-            </a:r>
-            <a:r>
-              <a:rPr lang="fr-FR" dirty="0" smtClean="0"/>
-              <a:t>en dernier.</a:t>
+              <a:t>Finaliser la photo en choisissant l’agrandissement désiré.</a:t>
             </a:r>
           </a:p>
         </p:txBody>
@@ -19994,9 +20061,9 @@
           <a:bodyPr/>
           <a:lstStyle/>
           <a:p>
-            <a:fld id="{75A9F4E8-A01E-D940-A33B-00210C7FACD0}" type="datetime1">
-              <a:rPr lang="fr-FR" smtClean="0"/>
-              <a:t>15/09/16</a:t>
+            <a:fld id="{F35288F4-6690-CD43-B364-710A2CD54570}" type="datetime1">
+              <a:rPr lang="fr-FR" smtClean="0"/>
+              <a:t>16/09/16</a:t>
             </a:fld>
             <a:endParaRPr lang="fr-FR" dirty="0"/>
           </a:p>
@@ -20005,7 +20072,7 @@
     </p:spTree>
     <p:extLst>
       <p:ext uri="{BB962C8B-B14F-4D97-AF65-F5344CB8AC3E}">
-        <p14:creationId xmlns:p14="http://schemas.microsoft.com/office/powerpoint/2010/main" val="2409299831"/>
+        <p14:creationId xmlns:p14="http://schemas.microsoft.com/office/powerpoint/2010/main" val="3608223930"/>
       </p:ext>
     </p:extLst>
   </p:cSld>
@@ -20060,86 +20127,6 @@
       </p:sp>
       <p:sp>
         <p:nvSpPr>
-          <p:cNvPr id="3" name="Espace réservé du contenu 2"/>
-          <p:cNvSpPr>
-            <a:spLocks noGrp="1"/>
-          </p:cNvSpPr>
-          <p:nvPr>
-            <p:ph idx="1"/>
-          </p:nvPr>
-        </p:nvSpPr>
-        <p:spPr/>
-        <p:txBody>
-          <a:bodyPr>
-            <a:normAutofit/>
-          </a:bodyPr>
-          <a:lstStyle/>
-          <a:p>
-            <a:r>
-              <a:rPr lang="fr-FR" sz="2000" dirty="0" smtClean="0"/>
-              <a:t>La transformation de vue:</a:t>
-            </a:r>
-          </a:p>
-          <a:p>
-            <a:pPr lvl="1"/>
-            <a:r>
-              <a:rPr lang="fr-FR" sz="1800" dirty="0" smtClean="0"/>
-              <a:t>Est </a:t>
-            </a:r>
-            <a:r>
-              <a:rPr lang="fr-FR" sz="1800" dirty="0" smtClean="0"/>
-              <a:t>composée </a:t>
-            </a:r>
-            <a:r>
-              <a:rPr lang="fr-FR" sz="1800" dirty="0" smtClean="0"/>
-              <a:t>de translation et rotation</a:t>
-            </a:r>
-            <a:endParaRPr lang="fr-FR" sz="1800" dirty="0"/>
-          </a:p>
-          <a:p>
-            <a:pPr lvl="1"/>
-            <a:r>
-              <a:rPr lang="fr-FR" sz="1800" dirty="0" smtClean="0"/>
-              <a:t>L’état initial de la caméra est composé de la position de </a:t>
-            </a:r>
-            <a:r>
-              <a:rPr lang="fr-FR" sz="1800" b="1" i="1" dirty="0" smtClean="0"/>
-              <a:t>l’œil, </a:t>
-            </a:r>
-            <a:r>
-              <a:rPr lang="fr-FR" sz="1800" dirty="0" smtClean="0"/>
-              <a:t>la direction dans laquelle regarde la camera.</a:t>
-            </a:r>
-          </a:p>
-          <a:p>
-            <a:pPr lvl="1"/>
-            <a:r>
-              <a:rPr lang="fr-FR" sz="1800" dirty="0" smtClean="0"/>
-              <a:t>Différentes caméra sont possible: </a:t>
-            </a:r>
-          </a:p>
-          <a:p>
-            <a:pPr lvl="2"/>
-            <a:r>
-              <a:rPr lang="fr-FR" sz="1600" b="1" dirty="0" smtClean="0"/>
-              <a:t>Perspective</a:t>
-            </a:r>
-          </a:p>
-          <a:p>
-            <a:pPr lvl="2"/>
-            <a:r>
-              <a:rPr lang="fr-FR" sz="1600" b="1" i="1" dirty="0" smtClean="0"/>
-              <a:t>Orthogonal</a:t>
-            </a:r>
-          </a:p>
-          <a:p>
-            <a:pPr lvl="2"/>
-            <a:endParaRPr lang="fr-FR" sz="1800" b="1" i="1" dirty="0"/>
-          </a:p>
-        </p:txBody>
-      </p:sp>
-      <p:sp>
-        <p:nvSpPr>
           <p:cNvPr id="4" name="Espace réservé du pied de page 3"/>
           <p:cNvSpPr>
             <a:spLocks noGrp="1"/>
@@ -20200,7 +20187,7 @@
           <a:bodyPr/>
           <a:lstStyle/>
           <a:p>
-            <a:fld id="{162A9381-41B7-7443-99C8-F0ED27831FD8}" type="datetime1">
+            <a:fld id="{DE80BE4D-895F-E645-BD96-336484BD6183}" type="datetime1">
               <a:rPr lang="fr-FR" smtClean="0"/>
               <a:t>15/09/16</a:t>
             </a:fld>
@@ -20208,10 +20195,34 @@
           </a:p>
         </p:txBody>
       </p:sp>
+      <p:pic>
+        <p:nvPicPr>
+          <p:cNvPr id="7" name="Image 6"/>
+          <p:cNvPicPr>
+            <a:picLocks noChangeAspect="1"/>
+          </p:cNvPicPr>
+          <p:nvPr/>
+        </p:nvPicPr>
+        <p:blipFill>
+          <a:blip r:embed="rId2"/>
+          <a:stretch>
+            <a:fillRect/>
+          </a:stretch>
+        </p:blipFill>
+        <p:spPr>
+          <a:xfrm>
+            <a:off x="1247924" y="1840691"/>
+            <a:ext cx="6839638" cy="3510154"/>
+          </a:xfrm>
+          <a:prstGeom prst="rect">
+            <a:avLst/>
+          </a:prstGeom>
+        </p:spPr>
+      </p:pic>
     </p:spTree>
     <p:extLst>
       <p:ext uri="{BB962C8B-B14F-4D97-AF65-F5344CB8AC3E}">
-        <p14:creationId xmlns:p14="http://schemas.microsoft.com/office/powerpoint/2010/main" val="3219777267"/>
+        <p14:creationId xmlns:p14="http://schemas.microsoft.com/office/powerpoint/2010/main" val="3529912940"/>
       </p:ext>
     </p:extLst>
   </p:cSld>
@@ -20276,6 +20287,496 @@
         </p:nvSpPr>
         <p:spPr/>
         <p:txBody>
+          <a:bodyPr>
+            <a:normAutofit/>
+          </a:bodyPr>
+          <a:lstStyle/>
+          <a:p>
+            <a:r>
+              <a:rPr lang="fr-FR" sz="2000" dirty="0" smtClean="0"/>
+              <a:t>La transformation de vue:</a:t>
+            </a:r>
+          </a:p>
+          <a:p>
+            <a:pPr lvl="1"/>
+            <a:r>
+              <a:rPr lang="fr-FR" sz="1800" dirty="0" smtClean="0"/>
+              <a:t>Est composée de translation et rotation</a:t>
+            </a:r>
+            <a:endParaRPr lang="fr-FR" sz="1800" dirty="0"/>
+          </a:p>
+          <a:p>
+            <a:pPr lvl="1"/>
+            <a:r>
+              <a:rPr lang="fr-FR" sz="1800" dirty="0" smtClean="0"/>
+              <a:t>L’état initial de la caméra est composé de la position de </a:t>
+            </a:r>
+            <a:r>
+              <a:rPr lang="fr-FR" sz="1800" b="1" i="1" dirty="0" smtClean="0"/>
+              <a:t>l’œil, </a:t>
+            </a:r>
+            <a:r>
+              <a:rPr lang="fr-FR" sz="1800" dirty="0" smtClean="0"/>
+              <a:t>la direction dans laquelle regarde la camera.</a:t>
+            </a:r>
+          </a:p>
+          <a:p>
+            <a:pPr lvl="1"/>
+            <a:r>
+              <a:rPr lang="fr-FR" sz="1800" dirty="0" smtClean="0"/>
+              <a:t>Différentes caméra sont possible: </a:t>
+            </a:r>
+          </a:p>
+          <a:p>
+            <a:pPr lvl="2"/>
+            <a:r>
+              <a:rPr lang="fr-FR" sz="1600" b="1" dirty="0" smtClean="0"/>
+              <a:t>Perspective</a:t>
+            </a:r>
+          </a:p>
+          <a:p>
+            <a:pPr lvl="2"/>
+            <a:r>
+              <a:rPr lang="fr-FR" sz="1600" b="1" i="1" dirty="0" smtClean="0"/>
+              <a:t>Orthogonal</a:t>
+            </a:r>
+          </a:p>
+          <a:p>
+            <a:pPr lvl="2"/>
+            <a:endParaRPr lang="fr-FR" sz="1800" b="1" i="1" dirty="0"/>
+          </a:p>
+        </p:txBody>
+      </p:sp>
+      <p:sp>
+        <p:nvSpPr>
+          <p:cNvPr id="4" name="Espace réservé du pied de page 3"/>
+          <p:cNvSpPr>
+            <a:spLocks noGrp="1"/>
+          </p:cNvSpPr>
+          <p:nvPr>
+            <p:ph type="ftr" sz="quarter" idx="3"/>
+          </p:nvPr>
+        </p:nvSpPr>
+        <p:spPr/>
+        <p:txBody>
+          <a:bodyPr/>
+          <a:lstStyle/>
+          <a:p>
+            <a:r>
+              <a:rPr lang="fr-FR" smtClean="0"/>
+              <a:t>Rémi Ronfard - HMIN317 – API RENDU</a:t>
+            </a:r>
+            <a:endParaRPr lang="fr-FR" b="1" dirty="0"/>
+          </a:p>
+        </p:txBody>
+      </p:sp>
+      <p:sp>
+        <p:nvSpPr>
+          <p:cNvPr id="5" name="Espace réservé du numéro de diapositive 4"/>
+          <p:cNvSpPr>
+            <a:spLocks noGrp="1"/>
+          </p:cNvSpPr>
+          <p:nvPr>
+            <p:ph type="sldNum" sz="quarter" idx="4"/>
+          </p:nvPr>
+        </p:nvSpPr>
+        <p:spPr/>
+        <p:txBody>
+          <a:bodyPr/>
+          <a:lstStyle/>
+          <a:p>
+            <a:fld id="{A6C87E8C-A1B1-CC4A-8C89-9A370644B80A}" type="slidenum">
+              <a:rPr lang="fr-FR" smtClean="0"/>
+              <a:pPr/>
+              <a:t>59</a:t>
+            </a:fld>
+            <a:endParaRPr lang="fr-FR" dirty="0"/>
+          </a:p>
+        </p:txBody>
+      </p:sp>
+      <p:sp>
+        <p:nvSpPr>
+          <p:cNvPr id="6" name="Espace réservé de la date 5"/>
+          <p:cNvSpPr>
+            <a:spLocks noGrp="1"/>
+          </p:cNvSpPr>
+          <p:nvPr>
+            <p:ph type="dt" sz="half" idx="2"/>
+          </p:nvPr>
+        </p:nvSpPr>
+        <p:spPr/>
+        <p:txBody>
+          <a:bodyPr/>
+          <a:lstStyle/>
+          <a:p>
+            <a:fld id="{162A9381-41B7-7443-99C8-F0ED27831FD8}" type="datetime1">
+              <a:rPr lang="fr-FR" smtClean="0"/>
+              <a:t>15/09/16</a:t>
+            </a:fld>
+            <a:endParaRPr lang="fr-FR" dirty="0"/>
+          </a:p>
+        </p:txBody>
+      </p:sp>
+    </p:spTree>
+    <p:extLst>
+      <p:ext uri="{BB962C8B-B14F-4D97-AF65-F5344CB8AC3E}">
+        <p14:creationId xmlns:p14="http://schemas.microsoft.com/office/powerpoint/2010/main" val="3219777267"/>
+      </p:ext>
+    </p:extLst>
+  </p:cSld>
+  <p:clrMapOvr>
+    <a:masterClrMapping/>
+  </p:clrMapOvr>
+  <p:timing>
+    <p:tnLst>
+      <p:par>
+        <p:cTn xmlns:p14="http://schemas.microsoft.com/office/powerpoint/2010/main" id="1" dur="indefinite" restart="never" nodeType="tmRoot"/>
+      </p:par>
+    </p:tnLst>
+  </p:timing>
+</p:sld>
+</file>
+
+<file path=ppt/slides/slide6.xml><?xml version="1.0" encoding="utf-8"?>
+<p:sld xmlns:a="http://schemas.openxmlformats.org/drawingml/2006/main" xmlns:r="http://schemas.openxmlformats.org/officeDocument/2006/relationships" xmlns:p="http://schemas.openxmlformats.org/presentationml/2006/main">
+  <p:cSld>
+    <p:spTree>
+      <p:nvGrpSpPr>
+        <p:cNvPr id="1" name=""/>
+        <p:cNvGrpSpPr/>
+        <p:nvPr/>
+      </p:nvGrpSpPr>
+      <p:grpSpPr>
+        <a:xfrm>
+          <a:off x="0" y="0"/>
+          <a:ext cx="0" cy="0"/>
+          <a:chOff x="0" y="0"/>
+          <a:chExt cx="0" cy="0"/>
+        </a:xfrm>
+      </p:grpSpPr>
+      <p:sp>
+        <p:nvSpPr>
+          <p:cNvPr id="2" name="Titre 1"/>
+          <p:cNvSpPr>
+            <a:spLocks noGrp="1"/>
+          </p:cNvSpPr>
+          <p:nvPr>
+            <p:ph type="title"/>
+          </p:nvPr>
+        </p:nvSpPr>
+        <p:spPr/>
+        <p:txBody>
+          <a:bodyPr/>
+          <a:lstStyle/>
+          <a:p>
+            <a:endParaRPr lang="fr-FR"/>
+          </a:p>
+        </p:txBody>
+      </p:sp>
+      <p:sp>
+        <p:nvSpPr>
+          <p:cNvPr id="3" name="Espace réservé du contenu 2"/>
+          <p:cNvSpPr>
+            <a:spLocks noGrp="1"/>
+          </p:cNvSpPr>
+          <p:nvPr>
+            <p:ph idx="1"/>
+          </p:nvPr>
+        </p:nvSpPr>
+        <p:spPr/>
+        <p:txBody>
+          <a:bodyPr>
+            <a:normAutofit fontScale="62500" lnSpcReduction="20000"/>
+          </a:bodyPr>
+          <a:lstStyle/>
+          <a:p>
+            <a:pPr marL="0" indent="0">
+              <a:buNone/>
+            </a:pPr>
+            <a:r>
+              <a:rPr lang="fr-FR" b="1" dirty="0"/>
+              <a:t>Sur consoles</a:t>
+            </a:r>
+          </a:p>
+          <a:p>
+            <a:pPr marL="0" indent="0">
+              <a:buNone/>
+            </a:pPr>
+            <a:r>
+              <a:rPr lang="fr-FR" dirty="0" smtClean="0"/>
+              <a:t>Avant, des API </a:t>
+            </a:r>
+            <a:r>
+              <a:rPr lang="fr-FR" dirty="0"/>
+              <a:t>propriétaires du fabricant, fournies avec les kits de développement. Elles offrent un accès complet aux capacités du matériel</a:t>
+            </a:r>
+            <a:r>
+              <a:rPr lang="fr-FR" dirty="0" smtClean="0"/>
+              <a:t>.</a:t>
+            </a:r>
+          </a:p>
+          <a:p>
+            <a:pPr marL="0" indent="0">
+              <a:buNone/>
+            </a:pPr>
+            <a:r>
+              <a:rPr lang="fr-FR" dirty="0" smtClean="0"/>
+              <a:t>Maintenant, des API standards (OpenGL, Directx)</a:t>
+            </a:r>
+            <a:endParaRPr lang="fr-FR" dirty="0"/>
+          </a:p>
+          <a:p>
+            <a:pPr marL="0" indent="0">
+              <a:buNone/>
+            </a:pPr>
+            <a:endParaRPr lang="fr-FR" dirty="0"/>
+          </a:p>
+          <a:p>
+            <a:pPr marL="0" indent="0">
+              <a:buNone/>
+            </a:pPr>
+            <a:r>
+              <a:rPr lang="fr-FR" b="1" dirty="0"/>
+              <a:t>Sur PC</a:t>
+            </a:r>
+          </a:p>
+          <a:p>
+            <a:pPr marL="0" indent="0">
+              <a:buNone/>
+            </a:pPr>
+            <a:r>
+              <a:rPr lang="fr-FR" dirty="0" smtClean="0"/>
+              <a:t>Direct3D </a:t>
+            </a:r>
+            <a:r>
+              <a:rPr lang="fr-FR" dirty="0"/>
+              <a:t>: API de Microsoft, partie de DirectX (qui contient également des A.P.I. de gestion d’I/O, de son, de réseau). Disponible également sur </a:t>
+            </a:r>
+            <a:r>
+              <a:rPr lang="fr-FR" dirty="0" err="1"/>
+              <a:t>XBox</a:t>
+            </a:r>
+            <a:r>
+              <a:rPr lang="fr-FR" dirty="0"/>
+              <a:t>. Actuellement en version 11.</a:t>
+            </a:r>
+          </a:p>
+          <a:p>
+            <a:pPr marL="0" indent="0">
+              <a:buNone/>
+            </a:pPr>
+            <a:endParaRPr lang="fr-FR" dirty="0"/>
+          </a:p>
+          <a:p>
+            <a:pPr marL="0" indent="0">
+              <a:buNone/>
+            </a:pPr>
+            <a:r>
+              <a:rPr lang="fr-FR" dirty="0"/>
+              <a:t>OpenGL : Standard multiplateformes. Les spécifications du standard sont publiques et gratuites. Actuellement en version 4.3 (Aout 2012). Historiquement développé par </a:t>
+            </a:r>
+            <a:r>
+              <a:rPr lang="fr-FR" dirty="0" err="1"/>
+              <a:t>Silicon</a:t>
+            </a:r>
+            <a:r>
+              <a:rPr lang="fr-FR" dirty="0"/>
+              <a:t> </a:t>
+            </a:r>
+            <a:r>
+              <a:rPr lang="fr-FR" dirty="0" err="1"/>
+              <a:t>Graphics</a:t>
+            </a:r>
+            <a:r>
+              <a:rPr lang="fr-FR" dirty="0"/>
+              <a:t> (</a:t>
+            </a:r>
+            <a:r>
+              <a:rPr lang="fr-FR" dirty="0" err="1"/>
+              <a:t>IrisGL</a:t>
+            </a:r>
+            <a:r>
+              <a:rPr lang="fr-FR" dirty="0"/>
+              <a:t>), puis repris en 2006 par le consortium </a:t>
+            </a:r>
+            <a:r>
+              <a:rPr lang="fr-FR" dirty="0" err="1"/>
+              <a:t>Khronos</a:t>
+            </a:r>
+            <a:r>
+              <a:rPr lang="fr-FR" dirty="0"/>
+              <a:t>, qui réunit tous les grands acteurs du marché</a:t>
+            </a:r>
+            <a:r>
+              <a:rPr lang="fr-FR" dirty="0" smtClean="0"/>
+              <a:t>.</a:t>
+            </a:r>
+          </a:p>
+          <a:p>
+            <a:pPr marL="0" indent="0">
+              <a:buNone/>
+            </a:pPr>
+            <a:endParaRPr lang="fr-FR" dirty="0"/>
+          </a:p>
+          <a:p>
+            <a:pPr marL="0" indent="0">
+              <a:buNone/>
+            </a:pPr>
+            <a:r>
+              <a:rPr lang="fr-FR" dirty="0" err="1" smtClean="0"/>
+              <a:t>Mantle</a:t>
+            </a:r>
+            <a:r>
+              <a:rPr lang="fr-FR" dirty="0" smtClean="0"/>
+              <a:t>: un nouvel API de RENDU bas niveau, développé par AMD</a:t>
+            </a:r>
+          </a:p>
+          <a:p>
+            <a:pPr marL="0" indent="0">
+              <a:buNone/>
+            </a:pPr>
+            <a:endParaRPr lang="fr-FR" dirty="0"/>
+          </a:p>
+        </p:txBody>
+      </p:sp>
+      <p:sp>
+        <p:nvSpPr>
+          <p:cNvPr id="4" name="Espace réservé du pied de page 3"/>
+          <p:cNvSpPr>
+            <a:spLocks noGrp="1"/>
+          </p:cNvSpPr>
+          <p:nvPr>
+            <p:ph type="ftr" sz="quarter" idx="3"/>
+          </p:nvPr>
+        </p:nvSpPr>
+        <p:spPr/>
+        <p:txBody>
+          <a:bodyPr/>
+          <a:lstStyle/>
+          <a:p>
+            <a:r>
+              <a:rPr lang="fr-FR" smtClean="0"/>
+              <a:t>Rémi Ronfard - HMIN317 – API RENDU</a:t>
+            </a:r>
+            <a:endParaRPr lang="fr-FR" dirty="0"/>
+          </a:p>
+        </p:txBody>
+      </p:sp>
+      <p:sp>
+        <p:nvSpPr>
+          <p:cNvPr id="5" name="Espace réservé du numéro de diapositive 4"/>
+          <p:cNvSpPr>
+            <a:spLocks noGrp="1"/>
+          </p:cNvSpPr>
+          <p:nvPr>
+            <p:ph type="sldNum" sz="quarter" idx="4"/>
+          </p:nvPr>
+        </p:nvSpPr>
+        <p:spPr/>
+        <p:txBody>
+          <a:bodyPr/>
+          <a:lstStyle/>
+          <a:p>
+            <a:fld id="{A6C87E8C-A1B1-CC4A-8C89-9A370644B80A}" type="slidenum">
+              <a:rPr lang="fr-FR" smtClean="0"/>
+              <a:pPr/>
+              <a:t>6</a:t>
+            </a:fld>
+            <a:endParaRPr lang="fr-FR" dirty="0"/>
+          </a:p>
+        </p:txBody>
+      </p:sp>
+      <p:sp>
+        <p:nvSpPr>
+          <p:cNvPr id="6" name="Espace réservé de la date 5"/>
+          <p:cNvSpPr>
+            <a:spLocks noGrp="1"/>
+          </p:cNvSpPr>
+          <p:nvPr>
+            <p:ph type="dt" sz="half" idx="2"/>
+          </p:nvPr>
+        </p:nvSpPr>
+        <p:spPr/>
+        <p:txBody>
+          <a:bodyPr/>
+          <a:lstStyle/>
+          <a:p>
+            <a:fld id="{27AFA12C-67F3-4446-AABA-B630ABC9B2C5}" type="datetime1">
+              <a:rPr lang="fr-FR" smtClean="0"/>
+              <a:t>15/09/16</a:t>
+            </a:fld>
+            <a:endParaRPr lang="fr-FR" dirty="0"/>
+          </a:p>
+        </p:txBody>
+      </p:sp>
+    </p:spTree>
+    <p:extLst>
+      <p:ext uri="{BB962C8B-B14F-4D97-AF65-F5344CB8AC3E}">
+        <p14:creationId xmlns:p14="http://schemas.microsoft.com/office/powerpoint/2010/main" val="2205075356"/>
+      </p:ext>
+    </p:extLst>
+  </p:cSld>
+  <p:clrMapOvr>
+    <a:masterClrMapping/>
+  </p:clrMapOvr>
+  <p:timing>
+    <p:tnLst>
+      <p:par>
+        <p:cTn xmlns:p14="http://schemas.microsoft.com/office/powerpoint/2010/main" id="1" dur="indefinite" restart="never" nodeType="tmRoot"/>
+      </p:par>
+    </p:tnLst>
+  </p:timing>
+</p:sld>
+</file>
+
+<file path=ppt/slides/slide60.xml><?xml version="1.0" encoding="utf-8"?>
+<p:sld xmlns:a="http://schemas.openxmlformats.org/drawingml/2006/main" xmlns:r="http://schemas.openxmlformats.org/officeDocument/2006/relationships" xmlns:p="http://schemas.openxmlformats.org/presentationml/2006/main">
+  <p:cSld>
+    <p:spTree>
+      <p:nvGrpSpPr>
+        <p:cNvPr id="1" name=""/>
+        <p:cNvGrpSpPr/>
+        <p:nvPr/>
+      </p:nvGrpSpPr>
+      <p:grpSpPr>
+        <a:xfrm>
+          <a:off x="0" y="0"/>
+          <a:ext cx="0" cy="0"/>
+          <a:chOff x="0" y="0"/>
+          <a:chExt cx="0" cy="0"/>
+        </a:xfrm>
+      </p:grpSpPr>
+      <p:sp>
+        <p:nvSpPr>
+          <p:cNvPr id="2" name="Titre 1"/>
+          <p:cNvSpPr>
+            <a:spLocks noGrp="1"/>
+          </p:cNvSpPr>
+          <p:nvPr>
+            <p:ph type="title"/>
+          </p:nvPr>
+        </p:nvSpPr>
+        <p:spPr/>
+        <p:txBody>
+          <a:bodyPr/>
+          <a:lstStyle/>
+          <a:p>
+            <a:endParaRPr lang="fr-FR"/>
+          </a:p>
+        </p:txBody>
+      </p:sp>
+      <p:sp>
+        <p:nvSpPr>
+          <p:cNvPr id="3" name="Espace réservé du contenu 2"/>
+          <p:cNvSpPr>
+            <a:spLocks noGrp="1"/>
+          </p:cNvSpPr>
+          <p:nvPr>
+            <p:ph idx="1"/>
+          </p:nvPr>
+        </p:nvSpPr>
+        <p:spPr/>
+        <p:txBody>
           <a:bodyPr/>
           <a:lstStyle/>
           <a:p>
@@ -20406,7 +20907,7 @@
             <a:fld id="{A6C87E8C-A1B1-CC4A-8C89-9A370644B80A}" type="slidenum">
               <a:rPr lang="fr-FR" smtClean="0"/>
               <a:pPr/>
-              <a:t>59</a:t>
+              <a:t>60</a:t>
             </a:fld>
             <a:endParaRPr lang="fr-FR" dirty="0"/>
           </a:p>
@@ -20503,7 +21004,7 @@
 </p:sld>
 </file>
 
-<file path=ppt/slides/slide6.xml><?xml version="1.0" encoding="utf-8"?>
+<file path=ppt/slides/slide61.xml><?xml version="1.0" encoding="utf-8"?>
 <p:sld xmlns:a="http://schemas.openxmlformats.org/drawingml/2006/main" xmlns:r="http://schemas.openxmlformats.org/officeDocument/2006/relationships" xmlns:p="http://schemas.openxmlformats.org/presentationml/2006/main">
   <p:cSld>
     <p:spTree>
@@ -20551,298 +21052,6 @@
         </p:nvSpPr>
         <p:spPr/>
         <p:txBody>
-          <a:bodyPr>
-            <a:normAutofit fontScale="62500" lnSpcReduction="20000"/>
-          </a:bodyPr>
-          <a:lstStyle/>
-          <a:p>
-            <a:pPr marL="0" indent="0">
-              <a:buNone/>
-            </a:pPr>
-            <a:r>
-              <a:rPr lang="fr-FR" b="1" dirty="0"/>
-              <a:t>Sur consoles</a:t>
-            </a:r>
-          </a:p>
-          <a:p>
-            <a:pPr marL="0" indent="0">
-              <a:buNone/>
-            </a:pPr>
-            <a:r>
-              <a:rPr lang="fr-FR" dirty="0" smtClean="0"/>
-              <a:t>Avant, des API </a:t>
-            </a:r>
-            <a:r>
-              <a:rPr lang="fr-FR" dirty="0"/>
-              <a:t>propriétaires du fabricant, fournies avec les kits de développement. Elles offrent un accès complet aux capacités du matériel</a:t>
-            </a:r>
-            <a:r>
-              <a:rPr lang="fr-FR" dirty="0" smtClean="0"/>
-              <a:t>.</a:t>
-            </a:r>
-          </a:p>
-          <a:p>
-            <a:pPr marL="0" indent="0">
-              <a:buNone/>
-            </a:pPr>
-            <a:r>
-              <a:rPr lang="fr-FR" dirty="0" smtClean="0"/>
-              <a:t>Maintenant, des API standards (OpenGL, Directx)</a:t>
-            </a:r>
-            <a:endParaRPr lang="fr-FR" dirty="0"/>
-          </a:p>
-          <a:p>
-            <a:pPr marL="0" indent="0">
-              <a:buNone/>
-            </a:pPr>
-            <a:endParaRPr lang="fr-FR" dirty="0"/>
-          </a:p>
-          <a:p>
-            <a:pPr marL="0" indent="0">
-              <a:buNone/>
-            </a:pPr>
-            <a:r>
-              <a:rPr lang="fr-FR" b="1" dirty="0"/>
-              <a:t>Sur PC</a:t>
-            </a:r>
-          </a:p>
-          <a:p>
-            <a:pPr marL="0" indent="0">
-              <a:buNone/>
-            </a:pPr>
-            <a:r>
-              <a:rPr lang="fr-FR" dirty="0" smtClean="0"/>
-              <a:t>Direct3D </a:t>
-            </a:r>
-            <a:r>
-              <a:rPr lang="fr-FR" dirty="0"/>
-              <a:t>: API de Microsoft, partie de DirectX (qui contient également des A.P.I. de gestion d’I/O, de son, de réseau). Disponible également sur </a:t>
-            </a:r>
-            <a:r>
-              <a:rPr lang="fr-FR" dirty="0" err="1"/>
-              <a:t>XBox</a:t>
-            </a:r>
-            <a:r>
-              <a:rPr lang="fr-FR" dirty="0"/>
-              <a:t>. Actuellement en version 11.</a:t>
-            </a:r>
-          </a:p>
-          <a:p>
-            <a:pPr marL="0" indent="0">
-              <a:buNone/>
-            </a:pPr>
-            <a:endParaRPr lang="fr-FR" dirty="0"/>
-          </a:p>
-          <a:p>
-            <a:pPr marL="0" indent="0">
-              <a:buNone/>
-            </a:pPr>
-            <a:r>
-              <a:rPr lang="fr-FR" dirty="0"/>
-              <a:t>OpenGL : Standard multiplateformes. Les spécifications du standard sont publiques et gratuites. Actuellement en version 4.3 (Aout 2012). Historiquement développé par </a:t>
-            </a:r>
-            <a:r>
-              <a:rPr lang="fr-FR" dirty="0" err="1"/>
-              <a:t>Silicon</a:t>
-            </a:r>
-            <a:r>
-              <a:rPr lang="fr-FR" dirty="0"/>
-              <a:t> </a:t>
-            </a:r>
-            <a:r>
-              <a:rPr lang="fr-FR" dirty="0" err="1"/>
-              <a:t>Graphics</a:t>
-            </a:r>
-            <a:r>
-              <a:rPr lang="fr-FR" dirty="0"/>
-              <a:t> (</a:t>
-            </a:r>
-            <a:r>
-              <a:rPr lang="fr-FR" dirty="0" err="1"/>
-              <a:t>IrisGL</a:t>
-            </a:r>
-            <a:r>
-              <a:rPr lang="fr-FR" dirty="0"/>
-              <a:t>), puis repris en 2006 par le consortium </a:t>
-            </a:r>
-            <a:r>
-              <a:rPr lang="fr-FR" dirty="0" err="1"/>
-              <a:t>Khronos</a:t>
-            </a:r>
-            <a:r>
-              <a:rPr lang="fr-FR" dirty="0"/>
-              <a:t>, qui réunit tous les grands acteurs du marché</a:t>
-            </a:r>
-            <a:r>
-              <a:rPr lang="fr-FR" dirty="0" smtClean="0"/>
-              <a:t>.</a:t>
-            </a:r>
-          </a:p>
-          <a:p>
-            <a:pPr marL="0" indent="0">
-              <a:buNone/>
-            </a:pPr>
-            <a:endParaRPr lang="fr-FR" dirty="0"/>
-          </a:p>
-          <a:p>
-            <a:pPr marL="0" indent="0">
-              <a:buNone/>
-            </a:pPr>
-            <a:r>
-              <a:rPr lang="fr-FR" dirty="0" err="1" smtClean="0"/>
-              <a:t>Mantle</a:t>
-            </a:r>
-            <a:r>
-              <a:rPr lang="fr-FR" dirty="0" smtClean="0"/>
-              <a:t>: un nouvel API de RENDU bas niveau, développé par AMD</a:t>
-            </a:r>
-          </a:p>
-          <a:p>
-            <a:pPr marL="0" indent="0">
-              <a:buNone/>
-            </a:pPr>
-            <a:endParaRPr lang="fr-FR" dirty="0"/>
-          </a:p>
-        </p:txBody>
-      </p:sp>
-      <p:sp>
-        <p:nvSpPr>
-          <p:cNvPr id="4" name="Espace réservé du pied de page 3"/>
-          <p:cNvSpPr>
-            <a:spLocks noGrp="1"/>
-          </p:cNvSpPr>
-          <p:nvPr>
-            <p:ph type="ftr" sz="quarter" idx="3"/>
-          </p:nvPr>
-        </p:nvSpPr>
-        <p:spPr/>
-        <p:txBody>
-          <a:bodyPr/>
-          <a:lstStyle/>
-          <a:p>
-            <a:r>
-              <a:rPr lang="fr-FR" smtClean="0"/>
-              <a:t>Rémi Ronfard - HMIN317 – API RENDU</a:t>
-            </a:r>
-            <a:endParaRPr lang="fr-FR" dirty="0"/>
-          </a:p>
-        </p:txBody>
-      </p:sp>
-      <p:sp>
-        <p:nvSpPr>
-          <p:cNvPr id="5" name="Espace réservé du numéro de diapositive 4"/>
-          <p:cNvSpPr>
-            <a:spLocks noGrp="1"/>
-          </p:cNvSpPr>
-          <p:nvPr>
-            <p:ph type="sldNum" sz="quarter" idx="4"/>
-          </p:nvPr>
-        </p:nvSpPr>
-        <p:spPr/>
-        <p:txBody>
-          <a:bodyPr/>
-          <a:lstStyle/>
-          <a:p>
-            <a:fld id="{A6C87E8C-A1B1-CC4A-8C89-9A370644B80A}" type="slidenum">
-              <a:rPr lang="fr-FR" smtClean="0"/>
-              <a:pPr/>
-              <a:t>6</a:t>
-            </a:fld>
-            <a:endParaRPr lang="fr-FR" dirty="0"/>
-          </a:p>
-        </p:txBody>
-      </p:sp>
-      <p:sp>
-        <p:nvSpPr>
-          <p:cNvPr id="6" name="Espace réservé de la date 5"/>
-          <p:cNvSpPr>
-            <a:spLocks noGrp="1"/>
-          </p:cNvSpPr>
-          <p:nvPr>
-            <p:ph type="dt" sz="half" idx="2"/>
-          </p:nvPr>
-        </p:nvSpPr>
-        <p:spPr/>
-        <p:txBody>
-          <a:bodyPr/>
-          <a:lstStyle/>
-          <a:p>
-            <a:fld id="{27AFA12C-67F3-4446-AABA-B630ABC9B2C5}" type="datetime1">
-              <a:rPr lang="fr-FR" smtClean="0"/>
-              <a:t>15/09/16</a:t>
-            </a:fld>
-            <a:endParaRPr lang="fr-FR" dirty="0"/>
-          </a:p>
-        </p:txBody>
-      </p:sp>
-    </p:spTree>
-    <p:extLst>
-      <p:ext uri="{BB962C8B-B14F-4D97-AF65-F5344CB8AC3E}">
-        <p14:creationId xmlns:p14="http://schemas.microsoft.com/office/powerpoint/2010/main" val="2205075356"/>
-      </p:ext>
-    </p:extLst>
-  </p:cSld>
-  <p:clrMapOvr>
-    <a:masterClrMapping/>
-  </p:clrMapOvr>
-  <p:timing>
-    <p:tnLst>
-      <p:par>
-        <p:cTn xmlns:p14="http://schemas.microsoft.com/office/powerpoint/2010/main" id="1" dur="indefinite" restart="never" nodeType="tmRoot"/>
-      </p:par>
-    </p:tnLst>
-  </p:timing>
-</p:sld>
-</file>
-
-<file path=ppt/slides/slide60.xml><?xml version="1.0" encoding="utf-8"?>
-<p:sld xmlns:a="http://schemas.openxmlformats.org/drawingml/2006/main" xmlns:r="http://schemas.openxmlformats.org/officeDocument/2006/relationships" xmlns:p="http://schemas.openxmlformats.org/presentationml/2006/main">
-  <p:cSld>
-    <p:spTree>
-      <p:nvGrpSpPr>
-        <p:cNvPr id="1" name=""/>
-        <p:cNvGrpSpPr/>
-        <p:nvPr/>
-      </p:nvGrpSpPr>
-      <p:grpSpPr>
-        <a:xfrm>
-          <a:off x="0" y="0"/>
-          <a:ext cx="0" cy="0"/>
-          <a:chOff x="0" y="0"/>
-          <a:chExt cx="0" cy="0"/>
-        </a:xfrm>
-      </p:grpSpPr>
-      <p:sp>
-        <p:nvSpPr>
-          <p:cNvPr id="2" name="Titre 1"/>
-          <p:cNvSpPr>
-            <a:spLocks noGrp="1"/>
-          </p:cNvSpPr>
-          <p:nvPr>
-            <p:ph type="title"/>
-          </p:nvPr>
-        </p:nvSpPr>
-        <p:spPr/>
-        <p:txBody>
-          <a:bodyPr/>
-          <a:lstStyle/>
-          <a:p>
-            <a:endParaRPr lang="fr-FR"/>
-          </a:p>
-        </p:txBody>
-      </p:sp>
-      <p:sp>
-        <p:nvSpPr>
-          <p:cNvPr id="3" name="Espace réservé du contenu 2"/>
-          <p:cNvSpPr>
-            <a:spLocks noGrp="1"/>
-          </p:cNvSpPr>
-          <p:nvPr>
-            <p:ph idx="1"/>
-          </p:nvPr>
-        </p:nvSpPr>
-        <p:spPr/>
-        <p:txBody>
           <a:bodyPr/>
           <a:lstStyle/>
           <a:p>
@@ -20971,7 +21180,7 @@
             <a:fld id="{A6C87E8C-A1B1-CC4A-8C89-9A370644B80A}" type="slidenum">
               <a:rPr lang="fr-FR" smtClean="0"/>
               <a:pPr/>
-              <a:t>60</a:t>
+              <a:t>61</a:t>
             </a:fld>
             <a:endParaRPr lang="fr-FR" dirty="0"/>
           </a:p>
@@ -21068,287 +21277,6 @@
 </p:sld>
 </file>
 
-<file path=ppt/slides/slide61.xml><?xml version="1.0" encoding="utf-8"?>
-<p:sld xmlns:a="http://schemas.openxmlformats.org/drawingml/2006/main" xmlns:r="http://schemas.openxmlformats.org/officeDocument/2006/relationships" xmlns:p="http://schemas.openxmlformats.org/presentationml/2006/main">
-  <p:cSld>
-    <p:spTree>
-      <p:nvGrpSpPr>
-        <p:cNvPr id="1" name=""/>
-        <p:cNvGrpSpPr/>
-        <p:nvPr/>
-      </p:nvGrpSpPr>
-      <p:grpSpPr>
-        <a:xfrm>
-          <a:off x="0" y="0"/>
-          <a:ext cx="0" cy="0"/>
-          <a:chOff x="0" y="0"/>
-          <a:chExt cx="0" cy="0"/>
-        </a:xfrm>
-      </p:grpSpPr>
-      <p:sp>
-        <p:nvSpPr>
-          <p:cNvPr id="2" name="Titre 1"/>
-          <p:cNvSpPr>
-            <a:spLocks noGrp="1"/>
-          </p:cNvSpPr>
-          <p:nvPr>
-            <p:ph type="title"/>
-          </p:nvPr>
-        </p:nvSpPr>
-        <p:spPr/>
-        <p:txBody>
-          <a:bodyPr/>
-          <a:lstStyle/>
-          <a:p>
-            <a:endParaRPr lang="fr-FR"/>
-          </a:p>
-        </p:txBody>
-      </p:sp>
-      <p:sp>
-        <p:nvSpPr>
-          <p:cNvPr id="3" name="Espace réservé du contenu 2"/>
-          <p:cNvSpPr>
-            <a:spLocks noGrp="1"/>
-          </p:cNvSpPr>
-          <p:nvPr>
-            <p:ph idx="1"/>
-          </p:nvPr>
-        </p:nvSpPr>
-        <p:spPr/>
-        <p:txBody>
-          <a:bodyPr>
-            <a:normAutofit lnSpcReduction="10000"/>
-          </a:bodyPr>
-          <a:lstStyle/>
-          <a:p>
-            <a:r>
-              <a:rPr lang="fr-FR" dirty="0" smtClean="0"/>
-              <a:t>La transformation </a:t>
-            </a:r>
-            <a:r>
-              <a:rPr lang="fr-FR" b="1" i="1" dirty="0" err="1" smtClean="0"/>
-              <a:t>Viewport</a:t>
-            </a:r>
-            <a:endParaRPr lang="fr-FR" b="1" i="1" dirty="0" smtClean="0"/>
-          </a:p>
-          <a:p>
-            <a:pPr lvl="1"/>
-            <a:r>
-              <a:rPr lang="fr-FR" dirty="0" smtClean="0"/>
-              <a:t>Transforme l’image finale dans une région de l’écran.</a:t>
-            </a:r>
-          </a:p>
-          <a:p>
-            <a:pPr lvl="1"/>
-            <a:r>
-              <a:rPr lang="fr-FR" dirty="0" smtClean="0"/>
-              <a:t>Le </a:t>
-            </a:r>
-            <a:r>
-              <a:rPr lang="fr-FR" b="1" i="1" dirty="0" err="1" smtClean="0"/>
-              <a:t>viewport</a:t>
-            </a:r>
-            <a:r>
-              <a:rPr lang="fr-FR" b="1" i="1" dirty="0" smtClean="0"/>
-              <a:t> </a:t>
-            </a:r>
-            <a:r>
-              <a:rPr lang="fr-FR" dirty="0" smtClean="0"/>
-              <a:t>est mesuré par le système de coordonné de la fenêtre.</a:t>
-            </a:r>
-          </a:p>
-          <a:p>
-            <a:pPr lvl="1"/>
-            <a:r>
-              <a:rPr lang="fr-FR" dirty="0" err="1" smtClean="0"/>
-              <a:t>glViewport</a:t>
-            </a:r>
-            <a:r>
-              <a:rPr lang="fr-FR" dirty="0" smtClean="0"/>
-              <a:t>(</a:t>
-            </a:r>
-            <a:r>
-              <a:rPr lang="fr-FR" dirty="0" err="1" smtClean="0"/>
-              <a:t>GLint</a:t>
-            </a:r>
-            <a:r>
-              <a:rPr lang="fr-FR" dirty="0" smtClean="0"/>
-              <a:t> x, </a:t>
-            </a:r>
-            <a:r>
-              <a:rPr lang="fr-FR" dirty="0" err="1" smtClean="0"/>
-              <a:t>GLint</a:t>
-            </a:r>
-            <a:r>
-              <a:rPr lang="fr-FR" dirty="0" smtClean="0"/>
-              <a:t> y, </a:t>
-            </a:r>
-            <a:r>
-              <a:rPr lang="fr-FR" dirty="0" err="1" smtClean="0"/>
-              <a:t>Glsizei</a:t>
-            </a:r>
-            <a:r>
-              <a:rPr lang="fr-FR" dirty="0" smtClean="0"/>
-              <a:t> </a:t>
-            </a:r>
-            <a:r>
-              <a:rPr lang="fr-FR" dirty="0" err="1" smtClean="0"/>
-              <a:t>width</a:t>
-            </a:r>
-            <a:r>
-              <a:rPr lang="fr-FR" dirty="0" smtClean="0"/>
-              <a:t>, </a:t>
-            </a:r>
-            <a:r>
-              <a:rPr lang="fr-FR" dirty="0" err="1"/>
-              <a:t>Glsizei</a:t>
-            </a:r>
-            <a:r>
-              <a:rPr lang="fr-FR" dirty="0"/>
-              <a:t> </a:t>
-            </a:r>
-            <a:r>
-              <a:rPr lang="fr-FR" dirty="0" err="1" smtClean="0"/>
-              <a:t>height</a:t>
-            </a:r>
-            <a:r>
-              <a:rPr lang="fr-FR" dirty="0" smtClean="0"/>
-              <a:t>)</a:t>
-            </a:r>
-          </a:p>
-          <a:p>
-            <a:r>
-              <a:rPr lang="fr-FR" dirty="0" smtClean="0"/>
-              <a:t>Il est possible de changer le mode d’une matrice:</a:t>
-            </a:r>
-          </a:p>
-          <a:p>
-            <a:pPr lvl="1"/>
-            <a:r>
-              <a:rPr lang="fr-FR" dirty="0" err="1" smtClean="0"/>
-              <a:t>glMatrixMode</a:t>
-            </a:r>
-            <a:r>
-              <a:rPr lang="fr-FR" dirty="0" smtClean="0"/>
-              <a:t>(</a:t>
-            </a:r>
-            <a:r>
-              <a:rPr lang="fr-FR" dirty="0" err="1" smtClean="0"/>
-              <a:t>Glenum</a:t>
-            </a:r>
-            <a:r>
-              <a:rPr lang="fr-FR" dirty="0" smtClean="0"/>
-              <a:t> mode)</a:t>
-            </a:r>
-          </a:p>
-          <a:p>
-            <a:pPr lvl="2"/>
-            <a:r>
-              <a:rPr lang="fr-FR" dirty="0" smtClean="0"/>
-              <a:t>Type de projection, texture, </a:t>
-            </a:r>
-            <a:r>
-              <a:rPr lang="fr-FR" dirty="0" err="1" smtClean="0"/>
-              <a:t>etc</a:t>
-            </a:r>
-            <a:r>
-              <a:rPr lang="fr-FR" dirty="0" smtClean="0"/>
-              <a:t> </a:t>
-            </a:r>
-            <a:endParaRPr lang="fr-FR" dirty="0"/>
-          </a:p>
-        </p:txBody>
-      </p:sp>
-      <p:sp>
-        <p:nvSpPr>
-          <p:cNvPr id="4" name="Espace réservé du pied de page 3"/>
-          <p:cNvSpPr>
-            <a:spLocks noGrp="1"/>
-          </p:cNvSpPr>
-          <p:nvPr>
-            <p:ph type="ftr" sz="quarter" idx="3"/>
-          </p:nvPr>
-        </p:nvSpPr>
-        <p:spPr/>
-        <p:txBody>
-          <a:bodyPr/>
-          <a:lstStyle/>
-          <a:p>
-            <a:r>
-              <a:rPr lang="fr-FR" smtClean="0"/>
-              <a:t>Rémi Ronfard - HMIN317 – API RENDU</a:t>
-            </a:r>
-            <a:endParaRPr lang="fr-FR" b="1" dirty="0"/>
-          </a:p>
-        </p:txBody>
-      </p:sp>
-      <p:sp>
-        <p:nvSpPr>
-          <p:cNvPr id="5" name="Espace réservé du numéro de diapositive 4"/>
-          <p:cNvSpPr>
-            <a:spLocks noGrp="1"/>
-          </p:cNvSpPr>
-          <p:nvPr>
-            <p:ph type="sldNum" sz="quarter" idx="4"/>
-          </p:nvPr>
-        </p:nvSpPr>
-        <p:spPr/>
-        <p:txBody>
-          <a:bodyPr/>
-          <a:lstStyle/>
-          <a:p>
-            <a:fld id="{A6C87E8C-A1B1-CC4A-8C89-9A370644B80A}" type="slidenum">
-              <a:rPr lang="fr-FR" smtClean="0"/>
-              <a:pPr/>
-              <a:t>61</a:t>
-            </a:fld>
-            <a:endParaRPr lang="fr-FR" dirty="0"/>
-          </a:p>
-        </p:txBody>
-      </p:sp>
-      <p:sp>
-        <p:nvSpPr>
-          <p:cNvPr id="6" name="Espace réservé de la date 5"/>
-          <p:cNvSpPr>
-            <a:spLocks noGrp="1"/>
-          </p:cNvSpPr>
-          <p:nvPr>
-            <p:ph type="dt" sz="half" idx="2"/>
-          </p:nvPr>
-        </p:nvSpPr>
-        <p:spPr/>
-        <p:txBody>
-          <a:bodyPr/>
-          <a:lstStyle/>
-          <a:p>
-            <a:fld id="{1F15B87D-57A0-5F47-AD77-FABB385444B6}" type="datetime1">
-              <a:rPr lang="fr-FR" smtClean="0"/>
-              <a:t>15/09/16</a:t>
-            </a:fld>
-            <a:endParaRPr lang="fr-FR" dirty="0"/>
-          </a:p>
-        </p:txBody>
-      </p:sp>
-    </p:spTree>
-    <p:extLst>
-      <p:ext uri="{BB962C8B-B14F-4D97-AF65-F5344CB8AC3E}">
-        <p14:creationId xmlns:p14="http://schemas.microsoft.com/office/powerpoint/2010/main" val="3913039738"/>
-      </p:ext>
-    </p:extLst>
-  </p:cSld>
-  <p:clrMapOvr>
-    <a:masterClrMapping/>
-  </p:clrMapOvr>
-  <p:timing>
-    <p:tnLst>
-      <p:par>
-        <p:cTn xmlns:p14="http://schemas.microsoft.com/office/powerpoint/2010/main" id="1" dur="indefinite" restart="never" nodeType="tmRoot"/>
-      </p:par>
-    </p:tnLst>
-  </p:timing>
-</p:sld>
-</file>
-
 <file path=ppt/slides/slide62.xml><?xml version="1.0" encoding="utf-8"?>
 <p:sld xmlns:a="http://schemas.openxmlformats.org/drawingml/2006/main" xmlns:r="http://schemas.openxmlformats.org/officeDocument/2006/relationships" xmlns:p="http://schemas.openxmlformats.org/presentationml/2006/main">
   <p:cSld>
@@ -21398,159 +21326,144 @@
         <p:spPr/>
         <p:txBody>
           <a:bodyPr>
-            <a:normAutofit/>
+            <a:normAutofit lnSpcReduction="10000"/>
           </a:bodyPr>
           <a:lstStyle/>
           <a:p>
             <a:r>
               <a:rPr lang="fr-FR" dirty="0" smtClean="0"/>
-              <a:t>Les </a:t>
-            </a:r>
+              <a:t>La transformation </a:t>
+            </a:r>
+            <a:r>
+              <a:rPr lang="fr-FR" b="1" i="1" dirty="0" err="1" smtClean="0"/>
+              <a:t>Viewport</a:t>
+            </a:r>
+            <a:endParaRPr lang="fr-FR" b="1" i="1" dirty="0" smtClean="0"/>
+          </a:p>
+          <a:p>
+            <a:pPr lvl="1"/>
             <a:r>
               <a:rPr lang="fr-FR" dirty="0" smtClean="0"/>
-              <a:t>opérations de pile permettent la construction d’un système hiérarchique </a:t>
+              <a:t>Transforme l’image finale dans une région de l’écran.</a:t>
             </a:r>
           </a:p>
           <a:p>
             <a:pPr lvl="1"/>
             <a:r>
               <a:rPr lang="fr-FR" dirty="0" smtClean="0"/>
-              <a:t>Un exemple:</a:t>
-            </a:r>
-          </a:p>
-          <a:p>
-            <a:pPr marL="914400" lvl="2" indent="0">
-              <a:buNone/>
-            </a:pPr>
+              <a:t>Le </a:t>
+            </a:r>
+            <a:r>
+              <a:rPr lang="fr-FR" b="1" i="1" dirty="0" err="1" smtClean="0"/>
+              <a:t>viewport</a:t>
+            </a:r>
+            <a:r>
+              <a:rPr lang="fr-FR" b="1" i="1" dirty="0" smtClean="0"/>
+              <a:t> </a:t>
+            </a:r>
+            <a:r>
+              <a:rPr lang="fr-FR" dirty="0" smtClean="0"/>
+              <a:t>est mesuré par le système de coordonné de la fenêtre.</a:t>
+            </a:r>
+          </a:p>
+          <a:p>
+            <a:pPr lvl="1"/>
             <a:r>
               <a:rPr lang="fr-FR" dirty="0" err="1" smtClean="0"/>
-              <a:t>glPushMatrix</a:t>
+              <a:t>glViewport</a:t>
             </a:r>
             <a:r>
               <a:rPr lang="fr-FR" dirty="0" smtClean="0"/>
-              <a:t>(); </a:t>
-            </a:r>
-          </a:p>
-          <a:p>
-            <a:pPr marL="1371600" lvl="3" indent="0">
-              <a:buNone/>
-            </a:pPr>
+              <a:t>(</a:t>
+            </a:r>
+            <a:r>
+              <a:rPr lang="fr-FR" dirty="0" err="1" smtClean="0"/>
+              <a:t>GLint</a:t>
+            </a:r>
             <a:r>
               <a:rPr lang="fr-FR" dirty="0" smtClean="0"/>
-              <a:t>the </a:t>
+              <a:t> x, </a:t>
+            </a:r>
+            <a:r>
+              <a:rPr lang="fr-FR" dirty="0" err="1" smtClean="0"/>
+              <a:t>GLint</a:t>
+            </a:r>
+            <a:r>
+              <a:rPr lang="fr-FR" dirty="0" smtClean="0"/>
+              <a:t> y, </a:t>
+            </a:r>
+            <a:r>
+              <a:rPr lang="fr-FR" dirty="0" err="1" smtClean="0"/>
+              <a:t>Glsizei</a:t>
+            </a:r>
+            <a:r>
+              <a:rPr lang="fr-FR" dirty="0" smtClean="0"/>
+              <a:t> </a:t>
+            </a:r>
+            <a:r>
+              <a:rPr lang="fr-FR" dirty="0" err="1" smtClean="0"/>
+              <a:t>width</a:t>
+            </a:r>
+            <a:r>
+              <a:rPr lang="fr-FR" dirty="0" smtClean="0"/>
+              <a:t>, </a:t>
+            </a:r>
+            <a:r>
+              <a:rPr lang="fr-FR" dirty="0" err="1"/>
+              <a:t>Glsizei</a:t>
             </a:r>
             <a:r>
               <a:rPr lang="fr-FR" dirty="0"/>
-              <a:t>car body transformation;</a:t>
-            </a:r>
-          </a:p>
-          <a:p>
-            <a:pPr marL="1371600" lvl="3" indent="0">
-              <a:buNone/>
-            </a:pPr>
-            <a:r>
-              <a:rPr lang="fr-FR" dirty="0" err="1"/>
-              <a:t>Draw</a:t>
-            </a:r>
-            <a:r>
-              <a:rPr lang="fr-FR" dirty="0"/>
-              <a:t> the </a:t>
+              <a:t> </a:t>
+            </a:r>
+            <a:r>
+              <a:rPr lang="fr-FR" dirty="0" err="1" smtClean="0"/>
+              <a:t>height</a:t>
             </a:r>
             <a:r>
               <a:rPr lang="fr-FR" dirty="0" smtClean="0"/>
-              <a:t>car </a:t>
-            </a:r>
-            <a:r>
-              <a:rPr lang="fr-FR" dirty="0"/>
-              <a:t>body;</a:t>
-            </a:r>
-            <a:br>
-              <a:rPr lang="fr-FR" dirty="0"/>
-            </a:br>
-            <a:r>
-              <a:rPr lang="fr-FR" dirty="0"/>
-              <a:t>for(1 to 4) </a:t>
-            </a:r>
-          </a:p>
-          <a:p>
-            <a:pPr marL="1828800" lvl="4" indent="0">
-              <a:buNone/>
-            </a:pPr>
-            <a:r>
-              <a:rPr lang="fr-FR" dirty="0" err="1"/>
-              <a:t>glPushMatrix</a:t>
-            </a:r>
-            <a:r>
-              <a:rPr lang="fr-FR" dirty="0"/>
-              <a:t>(); </a:t>
-            </a:r>
-          </a:p>
-          <a:p>
-            <a:pPr marL="1828800" lvl="4" indent="0">
-              <a:buNone/>
-            </a:pPr>
-            <a:r>
-              <a:rPr lang="fr-FR" dirty="0"/>
-              <a:t>The </a:t>
-            </a:r>
-            <a:r>
-              <a:rPr lang="fr-FR" dirty="0" err="1"/>
-              <a:t>wheel’s</a:t>
-            </a:r>
-            <a:r>
-              <a:rPr lang="fr-FR" dirty="0"/>
-              <a:t> local transformation;</a:t>
-            </a:r>
-          </a:p>
-          <a:p>
-            <a:pPr marL="1828800" lvl="4" indent="0">
-              <a:buNone/>
-            </a:pPr>
-            <a:r>
-              <a:rPr lang="fr-FR" dirty="0" err="1"/>
-              <a:t>Draw</a:t>
-            </a:r>
-            <a:r>
-              <a:rPr lang="fr-FR" dirty="0"/>
-              <a:t> the </a:t>
-            </a:r>
-            <a:r>
-              <a:rPr lang="fr-FR" dirty="0" err="1"/>
-              <a:t>wheel</a:t>
-            </a:r>
+              <a:t>)</a:t>
+            </a:r>
+          </a:p>
+          <a:p>
             <a:r>
               <a:rPr lang="fr-FR" dirty="0" smtClean="0"/>
-              <a:t>;</a:t>
-            </a:r>
-          </a:p>
-          <a:p>
-            <a:pPr marL="1371600" lvl="3" indent="0">
-              <a:buNone/>
-            </a:pPr>
+              <a:t>Il est possible de changer le mode d’une matrice:</a:t>
+            </a:r>
+          </a:p>
+          <a:p>
+            <a:pPr lvl="1"/>
             <a:r>
               <a:rPr lang="fr-FR" dirty="0" err="1" smtClean="0"/>
-              <a:t>glPopMatrix</a:t>
-            </a:r>
-            <a:r>
-              <a:rPr lang="fr-FR" dirty="0"/>
-              <a:t>();</a:t>
-            </a:r>
-          </a:p>
-          <a:p>
-            <a:pPr marL="914400" lvl="2" indent="0">
-              <a:buNone/>
-            </a:pPr>
-            <a:r>
-              <a:rPr lang="fr-FR" dirty="0" err="1"/>
-              <a:t>glPopMatrix</a:t>
-            </a:r>
-            <a:r>
-              <a:rPr lang="fr-FR" dirty="0"/>
-              <a:t>(); </a:t>
-            </a:r>
-          </a:p>
-          <a:p>
-            <a:pPr lvl="1"/>
+              <a:t>glMatrixMode</a:t>
+            </a:r>
+            <a:r>
+              <a:rPr lang="fr-FR" dirty="0" smtClean="0"/>
+              <a:t>(</a:t>
+            </a:r>
+            <a:r>
+              <a:rPr lang="fr-FR" dirty="0" err="1" smtClean="0"/>
+              <a:t>Glenum</a:t>
+            </a:r>
+            <a:r>
+              <a:rPr lang="fr-FR" dirty="0" smtClean="0"/>
+              <a:t> mode)</a:t>
+            </a:r>
+          </a:p>
+          <a:p>
+            <a:pPr lvl="2"/>
+            <a:r>
+              <a:rPr lang="fr-FR" dirty="0" smtClean="0"/>
+              <a:t>Type de projection, texture, </a:t>
+            </a:r>
+            <a:r>
+              <a:rPr lang="fr-FR" dirty="0" err="1" smtClean="0"/>
+              <a:t>etc</a:t>
+            </a:r>
+            <a:r>
+              <a:rPr lang="fr-FR" dirty="0" smtClean="0"/>
+              <a:t> </a:t>
+            </a:r>
             <a:endParaRPr lang="fr-FR" dirty="0"/>
           </a:p>
         </p:txBody>
@@ -21617,7 +21530,7 @@
           <a:bodyPr/>
           <a:lstStyle/>
           <a:p>
-            <a:fld id="{7F096B74-6F4A-E94D-B10E-6FC42E4DEED2}" type="datetime1">
+            <a:fld id="{1F15B87D-57A0-5F47-AD77-FABB385444B6}" type="datetime1">
               <a:rPr lang="fr-FR" smtClean="0"/>
               <a:t>15/09/16</a:t>
             </a:fld>
@@ -21628,7 +21541,7 @@
     </p:spTree>
     <p:extLst>
       <p:ext uri="{BB962C8B-B14F-4D97-AF65-F5344CB8AC3E}">
-        <p14:creationId xmlns:p14="http://schemas.microsoft.com/office/powerpoint/2010/main" val="3920358594"/>
+        <p14:creationId xmlns:p14="http://schemas.microsoft.com/office/powerpoint/2010/main" val="3913039738"/>
       </p:ext>
     </p:extLst>
   </p:cSld>
@@ -21693,118 +21606,156 @@
         </p:nvSpPr>
         <p:spPr/>
         <p:txBody>
-          <a:bodyPr/>
+          <a:bodyPr>
+            <a:normAutofit/>
+          </a:bodyPr>
           <a:lstStyle/>
           <a:p>
             <a:r>
               <a:rPr lang="fr-FR" dirty="0" smtClean="0"/>
-              <a:t>Deux modes pour gérer les couleurs:</a:t>
+              <a:t>Les opérations de pile permettent la construction d’un système hiérarchique </a:t>
             </a:r>
           </a:p>
           <a:p>
             <a:pPr lvl="1"/>
             <a:r>
               <a:rPr lang="fr-FR" dirty="0" smtClean="0"/>
-              <a:t>RGBA</a:t>
-            </a:r>
-          </a:p>
-          <a:p>
-            <a:pPr lvl="2"/>
-            <a:r>
-              <a:rPr lang="fr-FR" dirty="0" smtClean="0"/>
-              <a:t>4 composantes</a:t>
-            </a:r>
-          </a:p>
-          <a:p>
-            <a:pPr lvl="2"/>
-            <a:r>
-              <a:rPr lang="fr-FR" dirty="0" smtClean="0"/>
-              <a:t>Normalisé entre 0.0 et 1.0</a:t>
-            </a:r>
-          </a:p>
-          <a:p>
-            <a:pPr lvl="2"/>
-            <a:r>
-              <a:rPr lang="fr-FR" dirty="0" smtClean="0"/>
-              <a:t>Ex:</a:t>
-            </a:r>
-          </a:p>
-          <a:p>
-            <a:pPr lvl="3"/>
-            <a:r>
-              <a:rPr lang="fr-FR" dirty="0" err="1" smtClean="0"/>
-              <a:t>glColor</a:t>
-            </a:r>
-            <a:r>
-              <a:rPr lang="fr-FR" dirty="0" smtClean="0"/>
-              <a:t>{34}[v] (type </a:t>
-            </a:r>
-            <a:r>
-              <a:rPr lang="fr-FR" dirty="0" err="1" smtClean="0"/>
-              <a:t>Colors</a:t>
-            </a:r>
-            <a:r>
-              <a:rPr lang="fr-FR" dirty="0" smtClean="0"/>
-              <a:t>)</a:t>
-            </a:r>
-          </a:p>
-          <a:p>
-            <a:pPr lvl="1"/>
-            <a:r>
-              <a:rPr lang="fr-FR" dirty="0" smtClean="0"/>
-              <a:t>Index  de couleur</a:t>
-            </a:r>
-          </a:p>
-          <a:p>
-            <a:pPr marL="457200" lvl="1" indent="0">
+              <a:t>Un exemple:</a:t>
+            </a:r>
+          </a:p>
+          <a:p>
+            <a:pPr marL="914400" lvl="2" indent="0">
               <a:buNone/>
             </a:pPr>
             <a:r>
+              <a:rPr lang="fr-FR" dirty="0" err="1" smtClean="0"/>
+              <a:t>glPushMatrix</a:t>
+            </a:r>
+            <a:r>
               <a:rPr lang="fr-FR" dirty="0" smtClean="0"/>
-              <a:t>	utilise une carte de couleur (externe)</a:t>
-            </a:r>
-          </a:p>
-          <a:p>
-            <a:pPr marL="457200" lvl="1" indent="0">
+              <a:t>(); </a:t>
+            </a:r>
+          </a:p>
+          <a:p>
+            <a:pPr marL="1371600" lvl="3" indent="0">
               <a:buNone/>
             </a:pPr>
             <a:r>
+              <a:rPr lang="fr-FR" dirty="0" smtClean="0"/>
+              <a:t>the </a:t>
+            </a:r>
+            <a:r>
               <a:rPr lang="fr-FR" dirty="0"/>
-              <a:t>	</a:t>
-            </a:r>
-            <a:r>
-              <a:rPr lang="fr-FR" dirty="0" smtClean="0"/>
-              <a:t>Ex:</a:t>
-            </a:r>
-          </a:p>
-          <a:p>
-            <a:pPr marL="457200" lvl="1" indent="0">
+              <a:t>car body transformation;</a:t>
+            </a:r>
+          </a:p>
+          <a:p>
+            <a:pPr marL="1371600" lvl="3" indent="0">
               <a:buNone/>
             </a:pPr>
             <a:r>
+              <a:rPr lang="fr-FR" dirty="0" err="1"/>
+              <a:t>Draw</a:t>
+            </a:r>
+            <a:r>
               <a:rPr lang="fr-FR" dirty="0"/>
-              <a:t>	</a:t>
+              <a:t> the </a:t>
             </a:r>
             <a:r>
               <a:rPr lang="fr-FR" dirty="0" smtClean="0"/>
-              <a:t>	-</a:t>
-            </a:r>
+              <a:t>car </a:t>
+            </a:r>
+            <a:r>
+              <a:rPr lang="fr-FR" dirty="0"/>
+              <a:t>body;</a:t>
+            </a:r>
+            <a:br>
+              <a:rPr lang="fr-FR" dirty="0"/>
+            </a:br>
+            <a:r>
+              <a:rPr lang="fr-FR" dirty="0"/>
+              <a:t>for(1 to 4) </a:t>
+            </a:r>
+          </a:p>
+          <a:p>
+            <a:pPr marL="1828800" lvl="4" indent="0">
+              <a:buNone/>
+            </a:pPr>
+            <a:r>
+              <a:rPr lang="fr-FR" dirty="0" err="1"/>
+              <a:t>glPushMatrix</a:t>
+            </a:r>
+            <a:r>
+              <a:rPr lang="fr-FR" dirty="0"/>
+              <a:t>(); </a:t>
+            </a:r>
+          </a:p>
+          <a:p>
+            <a:pPr marL="1828800" lvl="4" indent="0">
+              <a:buNone/>
+            </a:pPr>
+            <a:r>
+              <a:rPr lang="fr-FR" dirty="0"/>
+              <a:t>The </a:t>
+            </a:r>
+            <a:r>
+              <a:rPr lang="fr-FR" dirty="0" err="1"/>
+              <a:t>wheel’s</a:t>
+            </a:r>
+            <a:r>
+              <a:rPr lang="fr-FR" dirty="0"/>
+              <a:t> local transformation;</a:t>
+            </a:r>
+          </a:p>
+          <a:p>
+            <a:pPr marL="1828800" lvl="4" indent="0">
+              <a:buNone/>
+            </a:pPr>
+            <a:r>
+              <a:rPr lang="fr-FR" dirty="0" err="1"/>
+              <a:t>Draw</a:t>
+            </a:r>
+            <a:r>
+              <a:rPr lang="fr-FR" dirty="0"/>
+              <a:t> the </a:t>
+            </a:r>
+            <a:r>
+              <a:rPr lang="fr-FR" dirty="0" err="1"/>
+              <a:t>wheel</a:t>
+            </a:r>
+            <a:r>
+              <a:rPr lang="fr-FR" dirty="0" smtClean="0"/>
+              <a:t>;</a:t>
+            </a:r>
+          </a:p>
+          <a:p>
+            <a:pPr marL="1371600" lvl="3" indent="0">
+              <a:buNone/>
+            </a:pPr>
             <a:r>
               <a:rPr lang="fr-FR" dirty="0" err="1" smtClean="0"/>
-              <a:t>glIndex</a:t>
-            </a:r>
-            <a:r>
-              <a:rPr lang="fr-FR" dirty="0" smtClean="0"/>
-              <a:t>{</a:t>
-            </a:r>
-            <a:r>
-              <a:rPr lang="fr-FR" dirty="0" err="1" smtClean="0"/>
-              <a:t>sidf</a:t>
-            </a:r>
-            <a:r>
-              <a:rPr lang="fr-FR" dirty="0" smtClean="0"/>
-              <a:t>..}(type c)</a:t>
-            </a:r>
+              <a:t>glPopMatrix</a:t>
+            </a:r>
+            <a:r>
+              <a:rPr lang="fr-FR" dirty="0"/>
+              <a:t>();</a:t>
+            </a:r>
+          </a:p>
+          <a:p>
+            <a:pPr marL="914400" lvl="2" indent="0">
+              <a:buNone/>
+            </a:pPr>
+            <a:r>
+              <a:rPr lang="fr-FR" dirty="0" err="1"/>
+              <a:t>glPopMatrix</a:t>
+            </a:r>
+            <a:r>
+              <a:rPr lang="fr-FR" dirty="0"/>
+              <a:t>(); </a:t>
+            </a:r>
+          </a:p>
+          <a:p>
+            <a:pPr lvl="1"/>
             <a:endParaRPr lang="fr-FR" dirty="0"/>
           </a:p>
         </p:txBody>
@@ -21871,7 +21822,7 @@
           <a:bodyPr/>
           <a:lstStyle/>
           <a:p>
-            <a:fld id="{1F1F9337-2803-5E4A-A38E-72AB3049A33C}" type="datetime1">
+            <a:fld id="{7F096B74-6F4A-E94D-B10E-6FC42E4DEED2}" type="datetime1">
               <a:rPr lang="fr-FR" smtClean="0"/>
               <a:t>15/09/16</a:t>
             </a:fld>
@@ -21882,7 +21833,7 @@
     </p:spTree>
     <p:extLst>
       <p:ext uri="{BB962C8B-B14F-4D97-AF65-F5344CB8AC3E}">
-        <p14:creationId xmlns:p14="http://schemas.microsoft.com/office/powerpoint/2010/main" val="827455679"/>
+        <p14:creationId xmlns:p14="http://schemas.microsoft.com/office/powerpoint/2010/main" val="3920358594"/>
       </p:ext>
     </p:extLst>
   </p:cSld>
@@ -21945,22 +21896,119 @@
             <p:ph idx="1"/>
           </p:nvPr>
         </p:nvSpPr>
-        <p:spPr>
-          <a:xfrm>
-            <a:off x="3372884" y="3044966"/>
-            <a:ext cx="2403351" cy="2239347"/>
-          </a:xfrm>
-        </p:spPr>
-        <p:txBody>
-          <a:bodyPr/>
-          <a:lstStyle/>
-          <a:p>
-            <a:pPr marL="0" indent="0">
+        <p:spPr/>
+        <p:txBody>
+          <a:bodyPr/>
+          <a:lstStyle/>
+          <a:p>
+            <a:r>
+              <a:rPr lang="fr-FR" dirty="0" smtClean="0"/>
+              <a:t>Deux modes pour gérer les couleurs:</a:t>
+            </a:r>
+          </a:p>
+          <a:p>
+            <a:pPr lvl="1"/>
+            <a:r>
+              <a:rPr lang="fr-FR" dirty="0" smtClean="0"/>
+              <a:t>RGBA</a:t>
+            </a:r>
+          </a:p>
+          <a:p>
+            <a:pPr lvl="2"/>
+            <a:r>
+              <a:rPr lang="fr-FR" dirty="0" smtClean="0"/>
+              <a:t>4 composantes</a:t>
+            </a:r>
+          </a:p>
+          <a:p>
+            <a:pPr lvl="2"/>
+            <a:r>
+              <a:rPr lang="fr-FR" dirty="0" smtClean="0"/>
+              <a:t>Normalisé entre 0.0 et 1.0</a:t>
+            </a:r>
+          </a:p>
+          <a:p>
+            <a:pPr lvl="2"/>
+            <a:r>
+              <a:rPr lang="fr-FR" dirty="0" smtClean="0"/>
+              <a:t>Ex:</a:t>
+            </a:r>
+          </a:p>
+          <a:p>
+            <a:pPr lvl="3"/>
+            <a:r>
+              <a:rPr lang="fr-FR" dirty="0" err="1" smtClean="0"/>
+              <a:t>glColor</a:t>
+            </a:r>
+            <a:r>
+              <a:rPr lang="fr-FR" dirty="0" smtClean="0"/>
+              <a:t>{34}[v] (type </a:t>
+            </a:r>
+            <a:r>
+              <a:rPr lang="fr-FR" dirty="0" err="1" smtClean="0"/>
+              <a:t>Colors</a:t>
+            </a:r>
+            <a:r>
+              <a:rPr lang="fr-FR" dirty="0" smtClean="0"/>
+              <a:t>)</a:t>
+            </a:r>
+          </a:p>
+          <a:p>
+            <a:pPr lvl="1"/>
+            <a:r>
+              <a:rPr lang="fr-FR" dirty="0" smtClean="0"/>
+              <a:t>Index  de couleur</a:t>
+            </a:r>
+          </a:p>
+          <a:p>
+            <a:pPr marL="457200" lvl="1" indent="0">
               <a:buNone/>
             </a:pPr>
             <a:r>
               <a:rPr lang="fr-FR" dirty="0" smtClean="0"/>
-              <a:t>Lumières</a:t>
+              <a:t>	utilise une carte de couleur (externe)</a:t>
+            </a:r>
+          </a:p>
+          <a:p>
+            <a:pPr marL="457200" lvl="1" indent="0">
+              <a:buNone/>
+            </a:pPr>
+            <a:r>
+              <a:rPr lang="fr-FR" dirty="0"/>
+              <a:t>	</a:t>
+            </a:r>
+            <a:r>
+              <a:rPr lang="fr-FR" dirty="0" smtClean="0"/>
+              <a:t>Ex:</a:t>
+            </a:r>
+          </a:p>
+          <a:p>
+            <a:pPr marL="457200" lvl="1" indent="0">
+              <a:buNone/>
+            </a:pPr>
+            <a:r>
+              <a:rPr lang="fr-FR" dirty="0"/>
+              <a:t>	</a:t>
+            </a:r>
+            <a:r>
+              <a:rPr lang="fr-FR" dirty="0" smtClean="0"/>
+              <a:t>	-</a:t>
+            </a:r>
+            <a:r>
+              <a:rPr lang="fr-FR" dirty="0" err="1" smtClean="0"/>
+              <a:t>glIndex</a:t>
+            </a:r>
+            <a:r>
+              <a:rPr lang="fr-FR" dirty="0" smtClean="0"/>
+              <a:t>{</a:t>
+            </a:r>
+            <a:r>
+              <a:rPr lang="fr-FR" dirty="0" err="1" smtClean="0"/>
+              <a:t>sidf</a:t>
+            </a:r>
+            <a:r>
+              <a:rPr lang="fr-FR" dirty="0" smtClean="0"/>
+              <a:t>..}(type c)</a:t>
             </a:r>
             <a:endParaRPr lang="fr-FR" dirty="0"/>
           </a:p>
@@ -22039,7 +22087,7 @@
     </p:spTree>
     <p:extLst>
       <p:ext uri="{BB962C8B-B14F-4D97-AF65-F5344CB8AC3E}">
-        <p14:creationId xmlns:p14="http://schemas.microsoft.com/office/powerpoint/2010/main" val="4159687755"/>
+        <p14:creationId xmlns:p14="http://schemas.microsoft.com/office/powerpoint/2010/main" val="827455679"/>
       </p:ext>
     </p:extLst>
   </p:cSld>
@@ -22102,6 +22150,163 @@
             <p:ph idx="1"/>
           </p:nvPr>
         </p:nvSpPr>
+        <p:spPr>
+          <a:xfrm>
+            <a:off x="3372884" y="3044966"/>
+            <a:ext cx="2403351" cy="2239347"/>
+          </a:xfrm>
+        </p:spPr>
+        <p:txBody>
+          <a:bodyPr/>
+          <a:lstStyle/>
+          <a:p>
+            <a:pPr marL="0" indent="0">
+              <a:buNone/>
+            </a:pPr>
+            <a:r>
+              <a:rPr lang="fr-FR" dirty="0" smtClean="0"/>
+              <a:t>Lumières</a:t>
+            </a:r>
+            <a:endParaRPr lang="fr-FR" dirty="0"/>
+          </a:p>
+        </p:txBody>
+      </p:sp>
+      <p:sp>
+        <p:nvSpPr>
+          <p:cNvPr id="4" name="Espace réservé du pied de page 3"/>
+          <p:cNvSpPr>
+            <a:spLocks noGrp="1"/>
+          </p:cNvSpPr>
+          <p:nvPr>
+            <p:ph type="ftr" sz="quarter" idx="3"/>
+          </p:nvPr>
+        </p:nvSpPr>
+        <p:spPr/>
+        <p:txBody>
+          <a:bodyPr/>
+          <a:lstStyle/>
+          <a:p>
+            <a:r>
+              <a:rPr lang="fr-FR" smtClean="0"/>
+              <a:t>Rémi Ronfard - HMIN317 – API RENDU</a:t>
+            </a:r>
+            <a:endParaRPr lang="fr-FR" b="1" dirty="0"/>
+          </a:p>
+        </p:txBody>
+      </p:sp>
+      <p:sp>
+        <p:nvSpPr>
+          <p:cNvPr id="5" name="Espace réservé du numéro de diapositive 4"/>
+          <p:cNvSpPr>
+            <a:spLocks noGrp="1"/>
+          </p:cNvSpPr>
+          <p:nvPr>
+            <p:ph type="sldNum" sz="quarter" idx="4"/>
+          </p:nvPr>
+        </p:nvSpPr>
+        <p:spPr/>
+        <p:txBody>
+          <a:bodyPr/>
+          <a:lstStyle/>
+          <a:p>
+            <a:fld id="{A6C87E8C-A1B1-CC4A-8C89-9A370644B80A}" type="slidenum">
+              <a:rPr lang="fr-FR" smtClean="0"/>
+              <a:pPr/>
+              <a:t>65</a:t>
+            </a:fld>
+            <a:endParaRPr lang="fr-FR" dirty="0"/>
+          </a:p>
+        </p:txBody>
+      </p:sp>
+      <p:sp>
+        <p:nvSpPr>
+          <p:cNvPr id="6" name="Espace réservé de la date 5"/>
+          <p:cNvSpPr>
+            <a:spLocks noGrp="1"/>
+          </p:cNvSpPr>
+          <p:nvPr>
+            <p:ph type="dt" sz="half" idx="2"/>
+          </p:nvPr>
+        </p:nvSpPr>
+        <p:spPr/>
+        <p:txBody>
+          <a:bodyPr/>
+          <a:lstStyle/>
+          <a:p>
+            <a:fld id="{1F1F9337-2803-5E4A-A38E-72AB3049A33C}" type="datetime1">
+              <a:rPr lang="fr-FR" smtClean="0"/>
+              <a:t>15/09/16</a:t>
+            </a:fld>
+            <a:endParaRPr lang="fr-FR" dirty="0"/>
+          </a:p>
+        </p:txBody>
+      </p:sp>
+    </p:spTree>
+    <p:extLst>
+      <p:ext uri="{BB962C8B-B14F-4D97-AF65-F5344CB8AC3E}">
+        <p14:creationId xmlns:p14="http://schemas.microsoft.com/office/powerpoint/2010/main" val="4159687755"/>
+      </p:ext>
+    </p:extLst>
+  </p:cSld>
+  <p:clrMapOvr>
+    <a:masterClrMapping/>
+  </p:clrMapOvr>
+  <p:timing>
+    <p:tnLst>
+      <p:par>
+        <p:cTn xmlns:p14="http://schemas.microsoft.com/office/powerpoint/2010/main" id="1" dur="indefinite" restart="never" nodeType="tmRoot"/>
+      </p:par>
+    </p:tnLst>
+  </p:timing>
+</p:sld>
+</file>
+
+<file path=ppt/slides/slide66.xml><?xml version="1.0" encoding="utf-8"?>
+<p:sld xmlns:a="http://schemas.openxmlformats.org/drawingml/2006/main" xmlns:r="http://schemas.openxmlformats.org/officeDocument/2006/relationships" xmlns:p="http://schemas.openxmlformats.org/presentationml/2006/main">
+  <p:cSld>
+    <p:spTree>
+      <p:nvGrpSpPr>
+        <p:cNvPr id="1" name=""/>
+        <p:cNvGrpSpPr/>
+        <p:nvPr/>
+      </p:nvGrpSpPr>
+      <p:grpSpPr>
+        <a:xfrm>
+          <a:off x="0" y="0"/>
+          <a:ext cx="0" cy="0"/>
+          <a:chOff x="0" y="0"/>
+          <a:chExt cx="0" cy="0"/>
+        </a:xfrm>
+      </p:grpSpPr>
+      <p:sp>
+        <p:nvSpPr>
+          <p:cNvPr id="2" name="Titre 1"/>
+          <p:cNvSpPr>
+            <a:spLocks noGrp="1"/>
+          </p:cNvSpPr>
+          <p:nvPr>
+            <p:ph type="title"/>
+          </p:nvPr>
+        </p:nvSpPr>
+        <p:spPr/>
+        <p:txBody>
+          <a:bodyPr/>
+          <a:lstStyle/>
+          <a:p>
+            <a:endParaRPr lang="fr-FR"/>
+          </a:p>
+        </p:txBody>
+      </p:sp>
+      <p:sp>
+        <p:nvSpPr>
+          <p:cNvPr id="3" name="Espace réservé du contenu 2"/>
+          <p:cNvSpPr>
+            <a:spLocks noGrp="1"/>
+          </p:cNvSpPr>
+          <p:nvPr>
+            <p:ph idx="1"/>
+          </p:nvPr>
+        </p:nvSpPr>
         <p:spPr/>
         <p:txBody>
           <a:bodyPr>
@@ -22238,7 +22443,7 @@
             <a:fld id="{A6C87E8C-A1B1-CC4A-8C89-9A370644B80A}" type="slidenum">
               <a:rPr lang="fr-FR" smtClean="0"/>
               <a:pPr/>
-              <a:t>65</a:t>
+              <a:t>66</a:t>
             </a:fld>
             <a:endParaRPr lang="fr-FR" dirty="0"/>
           </a:p>
@@ -22345,7 +22550,7 @@
 </p:sld>
 </file>
 
-<file path=ppt/slides/slide66.xml><?xml version="1.0" encoding="utf-8"?>
+<file path=ppt/slides/slide67.xml><?xml version="1.0" encoding="utf-8"?>
 <p:sld xmlns:a="http://schemas.openxmlformats.org/drawingml/2006/main" xmlns:r="http://schemas.openxmlformats.org/officeDocument/2006/relationships" xmlns:p="http://schemas.openxmlformats.org/presentationml/2006/main">
   <p:cSld>
     <p:spTree>
@@ -22418,13 +22623,8 @@
           <a:p>
             <a:r>
               <a:rPr lang="fr-FR" dirty="0" smtClean="0"/>
-              <a:t>Nettoyer le tampon de </a:t>
-            </a:r>
-            <a:r>
-              <a:rPr lang="fr-FR" dirty="0" smtClean="0"/>
-              <a:t>profondeur</a:t>
-            </a:r>
-            <a:endParaRPr lang="fr-FR" dirty="0" smtClean="0"/>
+              <a:t>Nettoyer le tampon de profondeur</a:t>
+            </a:r>
           </a:p>
           <a:p>
             <a:pPr lvl="1"/>
@@ -22484,7 +22684,7 @@
             <a:fld id="{A6C87E8C-A1B1-CC4A-8C89-9A370644B80A}" type="slidenum">
               <a:rPr lang="fr-FR" smtClean="0"/>
               <a:pPr/>
-              <a:t>66</a:t>
+              <a:t>67</a:t>
             </a:fld>
             <a:endParaRPr lang="fr-FR" dirty="0"/>
           </a:p>
@@ -22533,7 +22733,7 @@
 </p:sld>
 </file>
 
-<file path=ppt/slides/slide67.xml><?xml version="1.0" encoding="utf-8"?>
+<file path=ppt/slides/slide68.xml><?xml version="1.0" encoding="utf-8"?>
 <p:sld xmlns:a="http://schemas.openxmlformats.org/drawingml/2006/main" xmlns:r="http://schemas.openxmlformats.org/officeDocument/2006/relationships" xmlns:p="http://schemas.openxmlformats.org/presentationml/2006/main">
   <p:cSld>
     <p:spTree>
@@ -22715,7 +22915,7 @@
             <a:fld id="{A6C87E8C-A1B1-CC4A-8C89-9A370644B80A}" type="slidenum">
               <a:rPr lang="fr-FR" smtClean="0"/>
               <a:pPr/>
-              <a:t>67</a:t>
+              <a:t>68</a:t>
             </a:fld>
             <a:endParaRPr lang="fr-FR" dirty="0"/>
           </a:p>
@@ -22836,7 +23036,7 @@
 </p:sld>
 </file>
 
-<file path=ppt/slides/slide68.xml><?xml version="1.0" encoding="utf-8"?>
+<file path=ppt/slides/slide69.xml><?xml version="1.0" encoding="utf-8"?>
 <p:sld xmlns:a="http://schemas.openxmlformats.org/drawingml/2006/main" xmlns:r="http://schemas.openxmlformats.org/officeDocument/2006/relationships" xmlns:p="http://schemas.openxmlformats.org/presentationml/2006/main">
   <p:cSld>
     <p:spTree>
@@ -22913,7 +23113,7 @@
             <a:fld id="{A6C87E8C-A1B1-CC4A-8C89-9A370644B80A}" type="slidenum">
               <a:rPr lang="fr-FR" smtClean="0"/>
               <a:pPr/>
-              <a:t>68</a:t>
+              <a:t>69</a:t>
             </a:fld>
             <a:endParaRPr lang="fr-FR" dirty="0"/>
           </a:p>
@@ -22991,163 +23191,6 @@
 </p:sld>
 </file>
 
-<file path=ppt/slides/slide69.xml><?xml version="1.0" encoding="utf-8"?>
-<p:sld xmlns:a="http://schemas.openxmlformats.org/drawingml/2006/main" xmlns:r="http://schemas.openxmlformats.org/officeDocument/2006/relationships" xmlns:p="http://schemas.openxmlformats.org/presentationml/2006/main">
-  <p:cSld>
-    <p:spTree>
-      <p:nvGrpSpPr>
-        <p:cNvPr id="1" name=""/>
-        <p:cNvGrpSpPr/>
-        <p:nvPr/>
-      </p:nvGrpSpPr>
-      <p:grpSpPr>
-        <a:xfrm>
-          <a:off x="0" y="0"/>
-          <a:ext cx="0" cy="0"/>
-          <a:chOff x="0" y="0"/>
-          <a:chExt cx="0" cy="0"/>
-        </a:xfrm>
-      </p:grpSpPr>
-      <p:sp>
-        <p:nvSpPr>
-          <p:cNvPr id="2" name="Titre 1"/>
-          <p:cNvSpPr>
-            <a:spLocks noGrp="1"/>
-          </p:cNvSpPr>
-          <p:nvPr>
-            <p:ph type="title"/>
-          </p:nvPr>
-        </p:nvSpPr>
-        <p:spPr/>
-        <p:txBody>
-          <a:bodyPr/>
-          <a:lstStyle/>
-          <a:p>
-            <a:endParaRPr lang="fr-FR"/>
-          </a:p>
-        </p:txBody>
-      </p:sp>
-      <p:sp>
-        <p:nvSpPr>
-          <p:cNvPr id="3" name="Espace réservé du contenu 2"/>
-          <p:cNvSpPr>
-            <a:spLocks noGrp="1"/>
-          </p:cNvSpPr>
-          <p:nvPr>
-            <p:ph idx="1"/>
-          </p:nvPr>
-        </p:nvSpPr>
-        <p:spPr>
-          <a:xfrm>
-            <a:off x="2935912" y="2867456"/>
-            <a:ext cx="5750888" cy="3258707"/>
-          </a:xfrm>
-        </p:spPr>
-        <p:txBody>
-          <a:bodyPr/>
-          <a:lstStyle/>
-          <a:p>
-            <a:pPr marL="0" indent="0">
-              <a:buNone/>
-            </a:pPr>
-            <a:r>
-              <a:rPr lang="fr-FR" dirty="0" smtClean="0"/>
-              <a:t>Effets spéciaux</a:t>
-            </a:r>
-            <a:endParaRPr lang="fr-FR" dirty="0"/>
-          </a:p>
-        </p:txBody>
-      </p:sp>
-      <p:sp>
-        <p:nvSpPr>
-          <p:cNvPr id="4" name="Espace réservé du pied de page 3"/>
-          <p:cNvSpPr>
-            <a:spLocks noGrp="1"/>
-          </p:cNvSpPr>
-          <p:nvPr>
-            <p:ph type="ftr" sz="quarter" idx="3"/>
-          </p:nvPr>
-        </p:nvSpPr>
-        <p:spPr/>
-        <p:txBody>
-          <a:bodyPr/>
-          <a:lstStyle/>
-          <a:p>
-            <a:r>
-              <a:rPr lang="fr-FR" smtClean="0"/>
-              <a:t>Rémi Ronfard - HMIN317 – API RENDU</a:t>
-            </a:r>
-            <a:endParaRPr lang="fr-FR" b="1" dirty="0"/>
-          </a:p>
-        </p:txBody>
-      </p:sp>
-      <p:sp>
-        <p:nvSpPr>
-          <p:cNvPr id="5" name="Espace réservé du numéro de diapositive 4"/>
-          <p:cNvSpPr>
-            <a:spLocks noGrp="1"/>
-          </p:cNvSpPr>
-          <p:nvPr>
-            <p:ph type="sldNum" sz="quarter" idx="4"/>
-          </p:nvPr>
-        </p:nvSpPr>
-        <p:spPr/>
-        <p:txBody>
-          <a:bodyPr/>
-          <a:lstStyle/>
-          <a:p>
-            <a:fld id="{A6C87E8C-A1B1-CC4A-8C89-9A370644B80A}" type="slidenum">
-              <a:rPr lang="fr-FR" smtClean="0"/>
-              <a:pPr/>
-              <a:t>69</a:t>
-            </a:fld>
-            <a:endParaRPr lang="fr-FR" dirty="0"/>
-          </a:p>
-        </p:txBody>
-      </p:sp>
-      <p:sp>
-        <p:nvSpPr>
-          <p:cNvPr id="6" name="Espace réservé de la date 5"/>
-          <p:cNvSpPr>
-            <a:spLocks noGrp="1"/>
-          </p:cNvSpPr>
-          <p:nvPr>
-            <p:ph type="dt" sz="half" idx="2"/>
-          </p:nvPr>
-        </p:nvSpPr>
-        <p:spPr/>
-        <p:txBody>
-          <a:bodyPr/>
-          <a:lstStyle/>
-          <a:p>
-            <a:fld id="{49CA7E3D-5F72-804E-A334-1E1956A27540}" type="datetime1">
-              <a:rPr lang="fr-FR" smtClean="0"/>
-              <a:t>15/09/16</a:t>
-            </a:fld>
-            <a:endParaRPr lang="fr-FR" dirty="0"/>
-          </a:p>
-        </p:txBody>
-      </p:sp>
-    </p:spTree>
-    <p:extLst>
-      <p:ext uri="{BB962C8B-B14F-4D97-AF65-F5344CB8AC3E}">
-        <p14:creationId xmlns:p14="http://schemas.microsoft.com/office/powerpoint/2010/main" val="1606108411"/>
-      </p:ext>
-    </p:extLst>
-  </p:cSld>
-  <p:clrMapOvr>
-    <a:masterClrMapping/>
-  </p:clrMapOvr>
-  <p:timing>
-    <p:tnLst>
-      <p:par>
-        <p:cTn xmlns:p14="http://schemas.microsoft.com/office/powerpoint/2010/main" id="1" dur="indefinite" restart="never" nodeType="tmRoot"/>
-      </p:par>
-    </p:tnLst>
-  </p:timing>
-</p:sld>
-</file>
-
 <file path=ppt/slides/slide7.xml><?xml version="1.0" encoding="utf-8"?>
 <p:sld xmlns:a="http://schemas.openxmlformats.org/drawingml/2006/main" xmlns:r="http://schemas.openxmlformats.org/officeDocument/2006/relationships" xmlns:p="http://schemas.openxmlformats.org/presentationml/2006/main">
   <p:cSld>
@@ -23403,74 +23446,23 @@
             <p:ph idx="1"/>
           </p:nvPr>
         </p:nvSpPr>
-        <p:spPr/>
-        <p:txBody>
-          <a:bodyPr/>
-          <a:lstStyle/>
-          <a:p>
+        <p:spPr>
+          <a:xfrm>
+            <a:off x="2935912" y="2867456"/>
+            <a:ext cx="5750888" cy="3258707"/>
+          </a:xfrm>
+        </p:spPr>
+        <p:txBody>
+          <a:bodyPr/>
+          <a:lstStyle/>
+          <a:p>
+            <a:pPr marL="0" indent="0">
+              <a:buNone/>
+            </a:pPr>
             <a:r>
               <a:rPr lang="fr-FR" dirty="0" smtClean="0"/>
-              <a:t>Plus d’informations sont disponible dans la documentation OpenGL.</a:t>
-            </a:r>
-          </a:p>
-          <a:p>
-            <a:pPr lvl="1"/>
-            <a:r>
-              <a:rPr lang="fr-FR" dirty="0" err="1" smtClean="0"/>
-              <a:t>Blending</a:t>
-            </a:r>
-            <a:endParaRPr lang="fr-FR" dirty="0" smtClean="0"/>
-          </a:p>
-          <a:p>
-            <a:pPr lvl="2"/>
-            <a:r>
-              <a:rPr lang="fr-FR" dirty="0" err="1" smtClean="0"/>
-              <a:t>glBlendFunc</a:t>
-            </a:r>
-            <a:r>
-              <a:rPr lang="fr-FR" dirty="0" smtClean="0"/>
-              <a:t>()</a:t>
-            </a:r>
-          </a:p>
-          <a:p>
-            <a:pPr lvl="1"/>
-            <a:r>
-              <a:rPr lang="fr-FR" dirty="0" smtClean="0"/>
-              <a:t>Brouillard</a:t>
-            </a:r>
-          </a:p>
-          <a:p>
-            <a:pPr lvl="2"/>
-            <a:r>
-              <a:rPr lang="fr-FR" dirty="0" err="1" smtClean="0"/>
-              <a:t>glFog</a:t>
-            </a:r>
-            <a:r>
-              <a:rPr lang="fr-FR" dirty="0" smtClean="0"/>
-              <a:t>()</a:t>
-            </a:r>
-          </a:p>
-          <a:p>
-            <a:pPr lvl="1"/>
-            <a:r>
-              <a:rPr lang="fr-FR" dirty="0" err="1" smtClean="0"/>
-              <a:t>AntiAliasing</a:t>
-            </a:r>
-            <a:endParaRPr lang="fr-FR" dirty="0" smtClean="0"/>
-          </a:p>
-          <a:p>
-            <a:pPr lvl="2"/>
-            <a:r>
-              <a:rPr lang="fr-FR" dirty="0" err="1" smtClean="0"/>
-              <a:t>glHint</a:t>
-            </a:r>
-            <a:r>
-              <a:rPr lang="fr-FR" dirty="0" smtClean="0"/>
-              <a:t>()</a:t>
-            </a:r>
-          </a:p>
-          <a:p>
-            <a:pPr lvl="1"/>
+              <a:t>Effets spéciaux</a:t>
+            </a:r>
             <a:endParaRPr lang="fr-FR" dirty="0"/>
           </a:p>
         </p:txBody>
@@ -23548,7 +23540,7 @@
     </p:spTree>
     <p:extLst>
       <p:ext uri="{BB962C8B-B14F-4D97-AF65-F5344CB8AC3E}">
-        <p14:creationId xmlns:p14="http://schemas.microsoft.com/office/powerpoint/2010/main" val="1106428251"/>
+        <p14:creationId xmlns:p14="http://schemas.microsoft.com/office/powerpoint/2010/main" val="1606108411"/>
       </p:ext>
     </p:extLst>
   </p:cSld>
@@ -23611,6 +23603,214 @@
             <p:ph idx="1"/>
           </p:nvPr>
         </p:nvSpPr>
+        <p:spPr/>
+        <p:txBody>
+          <a:bodyPr/>
+          <a:lstStyle/>
+          <a:p>
+            <a:r>
+              <a:rPr lang="fr-FR" dirty="0" smtClean="0"/>
+              <a:t>Plus d’informations sont disponible dans la documentation OpenGL.</a:t>
+            </a:r>
+          </a:p>
+          <a:p>
+            <a:pPr lvl="1"/>
+            <a:r>
+              <a:rPr lang="fr-FR" dirty="0" err="1" smtClean="0"/>
+              <a:t>Blending</a:t>
+            </a:r>
+            <a:endParaRPr lang="fr-FR" dirty="0" smtClean="0"/>
+          </a:p>
+          <a:p>
+            <a:pPr lvl="2"/>
+            <a:r>
+              <a:rPr lang="fr-FR" dirty="0" err="1" smtClean="0"/>
+              <a:t>glBlendFunc</a:t>
+            </a:r>
+            <a:r>
+              <a:rPr lang="fr-FR" dirty="0" smtClean="0"/>
+              <a:t>()</a:t>
+            </a:r>
+          </a:p>
+          <a:p>
+            <a:pPr lvl="1"/>
+            <a:r>
+              <a:rPr lang="fr-FR" dirty="0" smtClean="0"/>
+              <a:t>Brouillard</a:t>
+            </a:r>
+          </a:p>
+          <a:p>
+            <a:pPr lvl="2"/>
+            <a:r>
+              <a:rPr lang="fr-FR" dirty="0" err="1" smtClean="0"/>
+              <a:t>glFog</a:t>
+            </a:r>
+            <a:r>
+              <a:rPr lang="fr-FR" dirty="0" smtClean="0"/>
+              <a:t>()</a:t>
+            </a:r>
+          </a:p>
+          <a:p>
+            <a:pPr lvl="1"/>
+            <a:r>
+              <a:rPr lang="fr-FR" dirty="0" err="1" smtClean="0"/>
+              <a:t>AntiAliasing</a:t>
+            </a:r>
+            <a:endParaRPr lang="fr-FR" dirty="0" smtClean="0"/>
+          </a:p>
+          <a:p>
+            <a:pPr lvl="2"/>
+            <a:r>
+              <a:rPr lang="fr-FR" dirty="0" err="1" smtClean="0"/>
+              <a:t>glHint</a:t>
+            </a:r>
+            <a:r>
+              <a:rPr lang="fr-FR" dirty="0" smtClean="0"/>
+              <a:t>()</a:t>
+            </a:r>
+          </a:p>
+          <a:p>
+            <a:pPr lvl="1"/>
+            <a:endParaRPr lang="fr-FR" dirty="0"/>
+          </a:p>
+        </p:txBody>
+      </p:sp>
+      <p:sp>
+        <p:nvSpPr>
+          <p:cNvPr id="4" name="Espace réservé du pied de page 3"/>
+          <p:cNvSpPr>
+            <a:spLocks noGrp="1"/>
+          </p:cNvSpPr>
+          <p:nvPr>
+            <p:ph type="ftr" sz="quarter" idx="3"/>
+          </p:nvPr>
+        </p:nvSpPr>
+        <p:spPr/>
+        <p:txBody>
+          <a:bodyPr/>
+          <a:lstStyle/>
+          <a:p>
+            <a:r>
+              <a:rPr lang="fr-FR" smtClean="0"/>
+              <a:t>Rémi Ronfard - HMIN317 – API RENDU</a:t>
+            </a:r>
+            <a:endParaRPr lang="fr-FR" b="1" dirty="0"/>
+          </a:p>
+        </p:txBody>
+      </p:sp>
+      <p:sp>
+        <p:nvSpPr>
+          <p:cNvPr id="5" name="Espace réservé du numéro de diapositive 4"/>
+          <p:cNvSpPr>
+            <a:spLocks noGrp="1"/>
+          </p:cNvSpPr>
+          <p:nvPr>
+            <p:ph type="sldNum" sz="quarter" idx="4"/>
+          </p:nvPr>
+        </p:nvSpPr>
+        <p:spPr/>
+        <p:txBody>
+          <a:bodyPr/>
+          <a:lstStyle/>
+          <a:p>
+            <a:fld id="{A6C87E8C-A1B1-CC4A-8C89-9A370644B80A}" type="slidenum">
+              <a:rPr lang="fr-FR" smtClean="0"/>
+              <a:pPr/>
+              <a:t>71</a:t>
+            </a:fld>
+            <a:endParaRPr lang="fr-FR" dirty="0"/>
+          </a:p>
+        </p:txBody>
+      </p:sp>
+      <p:sp>
+        <p:nvSpPr>
+          <p:cNvPr id="6" name="Espace réservé de la date 5"/>
+          <p:cNvSpPr>
+            <a:spLocks noGrp="1"/>
+          </p:cNvSpPr>
+          <p:nvPr>
+            <p:ph type="dt" sz="half" idx="2"/>
+          </p:nvPr>
+        </p:nvSpPr>
+        <p:spPr/>
+        <p:txBody>
+          <a:bodyPr/>
+          <a:lstStyle/>
+          <a:p>
+            <a:fld id="{49CA7E3D-5F72-804E-A334-1E1956A27540}" type="datetime1">
+              <a:rPr lang="fr-FR" smtClean="0"/>
+              <a:t>15/09/16</a:t>
+            </a:fld>
+            <a:endParaRPr lang="fr-FR" dirty="0"/>
+          </a:p>
+        </p:txBody>
+      </p:sp>
+    </p:spTree>
+    <p:extLst>
+      <p:ext uri="{BB962C8B-B14F-4D97-AF65-F5344CB8AC3E}">
+        <p14:creationId xmlns:p14="http://schemas.microsoft.com/office/powerpoint/2010/main" val="1106428251"/>
+      </p:ext>
+    </p:extLst>
+  </p:cSld>
+  <p:clrMapOvr>
+    <a:masterClrMapping/>
+  </p:clrMapOvr>
+  <p:timing>
+    <p:tnLst>
+      <p:par>
+        <p:cTn xmlns:p14="http://schemas.microsoft.com/office/powerpoint/2010/main" id="1" dur="indefinite" restart="never" nodeType="tmRoot"/>
+      </p:par>
+    </p:tnLst>
+  </p:timing>
+</p:sld>
+</file>
+
+<file path=ppt/slides/slide72.xml><?xml version="1.0" encoding="utf-8"?>
+<p:sld xmlns:a="http://schemas.openxmlformats.org/drawingml/2006/main" xmlns:r="http://schemas.openxmlformats.org/officeDocument/2006/relationships" xmlns:p="http://schemas.openxmlformats.org/presentationml/2006/main">
+  <p:cSld>
+    <p:spTree>
+      <p:nvGrpSpPr>
+        <p:cNvPr id="1" name=""/>
+        <p:cNvGrpSpPr/>
+        <p:nvPr/>
+      </p:nvGrpSpPr>
+      <p:grpSpPr>
+        <a:xfrm>
+          <a:off x="0" y="0"/>
+          <a:ext cx="0" cy="0"/>
+          <a:chOff x="0" y="0"/>
+          <a:chExt cx="0" cy="0"/>
+        </a:xfrm>
+      </p:grpSpPr>
+      <p:sp>
+        <p:nvSpPr>
+          <p:cNvPr id="2" name="Titre 1"/>
+          <p:cNvSpPr>
+            <a:spLocks noGrp="1"/>
+          </p:cNvSpPr>
+          <p:nvPr>
+            <p:ph type="title"/>
+          </p:nvPr>
+        </p:nvSpPr>
+        <p:spPr/>
+        <p:txBody>
+          <a:bodyPr/>
+          <a:lstStyle/>
+          <a:p>
+            <a:endParaRPr lang="fr-FR"/>
+          </a:p>
+        </p:txBody>
+      </p:sp>
+      <p:sp>
+        <p:nvSpPr>
+          <p:cNvPr id="3" name="Espace réservé du contenu 2"/>
+          <p:cNvSpPr>
+            <a:spLocks noGrp="1"/>
+          </p:cNvSpPr>
+          <p:nvPr>
+            <p:ph idx="1"/>
+          </p:nvPr>
+        </p:nvSpPr>
         <p:spPr>
           <a:xfrm>
             <a:off x="457200" y="1224571"/>
@@ -23633,8 +23833,13 @@
             </a:r>
             <a:r>
               <a:rPr lang="fr-FR" dirty="0" smtClean="0"/>
-              <a:t> (cours 4)</a:t>
-            </a:r>
+              <a:t> (cours </a:t>
+            </a:r>
+            <a:r>
+              <a:rPr lang="fr-FR" dirty="0" smtClean="0"/>
+              <a:t>6)</a:t>
+            </a:r>
+            <a:endParaRPr lang="fr-FR" dirty="0" smtClean="0"/>
           </a:p>
           <a:p>
             <a:pPr lvl="1"/>
@@ -23746,7 +23951,7 @@
             <a:fld id="{A6C87E8C-A1B1-CC4A-8C89-9A370644B80A}" type="slidenum">
               <a:rPr lang="fr-FR" smtClean="0"/>
               <a:pPr/>
-              <a:t>71</a:t>
+              <a:t>72</a:t>
             </a:fld>
             <a:endParaRPr lang="fr-FR" dirty="0"/>
           </a:p>
@@ -23812,7 +24017,7 @@
 </p:sld>
 </file>
 
-<file path=ppt/slides/slide72.xml><?xml version="1.0" encoding="utf-8"?>
+<file path=ppt/slides/slide73.xml><?xml version="1.0" encoding="utf-8"?>
 <p:sld xmlns:a="http://schemas.openxmlformats.org/drawingml/2006/main" xmlns:r="http://schemas.openxmlformats.org/officeDocument/2006/relationships" xmlns:p="http://schemas.openxmlformats.org/presentationml/2006/main">
   <p:cSld>
     <p:spTree>
@@ -23871,9 +24076,6 @@
             </a:r>
           </a:p>
           <a:p>
-            <a:endParaRPr lang="fr-FR" sz="1800" dirty="0"/>
-          </a:p>
-          <a:p>
             <a:pPr marL="0" indent="0">
               <a:buNone/>
             </a:pPr>
@@ -23924,11 +24126,49 @@
               <a:t>temps réel: </a:t>
             </a:r>
             <a:r>
-              <a:rPr lang="fr-FR" sz="2000" dirty="0" err="1">
+              <a:rPr lang="fr-FR" sz="2000" dirty="0" smtClean="0">
                 <a:hlinkClick r:id="rId2"/>
               </a:rPr>
               <a:t>www.realtimerendering.com</a:t>
             </a:r>
+            <a:endParaRPr lang="fr-FR" sz="2000" dirty="0"/>
+          </a:p>
+          <a:p>
+            <a:pPr lvl="1"/>
+            <a:r>
+              <a:rPr lang="fr-FR" sz="2000" dirty="0" smtClean="0"/>
+              <a:t>Game </a:t>
+            </a:r>
+            <a:r>
+              <a:rPr lang="fr-FR" sz="2000" dirty="0" err="1" smtClean="0"/>
+              <a:t>programming</a:t>
+            </a:r>
+            <a:r>
+              <a:rPr lang="fr-FR" sz="2000" dirty="0" smtClean="0"/>
+              <a:t> </a:t>
+            </a:r>
+            <a:r>
+              <a:rPr lang="fr-FR" sz="2000" dirty="0" err="1" smtClean="0"/>
+              <a:t>Using</a:t>
+            </a:r>
+            <a:r>
+              <a:rPr lang="fr-FR" sz="2000" dirty="0" smtClean="0"/>
+              <a:t> </a:t>
+            </a:r>
+            <a:r>
+              <a:rPr lang="fr-FR" sz="2000" dirty="0" err="1" smtClean="0"/>
+              <a:t>Qt</a:t>
+            </a:r>
+            <a:endParaRPr lang="fr-FR" sz="2000" dirty="0" smtClean="0"/>
+          </a:p>
+          <a:p>
+            <a:pPr lvl="1"/>
+            <a:endParaRPr lang="fr-FR" sz="2000" dirty="0" smtClean="0"/>
+          </a:p>
+          <a:p>
+            <a:pPr marL="457200" lvl="1" indent="0">
+              <a:buNone/>
+            </a:pPr>
             <a:endParaRPr lang="fr-FR" sz="2000" dirty="0"/>
           </a:p>
           <a:p>
@@ -23937,6 +24177,24 @@
             </a:pPr>
             <a:endParaRPr lang="fr-FR" sz="1600" dirty="0"/>
           </a:p>
+          <a:p>
+            <a:pPr marL="457200" lvl="1" indent="0">
+              <a:buNone/>
+            </a:pPr>
+            <a:endParaRPr lang="fr-FR" sz="1600" dirty="0"/>
+          </a:p>
+          <a:p>
+            <a:pPr marL="457200" lvl="1" indent="0">
+              <a:buNone/>
+            </a:pPr>
+            <a:endParaRPr lang="fr-FR" sz="1600" dirty="0"/>
+          </a:p>
+          <a:p>
+            <a:pPr marL="457200" lvl="1" indent="0">
+              <a:buNone/>
+            </a:pPr>
+            <a:endParaRPr lang="fr-FR" sz="1600" dirty="0" smtClean="0"/>
+          </a:p>
         </p:txBody>
       </p:sp>
       <p:sp>
@@ -23980,7 +24238,7 @@
             <a:fld id="{A6C87E8C-A1B1-CC4A-8C89-9A370644B80A}" type="slidenum">
               <a:rPr lang="fr-FR" smtClean="0"/>
               <a:pPr/>
-              <a:t>72</a:t>
+              <a:t>73</a:t>
             </a:fld>
             <a:endParaRPr lang="fr-FR" dirty="0"/>
           </a:p>
@@ -24003,12 +24261,36 @@
           <a:p>
             <a:fld id="{AAAE0F74-320C-5F47-AD26-F818F9CDFCCA}" type="datetime1">
               <a:rPr lang="fr-FR" smtClean="0"/>
-              <a:t>15/09/16</a:t>
+              <a:t>16/09/16</a:t>
             </a:fld>
             <a:endParaRPr lang="fr-FR" dirty="0"/>
           </a:p>
         </p:txBody>
       </p:sp>
+      <p:pic>
+        <p:nvPicPr>
+          <p:cNvPr id="7" name="Image 6"/>
+          <p:cNvPicPr>
+            <a:picLocks noChangeAspect="1"/>
+          </p:cNvPicPr>
+          <p:nvPr/>
+        </p:nvPicPr>
+        <p:blipFill>
+          <a:blip r:embed="rId3"/>
+          <a:stretch>
+            <a:fillRect/>
+          </a:stretch>
+        </p:blipFill>
+        <p:spPr>
+          <a:xfrm>
+            <a:off x="6462148" y="3314031"/>
+            <a:ext cx="2224652" cy="2812132"/>
+          </a:xfrm>
+          <a:prstGeom prst="rect">
+            <a:avLst/>
+          </a:prstGeom>
+        </p:spPr>
+      </p:pic>
     </p:spTree>
     <p:extLst>
       <p:ext uri="{BB962C8B-B14F-4D97-AF65-F5344CB8AC3E}">
